--- a/DAY-2/docs/презентация.pptx
+++ b/DAY-2/docs/презентация.pptx
@@ -11,16 +11,16 @@
     <p:sldId id="263" r:id="rId2"/>
     <p:sldId id="544" r:id="rId3"/>
     <p:sldId id="313" r:id="rId4"/>
-    <p:sldId id="285" r:id="rId5"/>
+    <p:sldId id="284" r:id="rId5"/>
     <p:sldId id="286" r:id="rId6"/>
     <p:sldId id="287" r:id="rId7"/>
-    <p:sldId id="284" r:id="rId8"/>
-    <p:sldId id="288" r:id="rId9"/>
-    <p:sldId id="289" r:id="rId10"/>
-    <p:sldId id="290" r:id="rId11"/>
-    <p:sldId id="291" r:id="rId12"/>
-    <p:sldId id="292" r:id="rId13"/>
-    <p:sldId id="293" r:id="rId14"/>
+    <p:sldId id="288" r:id="rId8"/>
+    <p:sldId id="289" r:id="rId9"/>
+    <p:sldId id="290" r:id="rId10"/>
+    <p:sldId id="291" r:id="rId11"/>
+    <p:sldId id="292" r:id="rId12"/>
+    <p:sldId id="293" r:id="rId13"/>
+    <p:sldId id="285" r:id="rId14"/>
     <p:sldId id="297" r:id="rId15"/>
     <p:sldId id="295" r:id="rId16"/>
     <p:sldId id="296" r:id="rId17"/>
@@ -3475,710 +3475,6 @@
       </p:grpSpPr>
       <p:sp>
         <p:nvSpPr>
-          <p:cNvPr id="11266" name="Rectangle 2">
-            <a:extLst>
-              <a:ext uri="{FF2B5EF4-FFF2-40B4-BE49-F238E27FC236}">
-                <a16:creationId xmlns:a16="http://schemas.microsoft.com/office/drawing/2014/main" id="{B794FAAF-D273-4D5F-AFDE-3E9790A64408}"/>
-              </a:ext>
-            </a:extLst>
-          </p:cNvPr>
-          <p:cNvSpPr>
-            <a:spLocks noChangeArrowheads="1"/>
-          </p:cNvSpPr>
-          <p:nvPr/>
-        </p:nvSpPr>
-        <p:spPr bwMode="auto">
-          <a:xfrm>
-            <a:off x="-300350" y="834038"/>
-            <a:ext cx="5777825" cy="1569660"/>
-          </a:xfrm>
-          <a:prstGeom prst="rect">
-            <a:avLst/>
-          </a:prstGeom>
-          <a:noFill/>
-          <a:ln>
-            <a:noFill/>
-          </a:ln>
-          <a:extLst>
-            <a:ext uri="{909E8E84-426E-40DD-AFC4-6F175D3DCCD1}">
-              <a14:hiddenFill xmlns:a14="http://schemas.microsoft.com/office/drawing/2010/main">
-                <a:solidFill>
-                  <a:srgbClr val="FFFFFF"/>
-                </a:solidFill>
-              </a14:hiddenFill>
-            </a:ext>
-            <a:ext uri="{91240B29-F687-4F45-9708-019B960494DF}">
-              <a14:hiddenLine xmlns:a14="http://schemas.microsoft.com/office/drawing/2010/main" w="9525">
-                <a:solidFill>
-                  <a:srgbClr val="000000"/>
-                </a:solidFill>
-                <a:miter lim="800000"/>
-                <a:headEnd/>
-                <a:tailEnd/>
-              </a14:hiddenLine>
-            </a:ext>
-          </a:extLst>
-        </p:spPr>
-        <p:txBody>
-          <a:bodyPr wrap="square">
-            <a:spAutoFit/>
-          </a:bodyPr>
-          <a:lstStyle>
-            <a:lvl1pPr marL="342900" indent="-342900" eaLnBrk="0" hangingPunct="0">
-              <a:defRPr sz="2800">
-                <a:solidFill>
-                  <a:schemeClr val="tx1"/>
-                </a:solidFill>
-                <a:latin typeface="Arial" panose="020B0604020202020204" pitchFamily="34" charset="0"/>
-              </a:defRPr>
-            </a:lvl1pPr>
-            <a:lvl2pPr marL="800100" indent="-342900" eaLnBrk="0" hangingPunct="0">
-              <a:defRPr sz="2800">
-                <a:solidFill>
-                  <a:schemeClr val="tx1"/>
-                </a:solidFill>
-                <a:latin typeface="Arial" panose="020B0604020202020204" pitchFamily="34" charset="0"/>
-              </a:defRPr>
-            </a:lvl2pPr>
-            <a:lvl3pPr marL="1143000" indent="-228600" eaLnBrk="0" hangingPunct="0">
-              <a:defRPr sz="2800">
-                <a:solidFill>
-                  <a:schemeClr val="tx1"/>
-                </a:solidFill>
-                <a:latin typeface="Arial" panose="020B0604020202020204" pitchFamily="34" charset="0"/>
-              </a:defRPr>
-            </a:lvl3pPr>
-            <a:lvl4pPr marL="1600200" indent="-228600" eaLnBrk="0" hangingPunct="0">
-              <a:defRPr sz="2800">
-                <a:solidFill>
-                  <a:schemeClr val="tx1"/>
-                </a:solidFill>
-                <a:latin typeface="Arial" panose="020B0604020202020204" pitchFamily="34" charset="0"/>
-              </a:defRPr>
-            </a:lvl4pPr>
-            <a:lvl5pPr marL="2057400" indent="-228600" eaLnBrk="0" hangingPunct="0">
-              <a:defRPr sz="2800">
-                <a:solidFill>
-                  <a:schemeClr val="tx1"/>
-                </a:solidFill>
-                <a:latin typeface="Arial" panose="020B0604020202020204" pitchFamily="34" charset="0"/>
-              </a:defRPr>
-            </a:lvl5pPr>
-            <a:lvl6pPr marL="2514600" indent="-228600" eaLnBrk="0" fontAlgn="base" hangingPunct="0">
-              <a:spcBef>
-                <a:spcPct val="0"/>
-              </a:spcBef>
-              <a:spcAft>
-                <a:spcPct val="0"/>
-              </a:spcAft>
-              <a:defRPr sz="2800">
-                <a:solidFill>
-                  <a:schemeClr val="tx1"/>
-                </a:solidFill>
-                <a:latin typeface="Arial" panose="020B0604020202020204" pitchFamily="34" charset="0"/>
-              </a:defRPr>
-            </a:lvl6pPr>
-            <a:lvl7pPr marL="2971800" indent="-228600" eaLnBrk="0" fontAlgn="base" hangingPunct="0">
-              <a:spcBef>
-                <a:spcPct val="0"/>
-              </a:spcBef>
-              <a:spcAft>
-                <a:spcPct val="0"/>
-              </a:spcAft>
-              <a:defRPr sz="2800">
-                <a:solidFill>
-                  <a:schemeClr val="tx1"/>
-                </a:solidFill>
-                <a:latin typeface="Arial" panose="020B0604020202020204" pitchFamily="34" charset="0"/>
-              </a:defRPr>
-            </a:lvl7pPr>
-            <a:lvl8pPr marL="3429000" indent="-228600" eaLnBrk="0" fontAlgn="base" hangingPunct="0">
-              <a:spcBef>
-                <a:spcPct val="0"/>
-              </a:spcBef>
-              <a:spcAft>
-                <a:spcPct val="0"/>
-              </a:spcAft>
-              <a:defRPr sz="2800">
-                <a:solidFill>
-                  <a:schemeClr val="tx1"/>
-                </a:solidFill>
-                <a:latin typeface="Arial" panose="020B0604020202020204" pitchFamily="34" charset="0"/>
-              </a:defRPr>
-            </a:lvl8pPr>
-            <a:lvl9pPr marL="3886200" indent="-228600" eaLnBrk="0" fontAlgn="base" hangingPunct="0">
-              <a:spcBef>
-                <a:spcPct val="0"/>
-              </a:spcBef>
-              <a:spcAft>
-                <a:spcPct val="0"/>
-              </a:spcAft>
-              <a:defRPr sz="2800">
-                <a:solidFill>
-                  <a:schemeClr val="tx1"/>
-                </a:solidFill>
-                <a:latin typeface="Arial" panose="020B0604020202020204" pitchFamily="34" charset="0"/>
-              </a:defRPr>
-            </a:lvl9pPr>
-          </a:lstStyle>
-          <a:p>
-            <a:pPr marL="457200" lvl="1" indent="0" eaLnBrk="1" hangingPunct="1">
-              <a:buClr>
-                <a:schemeClr val="bg2"/>
-              </a:buClr>
-            </a:pPr>
-            <a:r>
-              <a:rPr lang="ru-RU" altLang="ru-RU" sz="2400" dirty="0"/>
-              <a:t> принадлежность множеству</a:t>
-            </a:r>
-            <a:r>
-              <a:rPr lang="en-US" altLang="ru-RU" sz="2400" dirty="0"/>
-              <a:t> -</a:t>
-            </a:r>
-            <a:r>
-              <a:rPr lang="ru-RU" altLang="ru-RU" sz="2400" dirty="0"/>
-              <a:t> проверяется, принадлежит ли результат вычислений выражения заданному множеству значений.</a:t>
-            </a:r>
-            <a:endParaRPr lang="en-US" altLang="ru-RU" sz="2400" dirty="0"/>
-          </a:p>
-        </p:txBody>
-      </p:sp>
-      <p:sp>
-        <p:nvSpPr>
-          <p:cNvPr id="11267" name="Rectangle 3">
-            <a:extLst>
-              <a:ext uri="{FF2B5EF4-FFF2-40B4-BE49-F238E27FC236}">
-                <a16:creationId xmlns:a16="http://schemas.microsoft.com/office/drawing/2014/main" id="{30F7B168-1C3B-4E74-8BAB-7BF281866E23}"/>
-              </a:ext>
-            </a:extLst>
-          </p:cNvPr>
-          <p:cNvSpPr>
-            <a:spLocks noChangeArrowheads="1"/>
-          </p:cNvSpPr>
-          <p:nvPr/>
-        </p:nvSpPr>
-        <p:spPr bwMode="auto">
-          <a:xfrm>
-            <a:off x="416137" y="136825"/>
-            <a:ext cx="1713931" cy="584775"/>
-          </a:xfrm>
-          <a:prstGeom prst="rect">
-            <a:avLst/>
-          </a:prstGeom>
-          <a:noFill/>
-          <a:ln>
-            <a:noFill/>
-          </a:ln>
-          <a:extLst>
-            <a:ext uri="{909E8E84-426E-40DD-AFC4-6F175D3DCCD1}">
-              <a14:hiddenFill xmlns:a14="http://schemas.microsoft.com/office/drawing/2010/main">
-                <a:solidFill>
-                  <a:srgbClr val="FFFFFF"/>
-                </a:solidFill>
-              </a14:hiddenFill>
-            </a:ext>
-            <a:ext uri="{91240B29-F687-4F45-9708-019B960494DF}">
-              <a14:hiddenLine xmlns:a14="http://schemas.microsoft.com/office/drawing/2010/main" w="9525">
-                <a:solidFill>
-                  <a:srgbClr val="000000"/>
-                </a:solidFill>
-                <a:miter lim="800000"/>
-                <a:headEnd/>
-                <a:tailEnd/>
-              </a14:hiddenLine>
-            </a:ext>
-          </a:extLst>
-        </p:spPr>
-        <p:txBody>
-          <a:bodyPr wrap="none">
-            <a:spAutoFit/>
-          </a:bodyPr>
-          <a:lstStyle>
-            <a:lvl1pPr eaLnBrk="0" hangingPunct="0">
-              <a:defRPr sz="2800">
-                <a:solidFill>
-                  <a:schemeClr val="tx1"/>
-                </a:solidFill>
-                <a:latin typeface="Arial" panose="020B0604020202020204" pitchFamily="34" charset="0"/>
-              </a:defRPr>
-            </a:lvl1pPr>
-            <a:lvl2pPr marL="742950" indent="-285750" eaLnBrk="0" hangingPunct="0">
-              <a:defRPr sz="2800">
-                <a:solidFill>
-                  <a:schemeClr val="tx1"/>
-                </a:solidFill>
-                <a:latin typeface="Arial" panose="020B0604020202020204" pitchFamily="34" charset="0"/>
-              </a:defRPr>
-            </a:lvl2pPr>
-            <a:lvl3pPr marL="1143000" indent="-228600" eaLnBrk="0" hangingPunct="0">
-              <a:defRPr sz="2800">
-                <a:solidFill>
-                  <a:schemeClr val="tx1"/>
-                </a:solidFill>
-                <a:latin typeface="Arial" panose="020B0604020202020204" pitchFamily="34" charset="0"/>
-              </a:defRPr>
-            </a:lvl3pPr>
-            <a:lvl4pPr marL="1600200" indent="-228600" eaLnBrk="0" hangingPunct="0">
-              <a:defRPr sz="2800">
-                <a:solidFill>
-                  <a:schemeClr val="tx1"/>
-                </a:solidFill>
-                <a:latin typeface="Arial" panose="020B0604020202020204" pitchFamily="34" charset="0"/>
-              </a:defRPr>
-            </a:lvl4pPr>
-            <a:lvl5pPr marL="2057400" indent="-228600" eaLnBrk="0" hangingPunct="0">
-              <a:defRPr sz="2800">
-                <a:solidFill>
-                  <a:schemeClr val="tx1"/>
-                </a:solidFill>
-                <a:latin typeface="Arial" panose="020B0604020202020204" pitchFamily="34" charset="0"/>
-              </a:defRPr>
-            </a:lvl5pPr>
-            <a:lvl6pPr marL="2514600" indent="-228600" eaLnBrk="0" fontAlgn="base" hangingPunct="0">
-              <a:spcBef>
-                <a:spcPct val="0"/>
-              </a:spcBef>
-              <a:spcAft>
-                <a:spcPct val="0"/>
-              </a:spcAft>
-              <a:defRPr sz="2800">
-                <a:solidFill>
-                  <a:schemeClr val="tx1"/>
-                </a:solidFill>
-                <a:latin typeface="Arial" panose="020B0604020202020204" pitchFamily="34" charset="0"/>
-              </a:defRPr>
-            </a:lvl6pPr>
-            <a:lvl7pPr marL="2971800" indent="-228600" eaLnBrk="0" fontAlgn="base" hangingPunct="0">
-              <a:spcBef>
-                <a:spcPct val="0"/>
-              </a:spcBef>
-              <a:spcAft>
-                <a:spcPct val="0"/>
-              </a:spcAft>
-              <a:defRPr sz="2800">
-                <a:solidFill>
-                  <a:schemeClr val="tx1"/>
-                </a:solidFill>
-                <a:latin typeface="Arial" panose="020B0604020202020204" pitchFamily="34" charset="0"/>
-              </a:defRPr>
-            </a:lvl7pPr>
-            <a:lvl8pPr marL="3429000" indent="-228600" eaLnBrk="0" fontAlgn="base" hangingPunct="0">
-              <a:spcBef>
-                <a:spcPct val="0"/>
-              </a:spcBef>
-              <a:spcAft>
-                <a:spcPct val="0"/>
-              </a:spcAft>
-              <a:defRPr sz="2800">
-                <a:solidFill>
-                  <a:schemeClr val="tx1"/>
-                </a:solidFill>
-                <a:latin typeface="Arial" panose="020B0604020202020204" pitchFamily="34" charset="0"/>
-              </a:defRPr>
-            </a:lvl8pPr>
-            <a:lvl9pPr marL="3886200" indent="-228600" eaLnBrk="0" fontAlgn="base" hangingPunct="0">
-              <a:spcBef>
-                <a:spcPct val="0"/>
-              </a:spcBef>
-              <a:spcAft>
-                <a:spcPct val="0"/>
-              </a:spcAft>
-              <a:defRPr sz="2800">
-                <a:solidFill>
-                  <a:schemeClr val="tx1"/>
-                </a:solidFill>
-                <a:latin typeface="Arial" panose="020B0604020202020204" pitchFamily="34" charset="0"/>
-              </a:defRPr>
-            </a:lvl9pPr>
-          </a:lstStyle>
-          <a:p>
-            <a:pPr eaLnBrk="1" hangingPunct="1"/>
-            <a:r>
-              <a:rPr lang="en-US" altLang="ru-RU" sz="3200" b="1" dirty="0"/>
-              <a:t>WHERE</a:t>
-            </a:r>
-            <a:endParaRPr lang="ru-RU" altLang="ru-RU" sz="3200" b="1" dirty="0"/>
-          </a:p>
-        </p:txBody>
-      </p:sp>
-      <p:sp>
-        <p:nvSpPr>
-          <p:cNvPr id="11268" name="Rectangle 4">
-            <a:extLst>
-              <a:ext uri="{FF2B5EF4-FFF2-40B4-BE49-F238E27FC236}">
-                <a16:creationId xmlns:a16="http://schemas.microsoft.com/office/drawing/2014/main" id="{F9D85342-0157-48EF-A66B-F0F283C8B735}"/>
-              </a:ext>
-            </a:extLst>
-          </p:cNvPr>
-          <p:cNvSpPr>
-            <a:spLocks noChangeArrowheads="1"/>
-          </p:cNvSpPr>
-          <p:nvPr/>
-        </p:nvSpPr>
-        <p:spPr bwMode="auto">
-          <a:xfrm>
-            <a:off x="4002640" y="2370470"/>
-            <a:ext cx="5161383" cy="1938992"/>
-          </a:xfrm>
-          <a:prstGeom prst="rect">
-            <a:avLst/>
-          </a:prstGeom>
-          <a:noFill/>
-          <a:ln>
-            <a:noFill/>
-          </a:ln>
-          <a:extLst>
-            <a:ext uri="{909E8E84-426E-40DD-AFC4-6F175D3DCCD1}">
-              <a14:hiddenFill xmlns:a14="http://schemas.microsoft.com/office/drawing/2010/main">
-                <a:solidFill>
-                  <a:srgbClr val="FFFFFF"/>
-                </a:solidFill>
-              </a14:hiddenFill>
-            </a:ext>
-            <a:ext uri="{91240B29-F687-4F45-9708-019B960494DF}">
-              <a14:hiddenLine xmlns:a14="http://schemas.microsoft.com/office/drawing/2010/main" w="9525">
-                <a:solidFill>
-                  <a:srgbClr val="000000"/>
-                </a:solidFill>
-                <a:miter lim="800000"/>
-                <a:headEnd/>
-                <a:tailEnd/>
-              </a14:hiddenLine>
-            </a:ext>
-          </a:extLst>
-        </p:spPr>
-        <p:txBody>
-          <a:bodyPr wrap="square">
-            <a:spAutoFit/>
-          </a:bodyPr>
-          <a:lstStyle>
-            <a:lvl1pPr eaLnBrk="0" hangingPunct="0">
-              <a:defRPr sz="2800">
-                <a:solidFill>
-                  <a:schemeClr val="tx1"/>
-                </a:solidFill>
-                <a:latin typeface="Arial" panose="020B0604020202020204" pitchFamily="34" charset="0"/>
-              </a:defRPr>
-            </a:lvl1pPr>
-            <a:lvl2pPr marL="742950" indent="-285750" eaLnBrk="0" hangingPunct="0">
-              <a:defRPr sz="2800">
-                <a:solidFill>
-                  <a:schemeClr val="tx1"/>
-                </a:solidFill>
-                <a:latin typeface="Arial" panose="020B0604020202020204" pitchFamily="34" charset="0"/>
-              </a:defRPr>
-            </a:lvl2pPr>
-            <a:lvl3pPr marL="1143000" indent="-228600" eaLnBrk="0" hangingPunct="0">
-              <a:defRPr sz="2800">
-                <a:solidFill>
-                  <a:schemeClr val="tx1"/>
-                </a:solidFill>
-                <a:latin typeface="Arial" panose="020B0604020202020204" pitchFamily="34" charset="0"/>
-              </a:defRPr>
-            </a:lvl3pPr>
-            <a:lvl4pPr marL="1600200" indent="-228600" eaLnBrk="0" hangingPunct="0">
-              <a:defRPr sz="2800">
-                <a:solidFill>
-                  <a:schemeClr val="tx1"/>
-                </a:solidFill>
-                <a:latin typeface="Arial" panose="020B0604020202020204" pitchFamily="34" charset="0"/>
-              </a:defRPr>
-            </a:lvl4pPr>
-            <a:lvl5pPr marL="2057400" indent="-228600" eaLnBrk="0" hangingPunct="0">
-              <a:defRPr sz="2800">
-                <a:solidFill>
-                  <a:schemeClr val="tx1"/>
-                </a:solidFill>
-                <a:latin typeface="Arial" panose="020B0604020202020204" pitchFamily="34" charset="0"/>
-              </a:defRPr>
-            </a:lvl5pPr>
-            <a:lvl6pPr marL="2514600" indent="-228600" eaLnBrk="0" fontAlgn="base" hangingPunct="0">
-              <a:spcBef>
-                <a:spcPct val="0"/>
-              </a:spcBef>
-              <a:spcAft>
-                <a:spcPct val="0"/>
-              </a:spcAft>
-              <a:defRPr sz="2800">
-                <a:solidFill>
-                  <a:schemeClr val="tx1"/>
-                </a:solidFill>
-                <a:latin typeface="Arial" panose="020B0604020202020204" pitchFamily="34" charset="0"/>
-              </a:defRPr>
-            </a:lvl6pPr>
-            <a:lvl7pPr marL="2971800" indent="-228600" eaLnBrk="0" fontAlgn="base" hangingPunct="0">
-              <a:spcBef>
-                <a:spcPct val="0"/>
-              </a:spcBef>
-              <a:spcAft>
-                <a:spcPct val="0"/>
-              </a:spcAft>
-              <a:defRPr sz="2800">
-                <a:solidFill>
-                  <a:schemeClr val="tx1"/>
-                </a:solidFill>
-                <a:latin typeface="Arial" panose="020B0604020202020204" pitchFamily="34" charset="0"/>
-              </a:defRPr>
-            </a:lvl7pPr>
-            <a:lvl8pPr marL="3429000" indent="-228600" eaLnBrk="0" fontAlgn="base" hangingPunct="0">
-              <a:spcBef>
-                <a:spcPct val="0"/>
-              </a:spcBef>
-              <a:spcAft>
-                <a:spcPct val="0"/>
-              </a:spcAft>
-              <a:defRPr sz="2800">
-                <a:solidFill>
-                  <a:schemeClr val="tx1"/>
-                </a:solidFill>
-                <a:latin typeface="Arial" panose="020B0604020202020204" pitchFamily="34" charset="0"/>
-              </a:defRPr>
-            </a:lvl8pPr>
-            <a:lvl9pPr marL="3886200" indent="-228600" eaLnBrk="0" fontAlgn="base" hangingPunct="0">
-              <a:spcBef>
-                <a:spcPct val="0"/>
-              </a:spcBef>
-              <a:spcAft>
-                <a:spcPct val="0"/>
-              </a:spcAft>
-              <a:defRPr sz="2800">
-                <a:solidFill>
-                  <a:schemeClr val="tx1"/>
-                </a:solidFill>
-                <a:latin typeface="Arial" panose="020B0604020202020204" pitchFamily="34" charset="0"/>
-              </a:defRPr>
-            </a:lvl9pPr>
-          </a:lstStyle>
-          <a:p>
-            <a:pPr eaLnBrk="1" hangingPunct="1"/>
-            <a:r>
-              <a:rPr lang="ru-RU" altLang="ru-RU" sz="2400" dirty="0"/>
-              <a:t>SELECT *</a:t>
-            </a:r>
-          </a:p>
-          <a:p>
-            <a:pPr eaLnBrk="1" hangingPunct="1"/>
-            <a:r>
-              <a:rPr lang="ru-RU" altLang="ru-RU" sz="2400" dirty="0"/>
-              <a:t>FROM Владельцы</a:t>
-            </a:r>
-          </a:p>
-          <a:p>
-            <a:pPr eaLnBrk="1" hangingPunct="1"/>
-            <a:r>
-              <a:rPr lang="ru-RU" altLang="ru-RU" sz="2400" dirty="0"/>
-              <a:t>WHERE Фамилия IN</a:t>
-            </a:r>
-          </a:p>
-          <a:p>
-            <a:pPr eaLnBrk="1" hangingPunct="1"/>
-            <a:r>
-              <a:rPr lang="ru-RU" altLang="ru-RU" sz="2400" dirty="0"/>
-              <a:t>("</a:t>
-            </a:r>
-            <a:r>
-              <a:rPr lang="ru-RU" altLang="ru-RU" sz="2400" dirty="0" err="1"/>
-              <a:t>Чернышов</a:t>
-            </a:r>
-            <a:r>
-              <a:rPr lang="ru-RU" altLang="ru-RU" sz="2400" dirty="0"/>
-              <a:t>", "Медведев", "</a:t>
-            </a:r>
-            <a:r>
-              <a:rPr lang="ru-RU" altLang="ru-RU" sz="2400" dirty="0" err="1"/>
-              <a:t>Гаспарян</a:t>
-            </a:r>
-            <a:r>
-              <a:rPr lang="ru-RU" altLang="ru-RU" sz="2400" dirty="0"/>
-              <a:t>", "Слободской");</a:t>
-            </a:r>
-          </a:p>
-        </p:txBody>
-      </p:sp>
-      <p:sp>
-        <p:nvSpPr>
-          <p:cNvPr id="11269" name="Rectangle 5">
-            <a:extLst>
-              <a:ext uri="{FF2B5EF4-FFF2-40B4-BE49-F238E27FC236}">
-                <a16:creationId xmlns:a16="http://schemas.microsoft.com/office/drawing/2014/main" id="{10BD8E60-CF52-44BC-A175-5CB5E72243E7}"/>
-              </a:ext>
-            </a:extLst>
-          </p:cNvPr>
-          <p:cNvSpPr>
-            <a:spLocks noChangeArrowheads="1"/>
-          </p:cNvSpPr>
-          <p:nvPr/>
-        </p:nvSpPr>
-        <p:spPr bwMode="auto">
-          <a:xfrm>
-            <a:off x="224091" y="2746946"/>
-            <a:ext cx="3918745" cy="1938992"/>
-          </a:xfrm>
-          <a:prstGeom prst="rect">
-            <a:avLst/>
-          </a:prstGeom>
-          <a:noFill/>
-          <a:ln>
-            <a:noFill/>
-          </a:ln>
-          <a:extLst>
-            <a:ext uri="{909E8E84-426E-40DD-AFC4-6F175D3DCCD1}">
-              <a14:hiddenFill xmlns:a14="http://schemas.microsoft.com/office/drawing/2010/main">
-                <a:solidFill>
-                  <a:srgbClr val="FFFFFF"/>
-                </a:solidFill>
-              </a14:hiddenFill>
-            </a:ext>
-            <a:ext uri="{91240B29-F687-4F45-9708-019B960494DF}">
-              <a14:hiddenLine xmlns:a14="http://schemas.microsoft.com/office/drawing/2010/main" w="9525">
-                <a:solidFill>
-                  <a:srgbClr val="000000"/>
-                </a:solidFill>
-                <a:miter lim="800000"/>
-                <a:headEnd/>
-                <a:tailEnd/>
-              </a14:hiddenLine>
-            </a:ext>
-          </a:extLst>
-        </p:spPr>
-        <p:txBody>
-          <a:bodyPr wrap="square">
-            <a:spAutoFit/>
-          </a:bodyPr>
-          <a:lstStyle>
-            <a:lvl1pPr eaLnBrk="0" hangingPunct="0">
-              <a:defRPr sz="2800">
-                <a:solidFill>
-                  <a:schemeClr val="tx1"/>
-                </a:solidFill>
-                <a:latin typeface="Arial" panose="020B0604020202020204" pitchFamily="34" charset="0"/>
-              </a:defRPr>
-            </a:lvl1pPr>
-            <a:lvl2pPr marL="742950" indent="-285750" eaLnBrk="0" hangingPunct="0">
-              <a:defRPr sz="2800">
-                <a:solidFill>
-                  <a:schemeClr val="tx1"/>
-                </a:solidFill>
-                <a:latin typeface="Arial" panose="020B0604020202020204" pitchFamily="34" charset="0"/>
-              </a:defRPr>
-            </a:lvl2pPr>
-            <a:lvl3pPr marL="1143000" indent="-228600" eaLnBrk="0" hangingPunct="0">
-              <a:defRPr sz="2800">
-                <a:solidFill>
-                  <a:schemeClr val="tx1"/>
-                </a:solidFill>
-                <a:latin typeface="Arial" panose="020B0604020202020204" pitchFamily="34" charset="0"/>
-              </a:defRPr>
-            </a:lvl3pPr>
-            <a:lvl4pPr marL="1600200" indent="-228600" eaLnBrk="0" hangingPunct="0">
-              <a:defRPr sz="2800">
-                <a:solidFill>
-                  <a:schemeClr val="tx1"/>
-                </a:solidFill>
-                <a:latin typeface="Arial" panose="020B0604020202020204" pitchFamily="34" charset="0"/>
-              </a:defRPr>
-            </a:lvl4pPr>
-            <a:lvl5pPr marL="2057400" indent="-228600" eaLnBrk="0" hangingPunct="0">
-              <a:defRPr sz="2800">
-                <a:solidFill>
-                  <a:schemeClr val="tx1"/>
-                </a:solidFill>
-                <a:latin typeface="Arial" panose="020B0604020202020204" pitchFamily="34" charset="0"/>
-              </a:defRPr>
-            </a:lvl5pPr>
-            <a:lvl6pPr marL="2514600" indent="-228600" eaLnBrk="0" fontAlgn="base" hangingPunct="0">
-              <a:spcBef>
-                <a:spcPct val="0"/>
-              </a:spcBef>
-              <a:spcAft>
-                <a:spcPct val="0"/>
-              </a:spcAft>
-              <a:defRPr sz="2800">
-                <a:solidFill>
-                  <a:schemeClr val="tx1"/>
-                </a:solidFill>
-                <a:latin typeface="Arial" panose="020B0604020202020204" pitchFamily="34" charset="0"/>
-              </a:defRPr>
-            </a:lvl6pPr>
-            <a:lvl7pPr marL="2971800" indent="-228600" eaLnBrk="0" fontAlgn="base" hangingPunct="0">
-              <a:spcBef>
-                <a:spcPct val="0"/>
-              </a:spcBef>
-              <a:spcAft>
-                <a:spcPct val="0"/>
-              </a:spcAft>
-              <a:defRPr sz="2800">
-                <a:solidFill>
-                  <a:schemeClr val="tx1"/>
-                </a:solidFill>
-                <a:latin typeface="Arial" panose="020B0604020202020204" pitchFamily="34" charset="0"/>
-              </a:defRPr>
-            </a:lvl7pPr>
-            <a:lvl8pPr marL="3429000" indent="-228600" eaLnBrk="0" fontAlgn="base" hangingPunct="0">
-              <a:spcBef>
-                <a:spcPct val="0"/>
-              </a:spcBef>
-              <a:spcAft>
-                <a:spcPct val="0"/>
-              </a:spcAft>
-              <a:defRPr sz="2800">
-                <a:solidFill>
-                  <a:schemeClr val="tx1"/>
-                </a:solidFill>
-                <a:latin typeface="Arial" panose="020B0604020202020204" pitchFamily="34" charset="0"/>
-              </a:defRPr>
-            </a:lvl8pPr>
-            <a:lvl9pPr marL="3886200" indent="-228600" eaLnBrk="0" fontAlgn="base" hangingPunct="0">
-              <a:spcBef>
-                <a:spcPct val="0"/>
-              </a:spcBef>
-              <a:spcAft>
-                <a:spcPct val="0"/>
-              </a:spcAft>
-              <a:defRPr sz="2800">
-                <a:solidFill>
-                  <a:schemeClr val="tx1"/>
-                </a:solidFill>
-                <a:latin typeface="Arial" panose="020B0604020202020204" pitchFamily="34" charset="0"/>
-              </a:defRPr>
-            </a:lvl9pPr>
-          </a:lstStyle>
-          <a:p>
-            <a:pPr eaLnBrk="1" hangingPunct="1"/>
-            <a:r>
-              <a:rPr lang="ru-RU" altLang="ru-RU" sz="2400" dirty="0"/>
-              <a:t>Оператор IN используется для сравнения некоторого значения со списком заданных значений</a:t>
-            </a:r>
-          </a:p>
-        </p:txBody>
-      </p:sp>
-    </p:spTree>
-  </p:cSld>
-  <p:clrMapOvr>
-    <a:masterClrMapping/>
-  </p:clrMapOvr>
-</p:sld>
-</file>
-
-<file path=ppt/slides/slide11.xml><?xml version="1.0" encoding="utf-8"?>
-<p:sld xmlns:a="http://schemas.openxmlformats.org/drawingml/2006/main" xmlns:r="http://schemas.openxmlformats.org/officeDocument/2006/relationships" xmlns:p="http://schemas.openxmlformats.org/presentationml/2006/main">
-  <p:cSld>
-    <p:spTree>
-      <p:nvGrpSpPr>
-        <p:cNvPr id="1" name=""/>
-        <p:cNvGrpSpPr/>
-        <p:nvPr/>
-      </p:nvGrpSpPr>
-      <p:grpSpPr>
-        <a:xfrm>
-          <a:off x="0" y="0"/>
-          <a:ext cx="0" cy="0"/>
-          <a:chOff x="0" y="0"/>
-          <a:chExt cx="0" cy="0"/>
-        </a:xfrm>
-      </p:grpSpPr>
-      <p:sp>
-        <p:nvSpPr>
           <p:cNvPr id="12290" name="Rectangle 2">
             <a:extLst>
               <a:ext uri="{FF2B5EF4-FFF2-40B4-BE49-F238E27FC236}">
@@ -4193,8 +3489,8 @@
         </p:nvSpPr>
         <p:spPr bwMode="auto">
           <a:xfrm>
-            <a:off x="62973" y="912637"/>
-            <a:ext cx="6669881" cy="1200329"/>
+            <a:off x="279667" y="894367"/>
+            <a:ext cx="6293000" cy="1200329"/>
           </a:xfrm>
           <a:prstGeom prst="rect">
             <a:avLst/>
@@ -4224,7 +3520,7 @@
           </a:extLst>
         </p:spPr>
         <p:txBody>
-          <a:bodyPr>
+          <a:bodyPr wrap="square">
             <a:spAutoFit/>
           </a:bodyPr>
           <a:lstStyle>
@@ -4326,7 +3622,7 @@
             </a:lvl9pPr>
           </a:lstStyle>
           <a:p>
-            <a:pPr marL="457200" lvl="1" indent="0" eaLnBrk="1" hangingPunct="1">
+            <a:pPr marL="0" lvl="1" indent="0" eaLnBrk="1" hangingPunct="1">
               <a:buClr>
                 <a:schemeClr val="bg2"/>
               </a:buClr>
@@ -4648,7 +3944,11 @@
           <a:p>
             <a:pPr eaLnBrk="1" hangingPunct="1"/>
             <a:r>
-              <a:rPr lang="ru-RU" altLang="ru-RU" sz="2100"/>
+              <a:rPr lang="ru-RU" altLang="ru-RU" sz="2100" dirty="0">
+                <a:solidFill>
+                  <a:srgbClr val="0000FF"/>
+                </a:solidFill>
+              </a:rPr>
               <a:t>С помощью оператора LIKE можно выполнять сравнение выражения с заданным шаблоном, в котором допускается использование символов-заменителей:</a:t>
             </a:r>
           </a:p>
@@ -4670,7 +3970,7 @@
         </p:nvSpPr>
         <p:spPr bwMode="auto">
           <a:xfrm>
-            <a:off x="3822819" y="2301296"/>
+            <a:off x="4003029" y="2361366"/>
             <a:ext cx="4039685" cy="1754326"/>
           </a:xfrm>
           <a:prstGeom prst="rect">
@@ -4843,10 +4143,134 @@
   <p:clrMapOvr>
     <a:masterClrMapping/>
   </p:clrMapOvr>
+  <p:timing>
+    <p:tnLst>
+      <p:par>
+        <p:cTn id="1" dur="indefinite" restart="never" nodeType="tmRoot">
+          <p:childTnLst>
+            <p:seq concurrent="1" nextAc="seek">
+              <p:cTn id="2" dur="indefinite" nodeType="mainSeq">
+                <p:childTnLst>
+                  <p:par>
+                    <p:cTn id="3" fill="hold">
+                      <p:stCondLst>
+                        <p:cond delay="indefinite"/>
+                      </p:stCondLst>
+                      <p:childTnLst>
+                        <p:par>
+                          <p:cTn id="4" fill="hold">
+                            <p:stCondLst>
+                              <p:cond delay="0"/>
+                            </p:stCondLst>
+                            <p:childTnLst>
+                              <p:par>
+                                <p:cTn id="5" presetID="1" presetClass="entr" presetSubtype="0" fill="hold" grpId="0" nodeType="clickEffect">
+                                  <p:stCondLst>
+                                    <p:cond delay="0"/>
+                                  </p:stCondLst>
+                                  <p:childTnLst>
+                                    <p:set>
+                                      <p:cBhvr>
+                                        <p:cTn id="6" dur="1" fill="hold">
+                                          <p:stCondLst>
+                                            <p:cond delay="0"/>
+                                          </p:stCondLst>
+                                        </p:cTn>
+                                        <p:tgtEl>
+                                          <p:spTgt spid="41991"/>
+                                        </p:tgtEl>
+                                        <p:attrNameLst>
+                                          <p:attrName>style.visibility</p:attrName>
+                                        </p:attrNameLst>
+                                      </p:cBhvr>
+                                      <p:to>
+                                        <p:strVal val="visible"/>
+                                      </p:to>
+                                    </p:set>
+                                  </p:childTnLst>
+                                </p:cTn>
+                              </p:par>
+                            </p:childTnLst>
+                          </p:cTn>
+                        </p:par>
+                      </p:childTnLst>
+                    </p:cTn>
+                  </p:par>
+                  <p:par>
+                    <p:cTn id="7" fill="hold">
+                      <p:stCondLst>
+                        <p:cond delay="indefinite"/>
+                      </p:stCondLst>
+                      <p:childTnLst>
+                        <p:par>
+                          <p:cTn id="8" fill="hold">
+                            <p:stCondLst>
+                              <p:cond delay="0"/>
+                            </p:stCondLst>
+                            <p:childTnLst>
+                              <p:par>
+                                <p:cTn id="9" presetID="1" presetClass="entr" presetSubtype="0" fill="hold" grpId="0" nodeType="clickEffect">
+                                  <p:stCondLst>
+                                    <p:cond delay="0"/>
+                                  </p:stCondLst>
+                                  <p:childTnLst>
+                                    <p:set>
+                                      <p:cBhvr>
+                                        <p:cTn id="10" dur="1" fill="hold">
+                                          <p:stCondLst>
+                                            <p:cond delay="0"/>
+                                          </p:stCondLst>
+                                        </p:cTn>
+                                        <p:tgtEl>
+                                          <p:spTgt spid="12292"/>
+                                        </p:tgtEl>
+                                        <p:attrNameLst>
+                                          <p:attrName>style.visibility</p:attrName>
+                                        </p:attrNameLst>
+                                      </p:cBhvr>
+                                      <p:to>
+                                        <p:strVal val="visible"/>
+                                      </p:to>
+                                    </p:set>
+                                  </p:childTnLst>
+                                </p:cTn>
+                              </p:par>
+                            </p:childTnLst>
+                          </p:cTn>
+                        </p:par>
+                      </p:childTnLst>
+                    </p:cTn>
+                  </p:par>
+                </p:childTnLst>
+              </p:cTn>
+              <p:prevCondLst>
+                <p:cond evt="onPrev" delay="0">
+                  <p:tgtEl>
+                    <p:sldTgt/>
+                  </p:tgtEl>
+                </p:cond>
+              </p:prevCondLst>
+              <p:nextCondLst>
+                <p:cond evt="onNext" delay="0">
+                  <p:tgtEl>
+                    <p:sldTgt/>
+                  </p:tgtEl>
+                </p:cond>
+              </p:nextCondLst>
+            </p:seq>
+          </p:childTnLst>
+        </p:cTn>
+      </p:par>
+    </p:tnLst>
+    <p:bldLst>
+      <p:bldP spid="12292" grpId="0"/>
+      <p:bldP spid="41991" grpId="0"/>
+    </p:bldLst>
+  </p:timing>
 </p:sld>
 </file>
 
-<file path=ppt/slides/slide12.xml><?xml version="1.0" encoding="utf-8"?>
+<file path=ppt/slides/slide11.xml><?xml version="1.0" encoding="utf-8"?>
 <p:sld xmlns:a="http://schemas.openxmlformats.org/drawingml/2006/main" xmlns:r="http://schemas.openxmlformats.org/officeDocument/2006/relationships" xmlns:p="http://schemas.openxmlformats.org/presentationml/2006/main">
   <p:cSld>
     <p:spTree>
@@ -4879,8 +4303,8 @@
         </p:nvSpPr>
         <p:spPr bwMode="auto">
           <a:xfrm>
-            <a:off x="2457539" y="396592"/>
-            <a:ext cx="1330814" cy="461665"/>
+            <a:off x="382279" y="203632"/>
+            <a:ext cx="1519968" cy="523220"/>
           </a:xfrm>
           <a:prstGeom prst="rect">
             <a:avLst/>
@@ -5014,10 +4438,10 @@
           <a:p>
             <a:pPr eaLnBrk="1" hangingPunct="1"/>
             <a:r>
-              <a:rPr lang="en-US" altLang="ru-RU" sz="2400" b="1"/>
+              <a:rPr lang="en-US" altLang="ru-RU" b="1" dirty="0"/>
               <a:t>WHERE</a:t>
             </a:r>
-            <a:endParaRPr lang="ru-RU" altLang="ru-RU" sz="2400" b="1"/>
+            <a:endParaRPr lang="ru-RU" altLang="ru-RU" b="1" dirty="0"/>
           </a:p>
         </p:txBody>
       </p:sp>
@@ -5038,7 +4462,7 @@
         <p:spPr bwMode="auto">
           <a:xfrm>
             <a:off x="382280" y="3477929"/>
-            <a:ext cx="6318647" cy="1200329"/>
+            <a:ext cx="6318647" cy="830997"/>
           </a:xfrm>
           <a:prstGeom prst="rect">
             <a:avLst/>
@@ -5172,37 +4596,70 @@
           <a:p>
             <a:pPr eaLnBrk="1" hangingPunct="1"/>
             <a:r>
-              <a:rPr lang="ru-RU" altLang="ru-RU" sz="2400"/>
-              <a:t>SELECT *</a:t>
+              <a:rPr lang="ru-RU" altLang="ru-RU" sz="2400" dirty="0">
+                <a:solidFill>
+                  <a:srgbClr val="0000FF"/>
+                </a:solidFill>
+              </a:rPr>
+              <a:t>SELECT * FROM Владельцы</a:t>
             </a:r>
           </a:p>
           <a:p>
             <a:pPr eaLnBrk="1" hangingPunct="1"/>
             <a:r>
-              <a:rPr lang="ru-RU" altLang="ru-RU" sz="2400"/>
-              <a:t>FROM Владельцы</a:t>
-            </a:r>
-          </a:p>
-          <a:p>
-            <a:pPr eaLnBrk="1" hangingPunct="1"/>
-            <a:r>
-              <a:rPr lang="ru-RU" altLang="ru-RU" sz="2400"/>
-              <a:t>WHERE Телефон Like </a:t>
-            </a:r>
-            <a:r>
-              <a:rPr lang="en-US" altLang="ru-RU" sz="2400"/>
+              <a:rPr lang="ru-RU" altLang="ru-RU" sz="2400" dirty="0">
+                <a:solidFill>
+                  <a:srgbClr val="C00000"/>
+                </a:solidFill>
+              </a:rPr>
+              <a:t>WHERE Телефон </a:t>
+            </a:r>
+            <a:r>
+              <a:rPr lang="ru-RU" altLang="ru-RU" sz="2400" dirty="0" err="1">
+                <a:solidFill>
+                  <a:srgbClr val="C00000"/>
+                </a:solidFill>
+              </a:rPr>
+              <a:t>Like</a:t>
+            </a:r>
+            <a:r>
+              <a:rPr lang="ru-RU" altLang="ru-RU" sz="2400" dirty="0">
+                <a:solidFill>
+                  <a:srgbClr val="C00000"/>
+                </a:solidFill>
+              </a:rPr>
+              <a:t> </a:t>
+            </a:r>
+            <a:r>
+              <a:rPr lang="en-US" altLang="ru-RU" sz="2400" dirty="0">
+                <a:solidFill>
+                  <a:srgbClr val="C00000"/>
+                </a:solidFill>
+              </a:rPr>
               <a:t>“</a:t>
             </a:r>
             <a:r>
-              <a:rPr lang="ru-RU" altLang="ru-RU" sz="2400"/>
+              <a:rPr lang="ru-RU" altLang="ru-RU" sz="2400" dirty="0">
+                <a:solidFill>
+                  <a:srgbClr val="C00000"/>
+                </a:solidFill>
+              </a:rPr>
               <a:t>[6,4]?????0</a:t>
             </a:r>
             <a:r>
-              <a:rPr lang="en-US" altLang="ru-RU" sz="2400"/>
+              <a:rPr lang="en-US" altLang="ru-RU" sz="2400" dirty="0">
+                <a:solidFill>
+                  <a:srgbClr val="C00000"/>
+                </a:solidFill>
+              </a:rPr>
               <a:t>”</a:t>
             </a:r>
             <a:r>
-              <a:rPr lang="ru-RU" altLang="ru-RU" sz="2400"/>
+              <a:rPr lang="ru-RU" altLang="ru-RU" sz="2400" dirty="0">
+                <a:solidFill>
+                  <a:srgbClr val="C00000"/>
+                </a:solidFill>
+              </a:rPr>
               <a:t>;</a:t>
             </a:r>
           </a:p>
@@ -5359,37 +4816,81 @@
           <a:p>
             <a:pPr eaLnBrk="1" hangingPunct="1"/>
             <a:r>
-              <a:rPr lang="ru-RU" altLang="ru-RU" sz="2400"/>
+              <a:rPr lang="ru-RU" altLang="ru-RU" sz="2400" dirty="0">
+                <a:solidFill>
+                  <a:srgbClr val="0000FF"/>
+                </a:solidFill>
+              </a:rPr>
               <a:t>SELECT *</a:t>
             </a:r>
           </a:p>
           <a:p>
             <a:pPr eaLnBrk="1" hangingPunct="1"/>
             <a:r>
-              <a:rPr lang="ru-RU" altLang="ru-RU" sz="2400"/>
+              <a:rPr lang="ru-RU" altLang="ru-RU" sz="2400" dirty="0">
+                <a:solidFill>
+                  <a:srgbClr val="0000FF"/>
+                </a:solidFill>
+              </a:rPr>
               <a:t>FROM Владельцы</a:t>
             </a:r>
           </a:p>
           <a:p>
             <a:pPr eaLnBrk="1" hangingPunct="1"/>
             <a:r>
-              <a:rPr lang="ru-RU" altLang="ru-RU" sz="2400"/>
-              <a:t>WHERE Телефон Like </a:t>
-            </a:r>
-            <a:r>
-              <a:rPr lang="en-US" altLang="ru-RU" sz="2400"/>
+              <a:rPr lang="ru-RU" altLang="ru-RU" sz="2400" dirty="0">
+                <a:solidFill>
+                  <a:srgbClr val="C00000"/>
+                </a:solidFill>
+              </a:rPr>
+              <a:t>WHERE Телефон </a:t>
+            </a:r>
+            <a:r>
+              <a:rPr lang="ru-RU" altLang="ru-RU" sz="2400" dirty="0" err="1">
+                <a:solidFill>
+                  <a:srgbClr val="C00000"/>
+                </a:solidFill>
+              </a:rPr>
+              <a:t>Like</a:t>
+            </a:r>
+            <a:r>
+              <a:rPr lang="ru-RU" altLang="ru-RU" sz="2400" dirty="0">
+                <a:solidFill>
+                  <a:srgbClr val="C00000"/>
+                </a:solidFill>
+              </a:rPr>
+              <a:t> </a:t>
+            </a:r>
+            <a:r>
+              <a:rPr lang="en-US" altLang="ru-RU" sz="2400" dirty="0">
+                <a:solidFill>
+                  <a:srgbClr val="C00000"/>
+                </a:solidFill>
+              </a:rPr>
               <a:t>“</a:t>
             </a:r>
             <a:r>
-              <a:rPr lang="ru-RU" altLang="ru-RU" sz="2400"/>
+              <a:rPr lang="ru-RU" altLang="ru-RU" sz="2400" dirty="0">
+                <a:solidFill>
+                  <a:srgbClr val="C00000"/>
+                </a:solidFill>
+              </a:rPr>
               <a:t>6</a:t>
             </a:r>
             <a:r>
-              <a:rPr lang="en-US" altLang="ru-RU" sz="2400"/>
+              <a:rPr lang="en-US" altLang="ru-RU" sz="2400" dirty="0">
+                <a:solidFill>
+                  <a:srgbClr val="C00000"/>
+                </a:solidFill>
+              </a:rPr>
               <a:t>*”</a:t>
             </a:r>
             <a:r>
-              <a:rPr lang="ru-RU" altLang="ru-RU" sz="2400"/>
+              <a:rPr lang="ru-RU" altLang="ru-RU" sz="2400" dirty="0">
+                <a:solidFill>
+                  <a:srgbClr val="C00000"/>
+                </a:solidFill>
+              </a:rPr>
               <a:t>;</a:t>
             </a:r>
           </a:p>
@@ -5412,7 +4913,7 @@
         <p:spPr bwMode="auto">
           <a:xfrm>
             <a:off x="382280" y="2181339"/>
-            <a:ext cx="6075760" cy="1200329"/>
+            <a:ext cx="6075760" cy="830997"/>
           </a:xfrm>
           <a:prstGeom prst="rect">
             <a:avLst/>
@@ -5546,37 +5047,70 @@
           <a:p>
             <a:pPr eaLnBrk="1" hangingPunct="1"/>
             <a:r>
-              <a:rPr lang="ru-RU" altLang="ru-RU" sz="2400"/>
-              <a:t>SELECT *</a:t>
+              <a:rPr lang="ru-RU" altLang="ru-RU" sz="2400" dirty="0">
+                <a:solidFill>
+                  <a:srgbClr val="0000FF"/>
+                </a:solidFill>
+              </a:rPr>
+              <a:t>SELECT * FROM Владельцы</a:t>
             </a:r>
           </a:p>
           <a:p>
             <a:pPr eaLnBrk="1" hangingPunct="1"/>
             <a:r>
-              <a:rPr lang="ru-RU" altLang="ru-RU" sz="2400"/>
-              <a:t>FROM Владельцы</a:t>
-            </a:r>
-          </a:p>
-          <a:p>
-            <a:pPr eaLnBrk="1" hangingPunct="1"/>
-            <a:r>
-              <a:rPr lang="ru-RU" altLang="ru-RU" sz="2400"/>
-              <a:t>WHERE Телефон Like </a:t>
-            </a:r>
-            <a:r>
-              <a:rPr lang="en-US" altLang="ru-RU" sz="2400"/>
+              <a:rPr lang="ru-RU" altLang="ru-RU" sz="2400" dirty="0">
+                <a:solidFill>
+                  <a:srgbClr val="C00000"/>
+                </a:solidFill>
+              </a:rPr>
+              <a:t>WHERE Телефон </a:t>
+            </a:r>
+            <a:r>
+              <a:rPr lang="ru-RU" altLang="ru-RU" sz="2400" dirty="0" err="1">
+                <a:solidFill>
+                  <a:srgbClr val="C00000"/>
+                </a:solidFill>
+              </a:rPr>
+              <a:t>Like</a:t>
+            </a:r>
+            <a:r>
+              <a:rPr lang="ru-RU" altLang="ru-RU" sz="2400" dirty="0">
+                <a:solidFill>
+                  <a:srgbClr val="C00000"/>
+                </a:solidFill>
+              </a:rPr>
+              <a:t> </a:t>
+            </a:r>
+            <a:r>
+              <a:rPr lang="en-US" altLang="ru-RU" sz="2400" dirty="0">
+                <a:solidFill>
+                  <a:srgbClr val="C00000"/>
+                </a:solidFill>
+              </a:rPr>
               <a:t>“</a:t>
             </a:r>
             <a:r>
-              <a:rPr lang="ru-RU" altLang="ru-RU" sz="2400"/>
+              <a:rPr lang="ru-RU" altLang="ru-RU" sz="2400" dirty="0">
+                <a:solidFill>
+                  <a:srgbClr val="C00000"/>
+                </a:solidFill>
+              </a:rPr>
               <a:t>6?????0</a:t>
             </a:r>
             <a:r>
-              <a:rPr lang="en-US" altLang="ru-RU" sz="2400"/>
+              <a:rPr lang="en-US" altLang="ru-RU" sz="2400" dirty="0">
+                <a:solidFill>
+                  <a:srgbClr val="C00000"/>
+                </a:solidFill>
+              </a:rPr>
               <a:t>”</a:t>
             </a:r>
             <a:r>
-              <a:rPr lang="ru-RU" altLang="ru-RU" sz="2400"/>
+              <a:rPr lang="ru-RU" altLang="ru-RU" sz="2400" dirty="0">
+                <a:solidFill>
+                  <a:srgbClr val="C00000"/>
+                </a:solidFill>
+              </a:rPr>
               <a:t>;</a:t>
             </a:r>
           </a:p>
@@ -5728,7 +5262,7 @@
                 <a:latin typeface="Arial Black" panose="020B0A04020102020204" pitchFamily="34" charset="0"/>
               </a:rPr>
               <a:pPr eaLnBrk="1" hangingPunct="1"/>
-              <a:t>12</a:t>
+              <a:t>11</a:t>
             </a:fld>
             <a:endParaRPr lang="ru-RU" altLang="ru-RU" sz="900">
               <a:latin typeface="Arial Black" panose="020B0A04020102020204" pitchFamily="34" charset="0"/>
@@ -5741,10 +5275,180 @@
   <p:clrMapOvr>
     <a:masterClrMapping/>
   </p:clrMapOvr>
+  <p:timing>
+    <p:tnLst>
+      <p:par>
+        <p:cTn id="1" dur="indefinite" restart="never" nodeType="tmRoot">
+          <p:childTnLst>
+            <p:seq concurrent="1" nextAc="seek">
+              <p:cTn id="2" dur="indefinite" nodeType="mainSeq">
+                <p:childTnLst>
+                  <p:par>
+                    <p:cTn id="3" fill="hold">
+                      <p:stCondLst>
+                        <p:cond delay="indefinite"/>
+                      </p:stCondLst>
+                      <p:childTnLst>
+                        <p:par>
+                          <p:cTn id="4" fill="hold">
+                            <p:stCondLst>
+                              <p:cond delay="0"/>
+                            </p:stCondLst>
+                            <p:childTnLst>
+                              <p:par>
+                                <p:cTn id="5" presetID="1" presetClass="entr" presetSubtype="0" fill="hold" grpId="0" nodeType="clickEffect">
+                                  <p:stCondLst>
+                                    <p:cond delay="0"/>
+                                  </p:stCondLst>
+                                  <p:childTnLst>
+                                    <p:set>
+                                      <p:cBhvr>
+                                        <p:cTn id="6" dur="1" fill="hold">
+                                          <p:stCondLst>
+                                            <p:cond delay="0"/>
+                                          </p:stCondLst>
+                                        </p:cTn>
+                                        <p:tgtEl>
+                                          <p:spTgt spid="13316"/>
+                                        </p:tgtEl>
+                                        <p:attrNameLst>
+                                          <p:attrName>style.visibility</p:attrName>
+                                        </p:attrNameLst>
+                                      </p:cBhvr>
+                                      <p:to>
+                                        <p:strVal val="visible"/>
+                                      </p:to>
+                                    </p:set>
+                                  </p:childTnLst>
+                                </p:cTn>
+                              </p:par>
+                            </p:childTnLst>
+                          </p:cTn>
+                        </p:par>
+                      </p:childTnLst>
+                    </p:cTn>
+                  </p:par>
+                  <p:par>
+                    <p:cTn id="7" fill="hold">
+                      <p:stCondLst>
+                        <p:cond delay="indefinite"/>
+                      </p:stCondLst>
+                      <p:childTnLst>
+                        <p:par>
+                          <p:cTn id="8" fill="hold">
+                            <p:stCondLst>
+                              <p:cond delay="0"/>
+                            </p:stCondLst>
+                            <p:childTnLst>
+                              <p:par>
+                                <p:cTn id="9" presetID="1" presetClass="entr" presetSubtype="0" fill="hold" grpId="0" nodeType="clickEffect">
+                                  <p:stCondLst>
+                                    <p:cond delay="0"/>
+                                  </p:stCondLst>
+                                  <p:childTnLst>
+                                    <p:set>
+                                      <p:cBhvr>
+                                        <p:cTn id="10" dur="1" fill="hold">
+                                          <p:stCondLst>
+                                            <p:cond delay="0"/>
+                                          </p:stCondLst>
+                                        </p:cTn>
+                                        <p:tgtEl>
+                                          <p:spTgt spid="13317"/>
+                                        </p:tgtEl>
+                                        <p:attrNameLst>
+                                          <p:attrName>style.visibility</p:attrName>
+                                        </p:attrNameLst>
+                                      </p:cBhvr>
+                                      <p:to>
+                                        <p:strVal val="visible"/>
+                                      </p:to>
+                                    </p:set>
+                                  </p:childTnLst>
+                                </p:cTn>
+                              </p:par>
+                            </p:childTnLst>
+                          </p:cTn>
+                        </p:par>
+                      </p:childTnLst>
+                    </p:cTn>
+                  </p:par>
+                  <p:par>
+                    <p:cTn id="11" fill="hold">
+                      <p:stCondLst>
+                        <p:cond delay="indefinite"/>
+                      </p:stCondLst>
+                      <p:childTnLst>
+                        <p:par>
+                          <p:cTn id="12" fill="hold">
+                            <p:stCondLst>
+                              <p:cond delay="0"/>
+                            </p:stCondLst>
+                            <p:childTnLst>
+                              <p:par>
+                                <p:cTn id="13" presetID="1" presetClass="entr" presetSubtype="0" fill="hold" grpId="0" nodeType="clickEffect">
+                                  <p:stCondLst>
+                                    <p:cond delay="0"/>
+                                  </p:stCondLst>
+                                  <p:childTnLst>
+                                    <p:set>
+                                      <p:cBhvr>
+                                        <p:cTn id="14" dur="1" fill="hold">
+                                          <p:stCondLst>
+                                            <p:cond delay="0"/>
+                                          </p:stCondLst>
+                                        </p:cTn>
+                                        <p:tgtEl>
+                                          <p:spTgt spid="13315"/>
+                                        </p:tgtEl>
+                                        <p:attrNameLst>
+                                          <p:attrName>style.visibility</p:attrName>
+                                        </p:attrNameLst>
+                                      </p:cBhvr>
+                                      <p:to>
+                                        <p:strVal val="visible"/>
+                                      </p:to>
+                                    </p:set>
+                                  </p:childTnLst>
+                                </p:cTn>
+                              </p:par>
+                            </p:childTnLst>
+                          </p:cTn>
+                        </p:par>
+                      </p:childTnLst>
+                    </p:cTn>
+                  </p:par>
+                </p:childTnLst>
+              </p:cTn>
+              <p:prevCondLst>
+                <p:cond evt="onPrev" delay="0">
+                  <p:tgtEl>
+                    <p:sldTgt/>
+                  </p:tgtEl>
+                </p:cond>
+              </p:prevCondLst>
+              <p:nextCondLst>
+                <p:cond evt="onNext" delay="0">
+                  <p:tgtEl>
+                    <p:sldTgt/>
+                  </p:tgtEl>
+                </p:cond>
+              </p:nextCondLst>
+            </p:seq>
+          </p:childTnLst>
+        </p:cTn>
+      </p:par>
+    </p:tnLst>
+    <p:bldLst>
+      <p:bldP spid="13315" grpId="0"/>
+      <p:bldP spid="13316" grpId="0"/>
+      <p:bldP spid="13317" grpId="0"/>
+    </p:bldLst>
+  </p:timing>
 </p:sld>
 </file>
 
-<file path=ppt/slides/slide13.xml><?xml version="1.0" encoding="utf-8"?>
+<file path=ppt/slides/slide12.xml><?xml version="1.0" encoding="utf-8"?>
 <p:sld xmlns:a="http://schemas.openxmlformats.org/drawingml/2006/main" xmlns:r="http://schemas.openxmlformats.org/officeDocument/2006/relationships" xmlns:p="http://schemas.openxmlformats.org/presentationml/2006/main">
   <p:cSld>
     <p:spTree>
@@ -5777,8 +5481,8 @@
         </p:nvSpPr>
         <p:spPr bwMode="auto">
           <a:xfrm>
-            <a:off x="0" y="919311"/>
-            <a:ext cx="6669881" cy="1569660"/>
+            <a:off x="153512" y="919311"/>
+            <a:ext cx="6516369" cy="1200329"/>
           </a:xfrm>
           <a:prstGeom prst="rect">
             <a:avLst/>
@@ -5808,7 +5512,7 @@
           </a:extLst>
         </p:spPr>
         <p:txBody>
-          <a:bodyPr>
+          <a:bodyPr wrap="square">
             <a:spAutoFit/>
           </a:bodyPr>
           <a:lstStyle>
@@ -5910,18 +5614,16 @@
             </a:lvl9pPr>
           </a:lstStyle>
           <a:p>
-            <a:pPr lvl="1" eaLnBrk="1" hangingPunct="1">
+            <a:pPr marL="457200" lvl="1" indent="0" eaLnBrk="1" hangingPunct="1">
               <a:buClr>
                 <a:schemeClr val="bg2"/>
               </a:buClr>
-              <a:buFont typeface="Wingdings" panose="05000000000000000000" pitchFamily="2" charset="2"/>
-              <a:buAutoNum type="arabicParenR" startAt="5"/>
             </a:pPr>
             <a:r>
-              <a:rPr lang="ru-RU" altLang="ru-RU" sz="2400"/>
-              <a:t> Значение NULL: проверяется, содержит ли данный столбец определитель NULL (неизвестное значение).</a:t>
-            </a:r>
-            <a:endParaRPr lang="en-US" altLang="ru-RU" sz="2400"/>
+              <a:rPr lang="ru-RU" altLang="ru-RU" sz="2400" dirty="0"/>
+              <a:t>Значение NULL: проверяется, содержит ли данный столбец определитель NULL (неизвестное значение).</a:t>
+            </a:r>
+            <a:endParaRPr lang="en-US" altLang="ru-RU" sz="2400" dirty="0"/>
           </a:p>
         </p:txBody>
       </p:sp>
@@ -5941,7 +5643,7 @@
         </p:nvSpPr>
         <p:spPr bwMode="auto">
           <a:xfrm>
-            <a:off x="2615803" y="429964"/>
+            <a:off x="313117" y="125492"/>
             <a:ext cx="1330814" cy="461665"/>
           </a:xfrm>
           <a:prstGeom prst="rect">
@@ -6076,10 +5778,10 @@
           <a:p>
             <a:pPr eaLnBrk="1" hangingPunct="1"/>
             <a:r>
-              <a:rPr lang="en-US" altLang="ru-RU" sz="2400" b="1"/>
+              <a:rPr lang="en-US" altLang="ru-RU" sz="2400" b="1" dirty="0"/>
               <a:t>WHERE</a:t>
             </a:r>
-            <a:endParaRPr lang="ru-RU" altLang="ru-RU" sz="2400" b="1"/>
+            <a:endParaRPr lang="ru-RU" altLang="ru-RU" sz="2400" b="1" dirty="0"/>
           </a:p>
         </p:txBody>
       </p:sp>
@@ -6261,8 +5963,8 @@
         </p:nvSpPr>
         <p:spPr bwMode="auto">
           <a:xfrm>
-            <a:off x="3511154" y="2682626"/>
-            <a:ext cx="2996803" cy="1569660"/>
+            <a:off x="3551201" y="2789417"/>
+            <a:ext cx="5199007" cy="830997"/>
           </a:xfrm>
           <a:prstGeom prst="rect">
             <a:avLst/>
@@ -6292,7 +5994,7 @@
           </a:extLst>
         </p:spPr>
         <p:txBody>
-          <a:bodyPr>
+          <a:bodyPr wrap="square">
             <a:spAutoFit/>
           </a:bodyPr>
           <a:lstStyle>
@@ -6396,24 +6098,74 @@
           <a:p>
             <a:pPr eaLnBrk="1" hangingPunct="1"/>
             <a:r>
-              <a:rPr lang="en-US" altLang="ru-RU" sz="2400"/>
+              <a:rPr lang="en-US" altLang="ru-RU" sz="2400" dirty="0">
+                <a:solidFill>
+                  <a:srgbClr val="0000FF"/>
+                </a:solidFill>
+              </a:rPr>
               <a:t>SELECT *</a:t>
             </a:r>
+            <a:r>
+              <a:rPr lang="ru-RU" altLang="ru-RU" sz="2400" dirty="0">
+                <a:solidFill>
+                  <a:srgbClr val="0000FF"/>
+                </a:solidFill>
+              </a:rPr>
+              <a:t> </a:t>
+            </a:r>
+            <a:r>
+              <a:rPr lang="en-US" altLang="ru-RU" sz="2400" dirty="0">
+                <a:solidFill>
+                  <a:srgbClr val="0000FF"/>
+                </a:solidFill>
+              </a:rPr>
+              <a:t>FROM </a:t>
+            </a:r>
+            <a:r>
+              <a:rPr lang="en-US" altLang="ru-RU" sz="2400" dirty="0" err="1">
+                <a:solidFill>
+                  <a:srgbClr val="0000FF"/>
+                </a:solidFill>
+              </a:rPr>
+              <a:t>Владельцы</a:t>
+            </a:r>
+            <a:endParaRPr lang="en-US" altLang="ru-RU" sz="2400" dirty="0">
+              <a:solidFill>
+                <a:srgbClr val="0000FF"/>
+              </a:solidFill>
+            </a:endParaRPr>
           </a:p>
           <a:p>
             <a:pPr eaLnBrk="1" hangingPunct="1"/>
             <a:r>
-              <a:rPr lang="en-US" altLang="ru-RU" sz="2400"/>
-              <a:t>FROM Владельцы</a:t>
-            </a:r>
-          </a:p>
-          <a:p>
-            <a:pPr eaLnBrk="1" hangingPunct="1"/>
-            <a:r>
-              <a:rPr lang="en-US" altLang="ru-RU" sz="2400"/>
-              <a:t>WHERE Телефон IS NULL;</a:t>
-            </a:r>
-            <a:endParaRPr lang="ru-RU" altLang="ru-RU" sz="2400"/>
+              <a:rPr lang="en-US" altLang="ru-RU" sz="2400" dirty="0">
+                <a:solidFill>
+                  <a:srgbClr val="C00000"/>
+                </a:solidFill>
+              </a:rPr>
+              <a:t>WHERE </a:t>
+            </a:r>
+            <a:r>
+              <a:rPr lang="en-US" altLang="ru-RU" sz="2400" dirty="0" err="1">
+                <a:solidFill>
+                  <a:srgbClr val="C00000"/>
+                </a:solidFill>
+              </a:rPr>
+              <a:t>Телефон</a:t>
+            </a:r>
+            <a:r>
+              <a:rPr lang="en-US" altLang="ru-RU" sz="2400" dirty="0">
+                <a:solidFill>
+                  <a:srgbClr val="C00000"/>
+                </a:solidFill>
+              </a:rPr>
+              <a:t> IS NULL;</a:t>
+            </a:r>
+            <a:endParaRPr lang="ru-RU" altLang="ru-RU" sz="2400" dirty="0">
+              <a:solidFill>
+                <a:srgbClr val="C00000"/>
+              </a:solidFill>
+            </a:endParaRPr>
           </a:p>
         </p:txBody>
       </p:sp>
@@ -6559,6 +6311,530 @@
           <a:p>
             <a:pPr eaLnBrk="1" hangingPunct="1"/>
             <a:fld id="{EFB1B8FF-7D85-4ED4-A7FE-73AD56949460}" type="slidenum">
+              <a:rPr lang="ru-RU" altLang="ru-RU" sz="900">
+                <a:latin typeface="Arial Black" panose="020B0A04020102020204" pitchFamily="34" charset="0"/>
+              </a:rPr>
+              <a:pPr eaLnBrk="1" hangingPunct="1"/>
+              <a:t>12</a:t>
+            </a:fld>
+            <a:endParaRPr lang="ru-RU" altLang="ru-RU" sz="900">
+              <a:latin typeface="Arial Black" panose="020B0A04020102020204" pitchFamily="34" charset="0"/>
+            </a:endParaRPr>
+          </a:p>
+        </p:txBody>
+      </p:sp>
+    </p:spTree>
+  </p:cSld>
+  <p:clrMapOvr>
+    <a:masterClrMapping/>
+  </p:clrMapOvr>
+  <p:timing>
+    <p:tnLst>
+      <p:par>
+        <p:cTn id="1" dur="indefinite" restart="never" nodeType="tmRoot">
+          <p:childTnLst>
+            <p:seq concurrent="1" nextAc="seek">
+              <p:cTn id="2" dur="indefinite" nodeType="mainSeq">
+                <p:childTnLst>
+                  <p:par>
+                    <p:cTn id="3" fill="hold">
+                      <p:stCondLst>
+                        <p:cond delay="indefinite"/>
+                      </p:stCondLst>
+                      <p:childTnLst>
+                        <p:par>
+                          <p:cTn id="4" fill="hold">
+                            <p:stCondLst>
+                              <p:cond delay="0"/>
+                            </p:stCondLst>
+                            <p:childTnLst>
+                              <p:par>
+                                <p:cTn id="5" presetID="1" presetClass="entr" presetSubtype="0" fill="hold" grpId="0" nodeType="clickEffect">
+                                  <p:stCondLst>
+                                    <p:cond delay="0"/>
+                                  </p:stCondLst>
+                                  <p:childTnLst>
+                                    <p:set>
+                                      <p:cBhvr>
+                                        <p:cTn id="6" dur="1" fill="hold">
+                                          <p:stCondLst>
+                                            <p:cond delay="0"/>
+                                          </p:stCondLst>
+                                        </p:cTn>
+                                        <p:tgtEl>
+                                          <p:spTgt spid="14341"/>
+                                        </p:tgtEl>
+                                        <p:attrNameLst>
+                                          <p:attrName>style.visibility</p:attrName>
+                                        </p:attrNameLst>
+                                      </p:cBhvr>
+                                      <p:to>
+                                        <p:strVal val="visible"/>
+                                      </p:to>
+                                    </p:set>
+                                  </p:childTnLst>
+                                </p:cTn>
+                              </p:par>
+                            </p:childTnLst>
+                          </p:cTn>
+                        </p:par>
+                      </p:childTnLst>
+                    </p:cTn>
+                  </p:par>
+                </p:childTnLst>
+              </p:cTn>
+              <p:prevCondLst>
+                <p:cond evt="onPrev" delay="0">
+                  <p:tgtEl>
+                    <p:sldTgt/>
+                  </p:tgtEl>
+                </p:cond>
+              </p:prevCondLst>
+              <p:nextCondLst>
+                <p:cond evt="onNext" delay="0">
+                  <p:tgtEl>
+                    <p:sldTgt/>
+                  </p:tgtEl>
+                </p:cond>
+              </p:nextCondLst>
+            </p:seq>
+          </p:childTnLst>
+        </p:cTn>
+      </p:par>
+    </p:tnLst>
+    <p:bldLst>
+      <p:bldP spid="14341" grpId="0"/>
+    </p:bldLst>
+  </p:timing>
+</p:sld>
+</file>
+
+<file path=ppt/slides/slide13.xml><?xml version="1.0" encoding="utf-8"?>
+<p:sld xmlns:a="http://schemas.openxmlformats.org/drawingml/2006/main" xmlns:r="http://schemas.openxmlformats.org/officeDocument/2006/relationships" xmlns:p="http://schemas.openxmlformats.org/presentationml/2006/main">
+  <p:cSld>
+    <p:spTree>
+      <p:nvGrpSpPr>
+        <p:cNvPr id="1" name=""/>
+        <p:cNvGrpSpPr/>
+        <p:nvPr/>
+      </p:nvGrpSpPr>
+      <p:grpSpPr>
+        <a:xfrm>
+          <a:off x="0" y="0"/>
+          <a:ext cx="0" cy="0"/>
+          <a:chOff x="0" y="0"/>
+          <a:chExt cx="0" cy="0"/>
+        </a:xfrm>
+      </p:grpSpPr>
+      <p:sp>
+        <p:nvSpPr>
+          <p:cNvPr id="6146" name="Rectangle 4">
+            <a:extLst>
+              <a:ext uri="{FF2B5EF4-FFF2-40B4-BE49-F238E27FC236}">
+                <a16:creationId xmlns:a16="http://schemas.microsoft.com/office/drawing/2014/main" id="{7B19A09A-85D6-4D82-B23F-A5B411797B26}"/>
+              </a:ext>
+            </a:extLst>
+          </p:cNvPr>
+          <p:cNvSpPr>
+            <a:spLocks noChangeArrowheads="1"/>
+          </p:cNvSpPr>
+          <p:nvPr/>
+        </p:nvSpPr>
+        <p:spPr bwMode="auto">
+          <a:xfrm>
+            <a:off x="331506" y="392116"/>
+            <a:ext cx="5528663" cy="4362733"/>
+          </a:xfrm>
+          <a:prstGeom prst="rect">
+            <a:avLst/>
+          </a:prstGeom>
+          <a:noFill/>
+          <a:ln>
+            <a:noFill/>
+          </a:ln>
+          <a:extLst>
+            <a:ext uri="{909E8E84-426E-40DD-AFC4-6F175D3DCCD1}">
+              <a14:hiddenFill xmlns:a14="http://schemas.microsoft.com/office/drawing/2010/main">
+                <a:solidFill>
+                  <a:srgbClr val="FFFFFF"/>
+                </a:solidFill>
+              </a14:hiddenFill>
+            </a:ext>
+            <a:ext uri="{91240B29-F687-4F45-9708-019B960494DF}">
+              <a14:hiddenLine xmlns:a14="http://schemas.microsoft.com/office/drawing/2010/main" w="9525">
+                <a:solidFill>
+                  <a:srgbClr val="000000"/>
+                </a:solidFill>
+                <a:miter lim="800000"/>
+                <a:headEnd/>
+                <a:tailEnd/>
+              </a14:hiddenLine>
+            </a:ext>
+          </a:extLst>
+        </p:spPr>
+        <p:txBody>
+          <a:bodyPr wrap="square">
+            <a:spAutoFit/>
+          </a:bodyPr>
+          <a:lstStyle>
+            <a:lvl1pPr eaLnBrk="0" hangingPunct="0">
+              <a:defRPr sz="2800">
+                <a:solidFill>
+                  <a:schemeClr val="tx1"/>
+                </a:solidFill>
+                <a:latin typeface="Arial" panose="020B0604020202020204" pitchFamily="34" charset="0"/>
+              </a:defRPr>
+            </a:lvl1pPr>
+            <a:lvl2pPr marL="742950" indent="-285750" eaLnBrk="0" hangingPunct="0">
+              <a:defRPr sz="2800">
+                <a:solidFill>
+                  <a:schemeClr val="tx1"/>
+                </a:solidFill>
+                <a:latin typeface="Arial" panose="020B0604020202020204" pitchFamily="34" charset="0"/>
+              </a:defRPr>
+            </a:lvl2pPr>
+            <a:lvl3pPr marL="1143000" indent="-228600" eaLnBrk="0" hangingPunct="0">
+              <a:defRPr sz="2800">
+                <a:solidFill>
+                  <a:schemeClr val="tx1"/>
+                </a:solidFill>
+                <a:latin typeface="Arial" panose="020B0604020202020204" pitchFamily="34" charset="0"/>
+              </a:defRPr>
+            </a:lvl3pPr>
+            <a:lvl4pPr marL="1600200" indent="-228600" eaLnBrk="0" hangingPunct="0">
+              <a:defRPr sz="2800">
+                <a:solidFill>
+                  <a:schemeClr val="tx1"/>
+                </a:solidFill>
+                <a:latin typeface="Arial" panose="020B0604020202020204" pitchFamily="34" charset="0"/>
+              </a:defRPr>
+            </a:lvl4pPr>
+            <a:lvl5pPr marL="2057400" indent="-228600" eaLnBrk="0" hangingPunct="0">
+              <a:defRPr sz="2800">
+                <a:solidFill>
+                  <a:schemeClr val="tx1"/>
+                </a:solidFill>
+                <a:latin typeface="Arial" panose="020B0604020202020204" pitchFamily="34" charset="0"/>
+              </a:defRPr>
+            </a:lvl5pPr>
+            <a:lvl6pPr marL="2514600" indent="-228600" eaLnBrk="0" fontAlgn="base" hangingPunct="0">
+              <a:spcBef>
+                <a:spcPct val="0"/>
+              </a:spcBef>
+              <a:spcAft>
+                <a:spcPct val="0"/>
+              </a:spcAft>
+              <a:defRPr sz="2800">
+                <a:solidFill>
+                  <a:schemeClr val="tx1"/>
+                </a:solidFill>
+                <a:latin typeface="Arial" panose="020B0604020202020204" pitchFamily="34" charset="0"/>
+              </a:defRPr>
+            </a:lvl6pPr>
+            <a:lvl7pPr marL="2971800" indent="-228600" eaLnBrk="0" fontAlgn="base" hangingPunct="0">
+              <a:spcBef>
+                <a:spcPct val="0"/>
+              </a:spcBef>
+              <a:spcAft>
+                <a:spcPct val="0"/>
+              </a:spcAft>
+              <a:defRPr sz="2800">
+                <a:solidFill>
+                  <a:schemeClr val="tx1"/>
+                </a:solidFill>
+                <a:latin typeface="Arial" panose="020B0604020202020204" pitchFamily="34" charset="0"/>
+              </a:defRPr>
+            </a:lvl7pPr>
+            <a:lvl8pPr marL="3429000" indent="-228600" eaLnBrk="0" fontAlgn="base" hangingPunct="0">
+              <a:spcBef>
+                <a:spcPct val="0"/>
+              </a:spcBef>
+              <a:spcAft>
+                <a:spcPct val="0"/>
+              </a:spcAft>
+              <a:defRPr sz="2800">
+                <a:solidFill>
+                  <a:schemeClr val="tx1"/>
+                </a:solidFill>
+                <a:latin typeface="Arial" panose="020B0604020202020204" pitchFamily="34" charset="0"/>
+              </a:defRPr>
+            </a:lvl8pPr>
+            <a:lvl9pPr marL="3886200" indent="-228600" eaLnBrk="0" fontAlgn="base" hangingPunct="0">
+              <a:spcBef>
+                <a:spcPct val="0"/>
+              </a:spcBef>
+              <a:spcAft>
+                <a:spcPct val="0"/>
+              </a:spcAft>
+              <a:defRPr sz="2800">
+                <a:solidFill>
+                  <a:schemeClr val="tx1"/>
+                </a:solidFill>
+                <a:latin typeface="Arial" panose="020B0604020202020204" pitchFamily="34" charset="0"/>
+              </a:defRPr>
+            </a:lvl9pPr>
+          </a:lstStyle>
+          <a:p>
+            <a:pPr eaLnBrk="1" hangingPunct="1"/>
+            <a:r>
+              <a:rPr lang="en-US" altLang="ru-RU" sz="2400" dirty="0"/>
+              <a:t>SELECT * FROM </a:t>
+            </a:r>
+            <a:r>
+              <a:rPr lang="ru-RU" altLang="ru-RU" sz="2400" dirty="0"/>
+              <a:t>Владельцы</a:t>
+            </a:r>
+            <a:r>
+              <a:rPr lang="en-US" altLang="ru-RU" sz="2400" dirty="0"/>
+              <a:t>;</a:t>
+            </a:r>
+          </a:p>
+          <a:p>
+            <a:pPr eaLnBrk="1" hangingPunct="1"/>
+            <a:endParaRPr lang="ru-RU" altLang="ru-RU" sz="2400" dirty="0"/>
+          </a:p>
+          <a:p>
+            <a:pPr eaLnBrk="1" hangingPunct="1"/>
+            <a:r>
+              <a:rPr lang="ru-RU" altLang="ru-RU" sz="2400" dirty="0"/>
+              <a:t>- вернет все столбцы всех строк данной таблицы</a:t>
+            </a:r>
+            <a:endParaRPr lang="en-US" altLang="ru-RU" sz="2400" dirty="0"/>
+          </a:p>
+          <a:p>
+            <a:pPr eaLnBrk="1" hangingPunct="1"/>
+            <a:endParaRPr lang="en-US" altLang="ru-RU" sz="2400" b="1" dirty="0"/>
+          </a:p>
+          <a:p>
+            <a:pPr eaLnBrk="1" hangingPunct="1"/>
+            <a:endParaRPr lang="en-US" altLang="ru-RU" sz="2400" b="1" dirty="0"/>
+          </a:p>
+          <a:p>
+            <a:pPr eaLnBrk="1" hangingPunct="1"/>
+            <a:r>
+              <a:rPr lang="en-US" altLang="ru-RU" sz="2400" b="1" dirty="0"/>
+              <a:t>DISTINCT</a:t>
+            </a:r>
+            <a:r>
+              <a:rPr lang="ru-RU" altLang="ru-RU" sz="2400" dirty="0"/>
+              <a:t> – отбрасываются дублирующие записи и выполняется сортировка;</a:t>
+            </a:r>
+            <a:r>
+              <a:rPr lang="ru-RU" altLang="ru-RU" sz="1800" dirty="0"/>
+              <a:t>  </a:t>
+            </a:r>
+          </a:p>
+          <a:p>
+            <a:pPr eaLnBrk="1" hangingPunct="1"/>
+            <a:endParaRPr lang="ru-RU" altLang="ru-RU" sz="1350" dirty="0"/>
+          </a:p>
+          <a:p>
+            <a:pPr eaLnBrk="1" hangingPunct="1"/>
+            <a:r>
+              <a:rPr lang="ru-RU" altLang="ru-RU" sz="2400" dirty="0"/>
+              <a:t>	</a:t>
+            </a:r>
+            <a:r>
+              <a:rPr lang="ru-RU" altLang="ru-RU" sz="2400" dirty="0">
+                <a:solidFill>
+                  <a:srgbClr val="0000FF"/>
+                </a:solidFill>
+              </a:rPr>
+              <a:t>SELECT </a:t>
+            </a:r>
+            <a:r>
+              <a:rPr lang="ru-RU" altLang="ru-RU" sz="2400" dirty="0">
+                <a:solidFill>
+                  <a:srgbClr val="C00000"/>
+                </a:solidFill>
+              </a:rPr>
+              <a:t>DISTINCT</a:t>
+            </a:r>
+            <a:r>
+              <a:rPr lang="en-US" altLang="ru-RU" sz="2400" dirty="0">
+                <a:solidFill>
+                  <a:srgbClr val="0000FF"/>
+                </a:solidFill>
+              </a:rPr>
+              <a:t>(</a:t>
+            </a:r>
+            <a:r>
+              <a:rPr lang="ru-RU" altLang="ru-RU" sz="2400" dirty="0">
+                <a:solidFill>
+                  <a:srgbClr val="0000FF"/>
+                </a:solidFill>
+              </a:rPr>
+              <a:t>Имя</a:t>
+            </a:r>
+            <a:r>
+              <a:rPr lang="en-US" altLang="ru-RU" sz="2400" dirty="0">
+                <a:solidFill>
+                  <a:srgbClr val="0000FF"/>
+                </a:solidFill>
+              </a:rPr>
+              <a:t>)</a:t>
+            </a:r>
+            <a:endParaRPr lang="ru-RU" altLang="ru-RU" sz="2400" dirty="0">
+              <a:solidFill>
+                <a:srgbClr val="0000FF"/>
+              </a:solidFill>
+            </a:endParaRPr>
+          </a:p>
+          <a:p>
+            <a:pPr eaLnBrk="1" hangingPunct="1"/>
+            <a:r>
+              <a:rPr lang="ru-RU" altLang="ru-RU" sz="2400" dirty="0">
+                <a:solidFill>
+                  <a:srgbClr val="0000FF"/>
+                </a:solidFill>
+              </a:rPr>
+              <a:t>	FROM Владельцы;</a:t>
+            </a:r>
+          </a:p>
+        </p:txBody>
+      </p:sp>
+      <p:sp>
+        <p:nvSpPr>
+          <p:cNvPr id="6147" name="Номер слайда 4">
+            <a:extLst>
+              <a:ext uri="{FF2B5EF4-FFF2-40B4-BE49-F238E27FC236}">
+                <a16:creationId xmlns:a16="http://schemas.microsoft.com/office/drawing/2014/main" id="{EC9194F9-7839-44BB-A161-04BF1B0E0CEE}"/>
+              </a:ext>
+            </a:extLst>
+          </p:cNvPr>
+          <p:cNvSpPr>
+            <a:spLocks noGrp="1"/>
+          </p:cNvSpPr>
+          <p:nvPr>
+            <p:ph type="sldNum" sz="quarter" idx="11"/>
+          </p:nvPr>
+        </p:nvSpPr>
+        <p:spPr>
+          <a:noFill/>
+          <a:ln/>
+          <a:extLst>
+            <a:ext uri="{909E8E84-426E-40DD-AFC4-6F175D3DCCD1}">
+              <a14:hiddenFill xmlns:a14="http://schemas.microsoft.com/office/drawing/2010/main">
+                <a:solidFill>
+                  <a:srgbClr val="FFFFFF"/>
+                </a:solidFill>
+              </a14:hiddenFill>
+            </a:ext>
+            <a:ext uri="{91240B29-F687-4F45-9708-019B960494DF}">
+              <a14:hiddenLine xmlns:a14="http://schemas.microsoft.com/office/drawing/2010/main" w="9525">
+                <a:solidFill>
+                  <a:srgbClr val="000000"/>
+                </a:solidFill>
+                <a:miter lim="800000"/>
+                <a:headEnd/>
+                <a:tailEnd/>
+              </a14:hiddenLine>
+            </a:ext>
+          </a:extLst>
+        </p:spPr>
+        <p:txBody>
+          <a:bodyPr/>
+          <a:lstStyle>
+            <a:lvl1pPr eaLnBrk="0" hangingPunct="0">
+              <a:defRPr sz="2100">
+                <a:solidFill>
+                  <a:schemeClr val="tx1"/>
+                </a:solidFill>
+                <a:latin typeface="Arial" panose="020B0604020202020204" pitchFamily="34" charset="0"/>
+              </a:defRPr>
+            </a:lvl1pPr>
+            <a:lvl2pPr marL="557213" indent="-214313" eaLnBrk="0" hangingPunct="0">
+              <a:defRPr sz="2100">
+                <a:solidFill>
+                  <a:schemeClr val="tx1"/>
+                </a:solidFill>
+                <a:latin typeface="Arial" panose="020B0604020202020204" pitchFamily="34" charset="0"/>
+              </a:defRPr>
+            </a:lvl2pPr>
+            <a:lvl3pPr marL="857250" indent="-171450" eaLnBrk="0" hangingPunct="0">
+              <a:defRPr sz="2100">
+                <a:solidFill>
+                  <a:schemeClr val="tx1"/>
+                </a:solidFill>
+                <a:latin typeface="Arial" panose="020B0604020202020204" pitchFamily="34" charset="0"/>
+              </a:defRPr>
+            </a:lvl3pPr>
+            <a:lvl4pPr marL="1200150" indent="-171450" eaLnBrk="0" hangingPunct="0">
+              <a:defRPr sz="2100">
+                <a:solidFill>
+                  <a:schemeClr val="tx1"/>
+                </a:solidFill>
+                <a:latin typeface="Arial" panose="020B0604020202020204" pitchFamily="34" charset="0"/>
+              </a:defRPr>
+            </a:lvl4pPr>
+            <a:lvl5pPr marL="1543050" indent="-171450" eaLnBrk="0" hangingPunct="0">
+              <a:defRPr sz="2100">
+                <a:solidFill>
+                  <a:schemeClr val="tx1"/>
+                </a:solidFill>
+                <a:latin typeface="Arial" panose="020B0604020202020204" pitchFamily="34" charset="0"/>
+              </a:defRPr>
+            </a:lvl5pPr>
+            <a:lvl6pPr marL="1885950" indent="-171450" eaLnBrk="0" fontAlgn="base" hangingPunct="0">
+              <a:spcBef>
+                <a:spcPct val="0"/>
+              </a:spcBef>
+              <a:spcAft>
+                <a:spcPct val="0"/>
+              </a:spcAft>
+              <a:defRPr sz="2100">
+                <a:solidFill>
+                  <a:schemeClr val="tx1"/>
+                </a:solidFill>
+                <a:latin typeface="Arial" panose="020B0604020202020204" pitchFamily="34" charset="0"/>
+              </a:defRPr>
+            </a:lvl6pPr>
+            <a:lvl7pPr marL="2228850" indent="-171450" eaLnBrk="0" fontAlgn="base" hangingPunct="0">
+              <a:spcBef>
+                <a:spcPct val="0"/>
+              </a:spcBef>
+              <a:spcAft>
+                <a:spcPct val="0"/>
+              </a:spcAft>
+              <a:defRPr sz="2100">
+                <a:solidFill>
+                  <a:schemeClr val="tx1"/>
+                </a:solidFill>
+                <a:latin typeface="Arial" panose="020B0604020202020204" pitchFamily="34" charset="0"/>
+              </a:defRPr>
+            </a:lvl7pPr>
+            <a:lvl8pPr marL="2571750" indent="-171450" eaLnBrk="0" fontAlgn="base" hangingPunct="0">
+              <a:spcBef>
+                <a:spcPct val="0"/>
+              </a:spcBef>
+              <a:spcAft>
+                <a:spcPct val="0"/>
+              </a:spcAft>
+              <a:defRPr sz="2100">
+                <a:solidFill>
+                  <a:schemeClr val="tx1"/>
+                </a:solidFill>
+                <a:latin typeface="Arial" panose="020B0604020202020204" pitchFamily="34" charset="0"/>
+              </a:defRPr>
+            </a:lvl8pPr>
+            <a:lvl9pPr marL="2914650" indent="-171450" eaLnBrk="0" fontAlgn="base" hangingPunct="0">
+              <a:spcBef>
+                <a:spcPct val="0"/>
+              </a:spcBef>
+              <a:spcAft>
+                <a:spcPct val="0"/>
+              </a:spcAft>
+              <a:defRPr sz="2100">
+                <a:solidFill>
+                  <a:schemeClr val="tx1"/>
+                </a:solidFill>
+                <a:latin typeface="Arial" panose="020B0604020202020204" pitchFamily="34" charset="0"/>
+              </a:defRPr>
+            </a:lvl9pPr>
+          </a:lstStyle>
+          <a:p>
+            <a:pPr eaLnBrk="1" hangingPunct="1"/>
+            <a:fld id="{65BC530A-7B73-442B-9D8A-CB3CD547C718}" type="slidenum">
               <a:rPr lang="ru-RU" altLang="ru-RU" sz="900">
                 <a:latin typeface="Arial Black" panose="020B0A04020102020204" pitchFamily="34" charset="0"/>
               </a:rPr>
@@ -10378,8 +10654,8 @@
         </p:nvSpPr>
         <p:spPr>
           <a:xfrm>
-            <a:off x="287001" y="309593"/>
-            <a:ext cx="7148339" cy="4247317"/>
+            <a:off x="266978" y="803850"/>
+            <a:ext cx="7148339" cy="4339650"/>
           </a:xfrm>
           <a:prstGeom prst="rect">
             <a:avLst/>
@@ -10392,17 +10668,6 @@
           <a:lstStyle/>
           <a:p>
             <a:r>
-              <a:rPr lang="ru-RU" b="1" dirty="0"/>
-              <a:t>DML</a:t>
-            </a:r>
-            <a:r>
-              <a:rPr lang="ru-RU" dirty="0"/>
-              <a:t> </a:t>
-            </a:r>
-            <a:endParaRPr lang="en-US" dirty="0"/>
-          </a:p>
-          <a:p>
-            <a:r>
               <a:rPr lang="ru-RU" dirty="0"/>
               <a:t>(</a:t>
             </a:r>
@@ -10468,11 +10733,19 @@
               <a:buChar char="•"/>
             </a:pPr>
             <a:r>
-              <a:rPr lang="ru-RU" b="1" dirty="0"/>
+              <a:rPr lang="ru-RU" sz="2400" b="1" dirty="0">
+                <a:solidFill>
+                  <a:srgbClr val="0000FF"/>
+                </a:solidFill>
+              </a:rPr>
               <a:t>SELECT</a:t>
             </a:r>
             <a:r>
-              <a:rPr lang="ru-RU" dirty="0"/>
+              <a:rPr lang="ru-RU" sz="2400" dirty="0">
+                <a:solidFill>
+                  <a:srgbClr val="0000FF"/>
+                </a:solidFill>
+              </a:rPr>
               <a:t>: извлекает данные из БД</a:t>
             </a:r>
           </a:p>
@@ -10482,11 +10755,19 @@
               <a:buChar char="•"/>
             </a:pPr>
             <a:r>
-              <a:rPr lang="ru-RU" b="1" dirty="0"/>
+              <a:rPr lang="ru-RU" sz="2400" b="1" dirty="0">
+                <a:solidFill>
+                  <a:srgbClr val="0000FF"/>
+                </a:solidFill>
+              </a:rPr>
               <a:t>UPDATE</a:t>
             </a:r>
             <a:r>
-              <a:rPr lang="ru-RU" dirty="0"/>
+              <a:rPr lang="ru-RU" sz="2400" dirty="0">
+                <a:solidFill>
+                  <a:srgbClr val="0000FF"/>
+                </a:solidFill>
+              </a:rPr>
               <a:t>: обновляет данные</a:t>
             </a:r>
           </a:p>
@@ -10496,11 +10777,19 @@
               <a:buChar char="•"/>
             </a:pPr>
             <a:r>
-              <a:rPr lang="ru-RU" b="1" dirty="0"/>
+              <a:rPr lang="ru-RU" sz="2400" b="1" dirty="0">
+                <a:solidFill>
+                  <a:srgbClr val="0000FF"/>
+                </a:solidFill>
+              </a:rPr>
               <a:t>INSERT</a:t>
             </a:r>
             <a:r>
-              <a:rPr lang="ru-RU" dirty="0"/>
+              <a:rPr lang="ru-RU" sz="2400" dirty="0">
+                <a:solidFill>
+                  <a:srgbClr val="0000FF"/>
+                </a:solidFill>
+              </a:rPr>
               <a:t>: добавляет новые данные</a:t>
             </a:r>
           </a:p>
@@ -10510,11 +10799,19 @@
               <a:buChar char="•"/>
             </a:pPr>
             <a:r>
-              <a:rPr lang="ru-RU" b="1" dirty="0"/>
+              <a:rPr lang="ru-RU" sz="2400" b="1" dirty="0">
+                <a:solidFill>
+                  <a:srgbClr val="0000FF"/>
+                </a:solidFill>
+              </a:rPr>
               <a:t>DELETE</a:t>
             </a:r>
             <a:r>
-              <a:rPr lang="ru-RU" dirty="0"/>
+              <a:rPr lang="ru-RU" sz="2400" dirty="0">
+                <a:solidFill>
+                  <a:srgbClr val="0000FF"/>
+                </a:solidFill>
+              </a:rPr>
               <a:t>: удаляет данные</a:t>
             </a:r>
           </a:p>
@@ -10530,6 +10827,45 @@
               <a:effectLst/>
               <a:latin typeface="-apple-system"/>
             </a:endParaRPr>
+          </a:p>
+        </p:txBody>
+      </p:sp>
+      <p:sp>
+        <p:nvSpPr>
+          <p:cNvPr id="3" name="Прямоугольник 2">
+            <a:extLst>
+              <a:ext uri="{FF2B5EF4-FFF2-40B4-BE49-F238E27FC236}">
+                <a16:creationId xmlns:a16="http://schemas.microsoft.com/office/drawing/2014/main" id="{148606B3-F657-4817-94B3-36718FC43175}"/>
+              </a:ext>
+            </a:extLst>
+          </p:cNvPr>
+          <p:cNvSpPr/>
+          <p:nvPr/>
+        </p:nvSpPr>
+        <p:spPr>
+          <a:xfrm>
+            <a:off x="455270" y="151698"/>
+            <a:ext cx="963725" cy="523220"/>
+          </a:xfrm>
+          <a:prstGeom prst="rect">
+            <a:avLst/>
+          </a:prstGeom>
+        </p:spPr>
+        <p:txBody>
+          <a:bodyPr wrap="none">
+            <a:spAutoFit/>
+          </a:bodyPr>
+          <a:lstStyle/>
+          <a:p>
+            <a:r>
+              <a:rPr lang="ru-RU" sz="2800" b="1" dirty="0">
+                <a:solidFill>
+                  <a:srgbClr val="0000FF"/>
+                </a:solidFill>
+              </a:rPr>
+              <a:t>DML</a:t>
+            </a:r>
+            <a:endParaRPr lang="ru-RU" sz="2000" dirty="0"/>
           </a:p>
         </p:txBody>
       </p:sp>
@@ -17282,8 +17618,8 @@
         </p:nvSpPr>
         <p:spPr bwMode="auto">
           <a:xfrm>
-            <a:off x="561550" y="405465"/>
-            <a:ext cx="5917261" cy="4478149"/>
+            <a:off x="441410" y="452186"/>
+            <a:ext cx="6263510" cy="4478149"/>
           </a:xfrm>
           <a:prstGeom prst="rect">
             <a:avLst/>
@@ -17415,77 +17751,252 @@
             </a:lvl9pPr>
           </a:lstStyle>
           <a:p>
+            <a:pPr marL="342900" indent="-342900" eaLnBrk="1" hangingPunct="1">
+              <a:buFont typeface="Wingdings" panose="05000000000000000000" pitchFamily="2" charset="2"/>
+              <a:buChar char="v"/>
+            </a:pPr>
+            <a:r>
+              <a:rPr lang="en-US" altLang="ru-RU" sz="2400" dirty="0">
+                <a:solidFill>
+                  <a:srgbClr val="0000FF"/>
+                </a:solidFill>
+              </a:rPr>
+              <a:t>S</a:t>
+            </a:r>
+            <a:r>
+              <a:rPr lang="ru-RU" altLang="ru-RU" sz="2400" dirty="0">
+                <a:solidFill>
+                  <a:srgbClr val="0000FF"/>
+                </a:solidFill>
+              </a:rPr>
+              <a:t>ELECT  </a:t>
+            </a:r>
+            <a:r>
+              <a:rPr lang="ru-RU" altLang="ru-RU" sz="2400" dirty="0" err="1">
+                <a:solidFill>
+                  <a:srgbClr val="0000FF"/>
+                </a:solidFill>
+              </a:rPr>
+              <a:t>список_столбцов</a:t>
+            </a:r>
+            <a:r>
+              <a:rPr lang="ru-RU" altLang="ru-RU" sz="2400" dirty="0">
+                <a:solidFill>
+                  <a:srgbClr val="0000FF"/>
+                </a:solidFill>
+              </a:rPr>
+              <a:t>    </a:t>
+            </a:r>
+          </a:p>
+          <a:p>
             <a:pPr eaLnBrk="1" hangingPunct="1"/>
-            <a:r>
-              <a:rPr lang="en-US" altLang="ru-RU" sz="2400"/>
-              <a:t>S</a:t>
-            </a:r>
-            <a:r>
-              <a:rPr lang="ru-RU" altLang="ru-RU" sz="2400"/>
-              <a:t>ELECT  список_столбцов    </a:t>
-            </a:r>
-          </a:p>
-          <a:p>
-            <a:pPr eaLnBrk="1" hangingPunct="1"/>
-            <a:r>
-              <a:rPr lang="ru-RU" altLang="ru-RU" sz="2400"/>
-              <a:t>  </a:t>
-            </a:r>
-          </a:p>
-          <a:p>
-            <a:pPr eaLnBrk="1" hangingPunct="1"/>
-            <a:r>
-              <a:rPr lang="ru-RU" altLang="ru-RU" sz="2400"/>
-              <a:t>FROM  список_таблиц</a:t>
-            </a:r>
-          </a:p>
-          <a:p>
-            <a:pPr eaLnBrk="1" hangingPunct="1"/>
-            <a:endParaRPr lang="ru-RU" altLang="ru-RU" sz="2400"/>
-          </a:p>
-          <a:p>
-            <a:pPr eaLnBrk="1" hangingPunct="1"/>
-            <a:r>
-              <a:rPr lang="ru-RU" altLang="ru-RU" sz="2400"/>
-              <a:t>[WHERE условия_поиска]</a:t>
-            </a:r>
-          </a:p>
-          <a:p>
-            <a:pPr eaLnBrk="1" hangingPunct="1"/>
-            <a:endParaRPr lang="ru-RU" altLang="ru-RU" sz="2400"/>
-          </a:p>
-          <a:p>
-            <a:pPr eaLnBrk="1" hangingPunct="1"/>
-            <a:r>
-              <a:rPr lang="ru-RU" altLang="ru-RU" sz="2400"/>
-              <a:t>[GROUP BY имя_столбца]</a:t>
-            </a:r>
-          </a:p>
-          <a:p>
-            <a:pPr eaLnBrk="1" hangingPunct="1"/>
-            <a:endParaRPr lang="ru-RU" altLang="ru-RU" sz="2400"/>
-          </a:p>
-          <a:p>
-            <a:pPr eaLnBrk="1" hangingPunct="1"/>
-            <a:r>
-              <a:rPr lang="ru-RU" altLang="ru-RU" sz="2400"/>
-              <a:t>[HAVING условия_возврата_групп]</a:t>
-            </a:r>
-          </a:p>
-          <a:p>
-            <a:pPr eaLnBrk="1" hangingPunct="1"/>
-            <a:endParaRPr lang="ru-RU" altLang="ru-RU" sz="2400"/>
-          </a:p>
-          <a:p>
-            <a:pPr eaLnBrk="1" hangingPunct="1"/>
-            <a:r>
-              <a:rPr lang="ru-RU" altLang="ru-RU" sz="2400"/>
-              <a:t>[ORDER BY имя_столбца [ASC | DESC]]</a:t>
-            </a:r>
-          </a:p>
-          <a:p>
-            <a:pPr eaLnBrk="1" hangingPunct="1"/>
-            <a:endParaRPr lang="ru-RU" altLang="ru-RU" sz="2100"/>
+            <a:endParaRPr lang="ru-RU" altLang="ru-RU" sz="2400" dirty="0">
+              <a:solidFill>
+                <a:srgbClr val="0000FF"/>
+              </a:solidFill>
+            </a:endParaRPr>
+          </a:p>
+          <a:p>
+            <a:pPr marL="342900" indent="-342900" eaLnBrk="1" hangingPunct="1">
+              <a:buFont typeface="Wingdings" panose="05000000000000000000" pitchFamily="2" charset="2"/>
+              <a:buChar char="v"/>
+            </a:pPr>
+            <a:r>
+              <a:rPr lang="ru-RU" altLang="ru-RU" sz="2400" dirty="0">
+                <a:solidFill>
+                  <a:srgbClr val="0000FF"/>
+                </a:solidFill>
+              </a:rPr>
+              <a:t>FROM  </a:t>
+            </a:r>
+            <a:r>
+              <a:rPr lang="ru-RU" altLang="ru-RU" sz="2400" dirty="0" err="1">
+                <a:solidFill>
+                  <a:srgbClr val="0000FF"/>
+                </a:solidFill>
+              </a:rPr>
+              <a:t>список_таблиц</a:t>
+            </a:r>
+            <a:endParaRPr lang="ru-RU" altLang="ru-RU" sz="2400" dirty="0">
+              <a:solidFill>
+                <a:srgbClr val="0000FF"/>
+              </a:solidFill>
+            </a:endParaRPr>
+          </a:p>
+          <a:p>
+            <a:pPr marL="342900" indent="-342900" eaLnBrk="1" hangingPunct="1">
+              <a:buFont typeface="Wingdings" panose="05000000000000000000" pitchFamily="2" charset="2"/>
+              <a:buChar char="v"/>
+            </a:pPr>
+            <a:endParaRPr lang="ru-RU" altLang="ru-RU" sz="2400" dirty="0">
+              <a:solidFill>
+                <a:srgbClr val="0000FF"/>
+              </a:solidFill>
+            </a:endParaRPr>
+          </a:p>
+          <a:p>
+            <a:pPr marL="342900" indent="-342900" eaLnBrk="1" hangingPunct="1">
+              <a:buFont typeface="Wingdings" panose="05000000000000000000" pitchFamily="2" charset="2"/>
+              <a:buChar char="v"/>
+            </a:pPr>
+            <a:r>
+              <a:rPr lang="ru-RU" altLang="ru-RU" sz="2400" dirty="0">
+                <a:solidFill>
+                  <a:srgbClr val="0000FF"/>
+                </a:solidFill>
+              </a:rPr>
+              <a:t>[WHERE </a:t>
+            </a:r>
+            <a:r>
+              <a:rPr lang="ru-RU" altLang="ru-RU" sz="2400" dirty="0" err="1">
+                <a:solidFill>
+                  <a:srgbClr val="0000FF"/>
+                </a:solidFill>
+              </a:rPr>
+              <a:t>условия_поиска</a:t>
+            </a:r>
+            <a:r>
+              <a:rPr lang="ru-RU" altLang="ru-RU" sz="2400" dirty="0">
+                <a:solidFill>
+                  <a:srgbClr val="0000FF"/>
+                </a:solidFill>
+              </a:rPr>
+              <a:t>]</a:t>
+            </a:r>
+          </a:p>
+          <a:p>
+            <a:pPr marL="342900" indent="-342900" eaLnBrk="1" hangingPunct="1">
+              <a:buFont typeface="Wingdings" panose="05000000000000000000" pitchFamily="2" charset="2"/>
+              <a:buChar char="v"/>
+            </a:pPr>
+            <a:endParaRPr lang="ru-RU" altLang="ru-RU" sz="2400" dirty="0">
+              <a:solidFill>
+                <a:srgbClr val="0000FF"/>
+              </a:solidFill>
+            </a:endParaRPr>
+          </a:p>
+          <a:p>
+            <a:pPr marL="342900" indent="-342900" eaLnBrk="1" hangingPunct="1">
+              <a:buFont typeface="Wingdings" panose="05000000000000000000" pitchFamily="2" charset="2"/>
+              <a:buChar char="v"/>
+            </a:pPr>
+            <a:r>
+              <a:rPr lang="ru-RU" altLang="ru-RU" sz="2400" dirty="0">
+                <a:solidFill>
+                  <a:srgbClr val="0000FF"/>
+                </a:solidFill>
+              </a:rPr>
+              <a:t>[GROUP BY </a:t>
+            </a:r>
+            <a:r>
+              <a:rPr lang="ru-RU" altLang="ru-RU" sz="2400" dirty="0" err="1">
+                <a:solidFill>
+                  <a:srgbClr val="0000FF"/>
+                </a:solidFill>
+              </a:rPr>
+              <a:t>имя_столбца</a:t>
+            </a:r>
+            <a:r>
+              <a:rPr lang="ru-RU" altLang="ru-RU" sz="2400" dirty="0">
+                <a:solidFill>
+                  <a:srgbClr val="0000FF"/>
+                </a:solidFill>
+              </a:rPr>
+              <a:t>]</a:t>
+            </a:r>
+          </a:p>
+          <a:p>
+            <a:pPr marL="342900" indent="-342900" eaLnBrk="1" hangingPunct="1">
+              <a:buFont typeface="Wingdings" panose="05000000000000000000" pitchFamily="2" charset="2"/>
+              <a:buChar char="v"/>
+            </a:pPr>
+            <a:endParaRPr lang="ru-RU" altLang="ru-RU" sz="2400" dirty="0">
+              <a:solidFill>
+                <a:srgbClr val="0000FF"/>
+              </a:solidFill>
+            </a:endParaRPr>
+          </a:p>
+          <a:p>
+            <a:pPr marL="342900" indent="-342900" eaLnBrk="1" hangingPunct="1">
+              <a:buFont typeface="Wingdings" panose="05000000000000000000" pitchFamily="2" charset="2"/>
+              <a:buChar char="v"/>
+            </a:pPr>
+            <a:r>
+              <a:rPr lang="ru-RU" altLang="ru-RU" sz="2400" dirty="0">
+                <a:solidFill>
+                  <a:srgbClr val="0000FF"/>
+                </a:solidFill>
+              </a:rPr>
+              <a:t>[HAVING </a:t>
+            </a:r>
+            <a:r>
+              <a:rPr lang="ru-RU" altLang="ru-RU" sz="2400" dirty="0" err="1">
+                <a:solidFill>
+                  <a:srgbClr val="0000FF"/>
+                </a:solidFill>
+              </a:rPr>
+              <a:t>условия_возврата_групп</a:t>
+            </a:r>
+            <a:r>
+              <a:rPr lang="ru-RU" altLang="ru-RU" sz="2400" dirty="0">
+                <a:solidFill>
+                  <a:srgbClr val="0000FF"/>
+                </a:solidFill>
+              </a:rPr>
+              <a:t>]</a:t>
+            </a:r>
+          </a:p>
+          <a:p>
+            <a:pPr marL="342900" indent="-342900" eaLnBrk="1" hangingPunct="1">
+              <a:buFont typeface="Wingdings" panose="05000000000000000000" pitchFamily="2" charset="2"/>
+              <a:buChar char="v"/>
+            </a:pPr>
+            <a:endParaRPr lang="ru-RU" altLang="ru-RU" sz="2400" dirty="0">
+              <a:solidFill>
+                <a:srgbClr val="0000FF"/>
+              </a:solidFill>
+            </a:endParaRPr>
+          </a:p>
+          <a:p>
+            <a:pPr marL="342900" indent="-342900" eaLnBrk="1" hangingPunct="1">
+              <a:buFont typeface="Wingdings" panose="05000000000000000000" pitchFamily="2" charset="2"/>
+              <a:buChar char="v"/>
+            </a:pPr>
+            <a:r>
+              <a:rPr lang="ru-RU" altLang="ru-RU" sz="2400" dirty="0">
+                <a:solidFill>
+                  <a:srgbClr val="0000FF"/>
+                </a:solidFill>
+              </a:rPr>
+              <a:t>[ORDER BY </a:t>
+            </a:r>
+            <a:r>
+              <a:rPr lang="ru-RU" altLang="ru-RU" sz="2400" dirty="0" err="1">
+                <a:solidFill>
+                  <a:srgbClr val="0000FF"/>
+                </a:solidFill>
+              </a:rPr>
+              <a:t>имя_столбца</a:t>
+            </a:r>
+            <a:r>
+              <a:rPr lang="ru-RU" altLang="ru-RU" sz="2400" dirty="0">
+                <a:solidFill>
+                  <a:srgbClr val="0000FF"/>
+                </a:solidFill>
+              </a:rPr>
+              <a:t> [ASC | DESC]]</a:t>
+            </a:r>
+          </a:p>
+          <a:p>
+            <a:pPr marL="342900" indent="-342900" eaLnBrk="1" hangingPunct="1">
+              <a:buFont typeface="Wingdings" panose="05000000000000000000" pitchFamily="2" charset="2"/>
+              <a:buChar char="v"/>
+            </a:pPr>
+            <a:endParaRPr lang="ru-RU" altLang="ru-RU" sz="2100" dirty="0">
+              <a:solidFill>
+                <a:srgbClr val="0000FF"/>
+              </a:solidFill>
+            </a:endParaRPr>
           </a:p>
         </p:txBody>
       </p:sp>
@@ -18051,10 +18562,10 @@
       </p:grpSpPr>
       <p:sp>
         <p:nvSpPr>
-          <p:cNvPr id="6146" name="Rectangle 4">
+          <p:cNvPr id="5122" name="Rectangle 4">
             <a:extLst>
               <a:ext uri="{FF2B5EF4-FFF2-40B4-BE49-F238E27FC236}">
-                <a16:creationId xmlns:a16="http://schemas.microsoft.com/office/drawing/2014/main" id="{7B19A09A-85D6-4D82-B23F-A5B411797B26}"/>
+                <a16:creationId xmlns:a16="http://schemas.microsoft.com/office/drawing/2014/main" id="{441B7604-4404-4B0A-98CD-D4EA4251B03C}"/>
               </a:ext>
             </a:extLst>
           </p:cNvPr>
@@ -18065,8 +18576,8 @@
         </p:nvSpPr>
         <p:spPr bwMode="auto">
           <a:xfrm>
-            <a:off x="331506" y="392116"/>
-            <a:ext cx="6048375" cy="4362733"/>
+            <a:off x="206065" y="933602"/>
+            <a:ext cx="6648597" cy="3970318"/>
           </a:xfrm>
           <a:prstGeom prst="rect">
             <a:avLst/>
@@ -18096,7 +18607,7 @@
           </a:extLst>
         </p:spPr>
         <p:txBody>
-          <a:bodyPr>
+          <a:bodyPr wrap="square">
             <a:spAutoFit/>
           </a:bodyPr>
           <a:lstStyle>
@@ -18200,92 +18711,78 @@
           <a:p>
             <a:pPr eaLnBrk="1" hangingPunct="1"/>
             <a:r>
-              <a:rPr lang="en-US" altLang="ru-RU" sz="2400" dirty="0"/>
-              <a:t>SELECT * FROM </a:t>
-            </a:r>
-            <a:r>
-              <a:rPr lang="ru-RU" altLang="ru-RU" sz="2400" dirty="0"/>
-              <a:t>Владельцы</a:t>
-            </a:r>
-            <a:r>
-              <a:rPr lang="en-US" altLang="ru-RU" sz="2400" dirty="0"/>
-              <a:t>;</a:t>
-            </a:r>
+              <a:rPr lang="ru-RU" altLang="ru-RU" sz="2100" b="1" dirty="0"/>
+              <a:t>SELECT</a:t>
+            </a:r>
+            <a:r>
+              <a:rPr lang="ru-RU" altLang="ru-RU" sz="2100" dirty="0"/>
+              <a:t> – устанавливается, какие столбцы должны присутствовать в выходных данных;</a:t>
+            </a:r>
+            <a:endParaRPr lang="en-US" altLang="ru-RU" sz="2100" b="1" dirty="0"/>
           </a:p>
           <a:p>
             <a:pPr eaLnBrk="1" hangingPunct="1"/>
-            <a:endParaRPr lang="ru-RU" altLang="ru-RU" sz="2400" dirty="0"/>
+            <a:r>
+              <a:rPr lang="ru-RU" altLang="ru-RU" sz="2100" b="1" dirty="0"/>
+              <a:t>FROM</a:t>
+            </a:r>
+            <a:r>
+              <a:rPr lang="ru-RU" altLang="ru-RU" sz="2100" dirty="0"/>
+              <a:t> – определяются имена используемых таблиц;</a:t>
+            </a:r>
           </a:p>
           <a:p>
             <a:pPr eaLnBrk="1" hangingPunct="1"/>
             <a:r>
-              <a:rPr lang="ru-RU" altLang="ru-RU" sz="2400" dirty="0"/>
-              <a:t>- вернет все столбцы всех строк данной таблицы</a:t>
-            </a:r>
-            <a:endParaRPr lang="en-US" altLang="ru-RU" sz="2400" dirty="0"/>
+              <a:rPr lang="ru-RU" altLang="ru-RU" sz="2100" b="1" dirty="0"/>
+              <a:t>WHERE</a:t>
+            </a:r>
+            <a:r>
+              <a:rPr lang="ru-RU" altLang="ru-RU" sz="2100" dirty="0"/>
+              <a:t> – выполняется фильтрация строк объекта в соответствии с заданными условиями;</a:t>
+            </a:r>
           </a:p>
           <a:p>
             <a:pPr eaLnBrk="1" hangingPunct="1"/>
-            <a:endParaRPr lang="en-US" altLang="ru-RU" sz="2400" b="1" dirty="0"/>
+            <a:r>
+              <a:rPr lang="ru-RU" altLang="ru-RU" sz="2100" b="1" dirty="0"/>
+              <a:t>GROUP BY</a:t>
+            </a:r>
+            <a:r>
+              <a:rPr lang="ru-RU" altLang="ru-RU" sz="2100" dirty="0"/>
+              <a:t> – образуются группы строк, имеющие одно и то же значение в указанном столбце;</a:t>
+            </a:r>
           </a:p>
           <a:p>
             <a:pPr eaLnBrk="1" hangingPunct="1"/>
-            <a:endParaRPr lang="en-US" altLang="ru-RU" sz="2400" b="1" dirty="0"/>
+            <a:r>
+              <a:rPr lang="ru-RU" altLang="ru-RU" sz="2100" b="1" dirty="0"/>
+              <a:t>HAVING</a:t>
+            </a:r>
+            <a:r>
+              <a:rPr lang="ru-RU" altLang="ru-RU" sz="2100" dirty="0"/>
+              <a:t> – фильтруются группы строк объекта в соответствии с указанным условием;</a:t>
+            </a:r>
           </a:p>
           <a:p>
             <a:pPr eaLnBrk="1" hangingPunct="1"/>
             <a:r>
-              <a:rPr lang="en-US" altLang="ru-RU" sz="2400" b="1" dirty="0"/>
-              <a:t>DISTINCT</a:t>
-            </a:r>
-            <a:r>
-              <a:rPr lang="ru-RU" altLang="ru-RU" sz="2400" dirty="0"/>
-              <a:t> – отбрасываются дублирующие записи и выполняется сортировка;</a:t>
-            </a:r>
-            <a:r>
-              <a:rPr lang="ru-RU" altLang="ru-RU" sz="1800" dirty="0"/>
-              <a:t>  </a:t>
-            </a:r>
-          </a:p>
-          <a:p>
-            <a:pPr eaLnBrk="1" hangingPunct="1"/>
-            <a:endParaRPr lang="ru-RU" altLang="ru-RU" sz="1350" dirty="0"/>
-          </a:p>
-          <a:p>
-            <a:pPr eaLnBrk="1" hangingPunct="1"/>
-            <a:r>
-              <a:rPr lang="ru-RU" altLang="ru-RU" sz="2400" dirty="0"/>
-              <a:t>	SELECT DISTINCT</a:t>
-            </a:r>
-            <a:r>
-              <a:rPr lang="en-US" altLang="ru-RU" sz="2400" dirty="0"/>
-              <a:t>(</a:t>
-            </a:r>
-            <a:r>
-              <a:rPr lang="ru-RU" altLang="ru-RU" sz="2400" dirty="0"/>
-              <a:t>Имя</a:t>
-            </a:r>
-            <a:r>
-              <a:rPr lang="en-US" altLang="ru-RU" sz="2400" dirty="0"/>
-              <a:t>)</a:t>
-            </a:r>
-            <a:endParaRPr lang="ru-RU" altLang="ru-RU" sz="2400" dirty="0"/>
-          </a:p>
-          <a:p>
-            <a:pPr eaLnBrk="1" hangingPunct="1"/>
-            <a:r>
-              <a:rPr lang="ru-RU" altLang="ru-RU" sz="2400" dirty="0"/>
-              <a:t>	FROM Владельцы;</a:t>
+              <a:rPr lang="ru-RU" altLang="ru-RU" sz="2100" b="1" dirty="0"/>
+              <a:t>ORDER BY</a:t>
+            </a:r>
+            <a:r>
+              <a:rPr lang="ru-RU" altLang="ru-RU" sz="2100" dirty="0"/>
+              <a:t> – определяется упорядоченность результатов выполнения операторов.</a:t>
             </a:r>
           </a:p>
         </p:txBody>
       </p:sp>
       <p:sp>
         <p:nvSpPr>
-          <p:cNvPr id="6147" name="Номер слайда 4">
+          <p:cNvPr id="5123" name="Номер слайда 2">
             <a:extLst>
               <a:ext uri="{FF2B5EF4-FFF2-40B4-BE49-F238E27FC236}">
-                <a16:creationId xmlns:a16="http://schemas.microsoft.com/office/drawing/2014/main" id="{EC9194F9-7839-44BB-A161-04BF1B0E0CEE}"/>
+                <a16:creationId xmlns:a16="http://schemas.microsoft.com/office/drawing/2014/main" id="{20434C91-9A52-429B-BB36-DFDFB4EB7118}"/>
               </a:ext>
             </a:extLst>
           </p:cNvPr>
@@ -18421,7 +18918,7 @@
           </a:lstStyle>
           <a:p>
             <a:pPr eaLnBrk="1" hangingPunct="1"/>
-            <a:fld id="{65BC530A-7B73-442B-9D8A-CB3CD547C718}" type="slidenum">
+            <a:fld id="{72DB9803-544E-4928-9BDD-4AB706E3C45F}" type="slidenum">
               <a:rPr lang="ru-RU" altLang="ru-RU" sz="900">
                 <a:latin typeface="Arial Black" panose="020B0A04020102020204" pitchFamily="34" charset="0"/>
               </a:rPr>
@@ -18431,6 +18928,45 @@
             <a:endParaRPr lang="ru-RU" altLang="ru-RU" sz="900">
               <a:latin typeface="Arial Black" panose="020B0A04020102020204" pitchFamily="34" charset="0"/>
             </a:endParaRPr>
+          </a:p>
+        </p:txBody>
+      </p:sp>
+      <p:sp>
+        <p:nvSpPr>
+          <p:cNvPr id="3" name="Прямоугольник 2">
+            <a:extLst>
+              <a:ext uri="{FF2B5EF4-FFF2-40B4-BE49-F238E27FC236}">
+                <a16:creationId xmlns:a16="http://schemas.microsoft.com/office/drawing/2014/main" id="{8B24E174-210A-41EB-B2E8-F1311E3B67D1}"/>
+              </a:ext>
+            </a:extLst>
+          </p:cNvPr>
+          <p:cNvSpPr/>
+          <p:nvPr/>
+        </p:nvSpPr>
+        <p:spPr>
+          <a:xfrm>
+            <a:off x="395199" y="239580"/>
+            <a:ext cx="963725" cy="523220"/>
+          </a:xfrm>
+          <a:prstGeom prst="rect">
+            <a:avLst/>
+          </a:prstGeom>
+        </p:spPr>
+        <p:txBody>
+          <a:bodyPr wrap="none">
+            <a:spAutoFit/>
+          </a:bodyPr>
+          <a:lstStyle/>
+          <a:p>
+            <a:r>
+              <a:rPr lang="ru-RU" sz="2800" b="1" dirty="0">
+                <a:solidFill>
+                  <a:srgbClr val="0000FF"/>
+                </a:solidFill>
+              </a:rPr>
+              <a:t>DML</a:t>
+            </a:r>
+            <a:endParaRPr lang="ru-RU" sz="2000" dirty="0"/>
           </a:p>
         </p:txBody>
       </p:sp>
@@ -18613,95 +19149,141 @@
               <a:rPr lang="ru-RU" altLang="ru-RU" dirty="0"/>
               <a:t>Существует пять основных типов условий поиска (или предикатов):</a:t>
             </a:r>
-            <a:endParaRPr lang="en-US" altLang="ru-RU" dirty="0"/>
-          </a:p>
-          <a:p>
-            <a:pPr lvl="1" eaLnBrk="1" hangingPunct="1">
-              <a:buClr>
-                <a:schemeClr val="bg2"/>
-              </a:buClr>
-              <a:buFont typeface="Wingdings" panose="05000000000000000000" pitchFamily="2" charset="2"/>
-              <a:buAutoNum type="arabicParenR"/>
+          </a:p>
+          <a:p>
+            <a:pPr marL="514350" indent="-514350" eaLnBrk="1" hangingPunct="1">
+              <a:buFont typeface="+mj-lt"/>
+              <a:buAutoNum type="arabicPeriod"/>
             </a:pPr>
             <a:r>
-              <a:rPr lang="ru-RU" altLang="ru-RU" dirty="0"/>
-              <a:t>  сравнение</a:t>
-            </a:r>
-            <a:r>
-              <a:rPr lang="en-US" altLang="ru-RU" dirty="0"/>
+              <a:rPr lang="ru-RU" altLang="ru-RU" dirty="0">
+                <a:solidFill>
+                  <a:srgbClr val="0000FF"/>
+                </a:solidFill>
+              </a:rPr>
+              <a:t>сравнение</a:t>
+            </a:r>
+            <a:r>
+              <a:rPr lang="en-US" altLang="ru-RU" dirty="0">
+                <a:solidFill>
+                  <a:srgbClr val="0000FF"/>
+                </a:solidFill>
+              </a:rPr>
               <a:t>,</a:t>
             </a:r>
-          </a:p>
-          <a:p>
-            <a:pPr lvl="1" eaLnBrk="1" hangingPunct="1">
-              <a:buClr>
-                <a:schemeClr val="bg2"/>
-              </a:buClr>
-              <a:buFont typeface="Wingdings" panose="05000000000000000000" pitchFamily="2" charset="2"/>
-              <a:buAutoNum type="arabicParenR"/>
+            <a:endParaRPr lang="ru-RU" altLang="ru-RU" dirty="0">
+              <a:solidFill>
+                <a:srgbClr val="0000FF"/>
+              </a:solidFill>
+            </a:endParaRPr>
+          </a:p>
+          <a:p>
+            <a:pPr marL="514350" indent="-514350" eaLnBrk="1" hangingPunct="1">
+              <a:buFont typeface="+mj-lt"/>
+              <a:buAutoNum type="arabicPeriod"/>
             </a:pPr>
             <a:r>
-              <a:rPr lang="ru-RU" altLang="ru-RU" dirty="0"/>
-              <a:t>  диапазон</a:t>
-            </a:r>
-            <a:r>
-              <a:rPr lang="en-US" altLang="ru-RU" dirty="0"/>
+              <a:rPr lang="ru-RU" altLang="ru-RU" dirty="0">
+                <a:solidFill>
+                  <a:srgbClr val="0000FF"/>
+                </a:solidFill>
+              </a:rPr>
+              <a:t>диапазон</a:t>
+            </a:r>
+            <a:r>
+              <a:rPr lang="en-US" altLang="ru-RU" dirty="0">
+                <a:solidFill>
+                  <a:srgbClr val="0000FF"/>
+                </a:solidFill>
+              </a:rPr>
               <a:t>,</a:t>
             </a:r>
-          </a:p>
-          <a:p>
-            <a:pPr lvl="1" eaLnBrk="1" hangingPunct="1">
-              <a:buClr>
-                <a:schemeClr val="bg2"/>
-              </a:buClr>
-              <a:buFont typeface="Wingdings" panose="05000000000000000000" pitchFamily="2" charset="2"/>
-              <a:buAutoNum type="arabicParenR"/>
+            <a:endParaRPr lang="ru-RU" altLang="ru-RU" dirty="0">
+              <a:solidFill>
+                <a:srgbClr val="0000FF"/>
+              </a:solidFill>
+            </a:endParaRPr>
+          </a:p>
+          <a:p>
+            <a:pPr marL="514350" indent="-514350" eaLnBrk="1" hangingPunct="1">
+              <a:buFont typeface="+mj-lt"/>
+              <a:buAutoNum type="arabicPeriod"/>
             </a:pPr>
             <a:r>
-              <a:rPr lang="ru-RU" altLang="ru-RU" dirty="0"/>
-              <a:t>  принадлежность множеству</a:t>
-            </a:r>
-            <a:r>
-              <a:rPr lang="en-US" altLang="ru-RU" dirty="0"/>
+              <a:rPr lang="ru-RU" altLang="ru-RU" dirty="0">
+                <a:solidFill>
+                  <a:srgbClr val="0000FF"/>
+                </a:solidFill>
+              </a:rPr>
+              <a:t>принадлежность множеству</a:t>
+            </a:r>
+            <a:r>
+              <a:rPr lang="en-US" altLang="ru-RU" dirty="0">
+                <a:solidFill>
+                  <a:srgbClr val="0000FF"/>
+                </a:solidFill>
+              </a:rPr>
               <a:t>,</a:t>
             </a:r>
-            <a:endParaRPr lang="ru-RU" altLang="ru-RU" dirty="0"/>
-          </a:p>
-          <a:p>
-            <a:pPr lvl="1" eaLnBrk="1" hangingPunct="1">
-              <a:buClr>
-                <a:schemeClr val="bg2"/>
-              </a:buClr>
-              <a:buFont typeface="Wingdings" panose="05000000000000000000" pitchFamily="2" charset="2"/>
-              <a:buAutoNum type="arabicParenR"/>
+            <a:endParaRPr lang="ru-RU" altLang="ru-RU" dirty="0">
+              <a:solidFill>
+                <a:srgbClr val="0000FF"/>
+              </a:solidFill>
+            </a:endParaRPr>
+          </a:p>
+          <a:p>
+            <a:pPr marL="514350" indent="-514350" eaLnBrk="1" hangingPunct="1">
+              <a:buFont typeface="+mj-lt"/>
+              <a:buAutoNum type="arabicPeriod"/>
             </a:pPr>
             <a:r>
-              <a:rPr lang="ru-RU" altLang="ru-RU" dirty="0"/>
-              <a:t>  соответствие шаблону</a:t>
-            </a:r>
-            <a:r>
-              <a:rPr lang="en-US" altLang="ru-RU" dirty="0"/>
+              <a:rPr lang="ru-RU" altLang="ru-RU" dirty="0">
+                <a:solidFill>
+                  <a:srgbClr val="0000FF"/>
+                </a:solidFill>
+              </a:rPr>
+              <a:t>соответствие шаблону</a:t>
+            </a:r>
+            <a:r>
+              <a:rPr lang="en-US" altLang="ru-RU" dirty="0">
+                <a:solidFill>
+                  <a:srgbClr val="0000FF"/>
+                </a:solidFill>
+              </a:rPr>
               <a:t>,</a:t>
             </a:r>
-            <a:endParaRPr lang="ru-RU" altLang="ru-RU" dirty="0"/>
-          </a:p>
-          <a:p>
-            <a:pPr lvl="1" eaLnBrk="1" hangingPunct="1">
-              <a:buClr>
-                <a:schemeClr val="bg2"/>
-              </a:buClr>
-              <a:buFont typeface="Wingdings" panose="05000000000000000000" pitchFamily="2" charset="2"/>
-              <a:buAutoNum type="arabicParenR"/>
+            <a:endParaRPr lang="ru-RU" altLang="ru-RU" dirty="0">
+              <a:solidFill>
+                <a:srgbClr val="0000FF"/>
+              </a:solidFill>
+            </a:endParaRPr>
+          </a:p>
+          <a:p>
+            <a:pPr marL="514350" indent="-514350" eaLnBrk="1" hangingPunct="1">
+              <a:buFont typeface="+mj-lt"/>
+              <a:buAutoNum type="arabicPeriod"/>
             </a:pPr>
             <a:r>
-              <a:rPr lang="ru-RU" altLang="ru-RU" dirty="0"/>
-              <a:t>  значение NULL</a:t>
-            </a:r>
-            <a:r>
-              <a:rPr lang="en-US" altLang="ru-RU" dirty="0"/>
+              <a:rPr lang="ru-RU" altLang="ru-RU" dirty="0">
+                <a:solidFill>
+                  <a:srgbClr val="0000FF"/>
+                </a:solidFill>
+              </a:rPr>
+              <a:t>значение NULL</a:t>
+            </a:r>
+            <a:r>
+              <a:rPr lang="en-US" altLang="ru-RU" dirty="0">
+                <a:solidFill>
+                  <a:srgbClr val="0000FF"/>
+                </a:solidFill>
+              </a:rPr>
               <a:t>.</a:t>
             </a:r>
-            <a:endParaRPr lang="ru-RU" altLang="ru-RU" dirty="0"/>
+            <a:endParaRPr lang="ru-RU" altLang="ru-RU" dirty="0">
+              <a:solidFill>
+                <a:srgbClr val="0000FF"/>
+              </a:solidFill>
+            </a:endParaRPr>
           </a:p>
         </p:txBody>
       </p:sp>
@@ -19396,8 +19978,8 @@
         </p:nvSpPr>
         <p:spPr bwMode="auto">
           <a:xfrm>
-            <a:off x="4368747" y="2713471"/>
-            <a:ext cx="4178585" cy="1200329"/>
+            <a:off x="4091439" y="2713471"/>
+            <a:ext cx="4455893" cy="830997"/>
           </a:xfrm>
           <a:prstGeom prst="rect">
             <a:avLst/>
@@ -19531,29 +20113,38 @@
           <a:p>
             <a:pPr eaLnBrk="1" hangingPunct="1"/>
             <a:r>
-              <a:rPr lang="ru-RU" altLang="ru-RU" sz="2400" dirty="0"/>
-              <a:t>SELECT *</a:t>
+              <a:rPr lang="ru-RU" altLang="ru-RU" sz="2400" i="1" dirty="0">
+                <a:solidFill>
+                  <a:srgbClr val="0000FF"/>
+                </a:solidFill>
+              </a:rPr>
+              <a:t>SELECT * FROM Владельцы</a:t>
             </a:r>
           </a:p>
           <a:p>
             <a:pPr eaLnBrk="1" hangingPunct="1"/>
             <a:r>
-              <a:rPr lang="ru-RU" altLang="ru-RU" sz="2400" dirty="0"/>
-              <a:t>FROM Владельцы</a:t>
-            </a:r>
-          </a:p>
-          <a:p>
-            <a:pPr eaLnBrk="1" hangingPunct="1"/>
-            <a:r>
-              <a:rPr lang="ru-RU" altLang="ru-RU" sz="2400" dirty="0"/>
+              <a:rPr lang="ru-RU" altLang="ru-RU" sz="2400" i="1" dirty="0">
+                <a:solidFill>
+                  <a:srgbClr val="0000FF"/>
+                </a:solidFill>
+              </a:rPr>
               <a:t>WHERE </a:t>
             </a:r>
             <a:r>
-              <a:rPr lang="ru-RU" altLang="ru-RU" sz="2400" dirty="0" err="1"/>
+              <a:rPr lang="ru-RU" altLang="ru-RU" sz="2400" i="1" dirty="0" err="1">
+                <a:solidFill>
+                  <a:srgbClr val="C00000"/>
+                </a:solidFill>
+              </a:rPr>
               <a:t>Номер_дома</a:t>
             </a:r>
             <a:r>
-              <a:rPr lang="ru-RU" altLang="ru-RU" sz="2400" dirty="0"/>
+              <a:rPr lang="ru-RU" altLang="ru-RU" sz="2400" i="1" dirty="0">
+                <a:solidFill>
+                  <a:srgbClr val="C00000"/>
+                </a:solidFill>
+              </a:rPr>
               <a:t>&gt;100;</a:t>
             </a:r>
           </a:p>
@@ -19710,49 +20301,77 @@
           <a:p>
             <a:pPr eaLnBrk="1" hangingPunct="1"/>
             <a:r>
-              <a:rPr lang="ru-RU" altLang="ru-RU" sz="2100" dirty="0"/>
+              <a:rPr lang="ru-RU" altLang="ru-RU" sz="2100" dirty="0">
+                <a:solidFill>
+                  <a:srgbClr val="0000FF"/>
+                </a:solidFill>
+              </a:rPr>
               <a:t>Операторы сравнения: </a:t>
             </a:r>
           </a:p>
           <a:p>
             <a:pPr eaLnBrk="1" hangingPunct="1"/>
             <a:r>
-              <a:rPr lang="ru-RU" altLang="ru-RU" sz="2100" dirty="0"/>
+              <a:rPr lang="ru-RU" altLang="ru-RU" sz="2100" dirty="0">
+                <a:solidFill>
+                  <a:srgbClr val="0000FF"/>
+                </a:solidFill>
+              </a:rPr>
               <a:t>=  равенство; </a:t>
             </a:r>
           </a:p>
           <a:p>
             <a:pPr eaLnBrk="1" hangingPunct="1"/>
             <a:r>
-              <a:rPr lang="ru-RU" altLang="ru-RU" sz="2100" dirty="0"/>
+              <a:rPr lang="ru-RU" altLang="ru-RU" sz="2100" dirty="0">
+                <a:solidFill>
+                  <a:srgbClr val="0000FF"/>
+                </a:solidFill>
+              </a:rPr>
               <a:t>&lt;  меньше; </a:t>
             </a:r>
           </a:p>
           <a:p>
             <a:pPr eaLnBrk="1" hangingPunct="1"/>
             <a:r>
-              <a:rPr lang="ru-RU" altLang="ru-RU" sz="2100" dirty="0"/>
+              <a:rPr lang="ru-RU" altLang="ru-RU" sz="2100" dirty="0">
+                <a:solidFill>
+                  <a:srgbClr val="0000FF"/>
+                </a:solidFill>
+              </a:rPr>
               <a:t>&gt;  больше; </a:t>
             </a:r>
           </a:p>
           <a:p>
             <a:pPr eaLnBrk="1" hangingPunct="1"/>
             <a:r>
-              <a:rPr lang="ru-RU" altLang="ru-RU" sz="2100" dirty="0"/>
+              <a:rPr lang="ru-RU" altLang="ru-RU" sz="2100" dirty="0">
+                <a:solidFill>
+                  <a:srgbClr val="0000FF"/>
+                </a:solidFill>
+              </a:rPr>
               <a:t>&lt;=  меньше или равно; </a:t>
             </a:r>
           </a:p>
           <a:p>
             <a:pPr eaLnBrk="1" hangingPunct="1"/>
             <a:r>
-              <a:rPr lang="ru-RU" altLang="ru-RU" sz="2100" dirty="0"/>
+              <a:rPr lang="ru-RU" altLang="ru-RU" sz="2100" dirty="0">
+                <a:solidFill>
+                  <a:srgbClr val="0000FF"/>
+                </a:solidFill>
+              </a:rPr>
               <a:t>&gt;=  больше или равно; </a:t>
             </a:r>
           </a:p>
           <a:p>
             <a:pPr eaLnBrk="1" hangingPunct="1"/>
             <a:r>
-              <a:rPr lang="ru-RU" altLang="ru-RU" sz="2100" dirty="0"/>
+              <a:rPr lang="ru-RU" altLang="ru-RU" sz="2100" dirty="0">
+                <a:solidFill>
+                  <a:srgbClr val="0000FF"/>
+                </a:solidFill>
+              </a:rPr>
               <a:t>&lt;&gt;  не равно.</a:t>
             </a:r>
           </a:p>
@@ -19917,406 +20536,88 @@
   <p:clrMapOvr>
     <a:masterClrMapping/>
   </p:clrMapOvr>
+  <p:timing>
+    <p:tnLst>
+      <p:par>
+        <p:cTn id="1" dur="indefinite" restart="never" nodeType="tmRoot">
+          <p:childTnLst>
+            <p:seq concurrent="1" nextAc="seek">
+              <p:cTn id="2" dur="indefinite" nodeType="mainSeq">
+                <p:childTnLst>
+                  <p:par>
+                    <p:cTn id="3" fill="hold">
+                      <p:stCondLst>
+                        <p:cond delay="indefinite"/>
+                      </p:stCondLst>
+                      <p:childTnLst>
+                        <p:par>
+                          <p:cTn id="4" fill="hold">
+                            <p:stCondLst>
+                              <p:cond delay="0"/>
+                            </p:stCondLst>
+                            <p:childTnLst>
+                              <p:par>
+                                <p:cTn id="5" presetID="1" presetClass="entr" presetSubtype="0" fill="hold" grpId="0" nodeType="clickEffect">
+                                  <p:stCondLst>
+                                    <p:cond delay="0"/>
+                                  </p:stCondLst>
+                                  <p:childTnLst>
+                                    <p:set>
+                                      <p:cBhvr>
+                                        <p:cTn id="6" dur="1" fill="hold">
+                                          <p:stCondLst>
+                                            <p:cond delay="0"/>
+                                          </p:stCondLst>
+                                        </p:cTn>
+                                        <p:tgtEl>
+                                          <p:spTgt spid="8196"/>
+                                        </p:tgtEl>
+                                        <p:attrNameLst>
+                                          <p:attrName>style.visibility</p:attrName>
+                                        </p:attrNameLst>
+                                      </p:cBhvr>
+                                      <p:to>
+                                        <p:strVal val="visible"/>
+                                      </p:to>
+                                    </p:set>
+                                  </p:childTnLst>
+                                </p:cTn>
+                              </p:par>
+                            </p:childTnLst>
+                          </p:cTn>
+                        </p:par>
+                      </p:childTnLst>
+                    </p:cTn>
+                  </p:par>
+                </p:childTnLst>
+              </p:cTn>
+              <p:prevCondLst>
+                <p:cond evt="onPrev" delay="0">
+                  <p:tgtEl>
+                    <p:sldTgt/>
+                  </p:tgtEl>
+                </p:cond>
+              </p:prevCondLst>
+              <p:nextCondLst>
+                <p:cond evt="onNext" delay="0">
+                  <p:tgtEl>
+                    <p:sldTgt/>
+                  </p:tgtEl>
+                </p:cond>
+              </p:nextCondLst>
+            </p:seq>
+          </p:childTnLst>
+        </p:cTn>
+      </p:par>
+    </p:tnLst>
+    <p:bldLst>
+      <p:bldP spid="8196" grpId="0"/>
+    </p:bldLst>
+  </p:timing>
 </p:sld>
 </file>
 
 <file path=ppt/slides/slide7.xml><?xml version="1.0" encoding="utf-8"?>
-<p:sld xmlns:a="http://schemas.openxmlformats.org/drawingml/2006/main" xmlns:r="http://schemas.openxmlformats.org/officeDocument/2006/relationships" xmlns:p="http://schemas.openxmlformats.org/presentationml/2006/main">
-  <p:cSld>
-    <p:spTree>
-      <p:nvGrpSpPr>
-        <p:cNvPr id="1" name=""/>
-        <p:cNvGrpSpPr/>
-        <p:nvPr/>
-      </p:nvGrpSpPr>
-      <p:grpSpPr>
-        <a:xfrm>
-          <a:off x="0" y="0"/>
-          <a:ext cx="0" cy="0"/>
-          <a:chOff x="0" y="0"/>
-          <a:chExt cx="0" cy="0"/>
-        </a:xfrm>
-      </p:grpSpPr>
-      <p:sp>
-        <p:nvSpPr>
-          <p:cNvPr id="5122" name="Rectangle 4">
-            <a:extLst>
-              <a:ext uri="{FF2B5EF4-FFF2-40B4-BE49-F238E27FC236}">
-                <a16:creationId xmlns:a16="http://schemas.microsoft.com/office/drawing/2014/main" id="{441B7604-4404-4B0A-98CD-D4EA4251B03C}"/>
-              </a:ext>
-            </a:extLst>
-          </p:cNvPr>
-          <p:cNvSpPr>
-            <a:spLocks noChangeArrowheads="1"/>
-          </p:cNvSpPr>
-          <p:nvPr/>
-        </p:nvSpPr>
-        <p:spPr bwMode="auto">
-          <a:xfrm>
-            <a:off x="372927" y="586591"/>
-            <a:ext cx="6506765" cy="3970318"/>
-          </a:xfrm>
-          <a:prstGeom prst="rect">
-            <a:avLst/>
-          </a:prstGeom>
-          <a:noFill/>
-          <a:ln>
-            <a:noFill/>
-          </a:ln>
-          <a:extLst>
-            <a:ext uri="{909E8E84-426E-40DD-AFC4-6F175D3DCCD1}">
-              <a14:hiddenFill xmlns:a14="http://schemas.microsoft.com/office/drawing/2010/main">
-                <a:solidFill>
-                  <a:srgbClr val="FFFFFF"/>
-                </a:solidFill>
-              </a14:hiddenFill>
-            </a:ext>
-            <a:ext uri="{91240B29-F687-4F45-9708-019B960494DF}">
-              <a14:hiddenLine xmlns:a14="http://schemas.microsoft.com/office/drawing/2010/main" w="9525">
-                <a:solidFill>
-                  <a:srgbClr val="000000"/>
-                </a:solidFill>
-                <a:miter lim="800000"/>
-                <a:headEnd/>
-                <a:tailEnd/>
-              </a14:hiddenLine>
-            </a:ext>
-          </a:extLst>
-        </p:spPr>
-        <p:txBody>
-          <a:bodyPr>
-            <a:spAutoFit/>
-          </a:bodyPr>
-          <a:lstStyle>
-            <a:lvl1pPr eaLnBrk="0" hangingPunct="0">
-              <a:defRPr sz="2800">
-                <a:solidFill>
-                  <a:schemeClr val="tx1"/>
-                </a:solidFill>
-                <a:latin typeface="Arial" panose="020B0604020202020204" pitchFamily="34" charset="0"/>
-              </a:defRPr>
-            </a:lvl1pPr>
-            <a:lvl2pPr marL="742950" indent="-285750" eaLnBrk="0" hangingPunct="0">
-              <a:defRPr sz="2800">
-                <a:solidFill>
-                  <a:schemeClr val="tx1"/>
-                </a:solidFill>
-                <a:latin typeface="Arial" panose="020B0604020202020204" pitchFamily="34" charset="0"/>
-              </a:defRPr>
-            </a:lvl2pPr>
-            <a:lvl3pPr marL="1143000" indent="-228600" eaLnBrk="0" hangingPunct="0">
-              <a:defRPr sz="2800">
-                <a:solidFill>
-                  <a:schemeClr val="tx1"/>
-                </a:solidFill>
-                <a:latin typeface="Arial" panose="020B0604020202020204" pitchFamily="34" charset="0"/>
-              </a:defRPr>
-            </a:lvl3pPr>
-            <a:lvl4pPr marL="1600200" indent="-228600" eaLnBrk="0" hangingPunct="0">
-              <a:defRPr sz="2800">
-                <a:solidFill>
-                  <a:schemeClr val="tx1"/>
-                </a:solidFill>
-                <a:latin typeface="Arial" panose="020B0604020202020204" pitchFamily="34" charset="0"/>
-              </a:defRPr>
-            </a:lvl4pPr>
-            <a:lvl5pPr marL="2057400" indent="-228600" eaLnBrk="0" hangingPunct="0">
-              <a:defRPr sz="2800">
-                <a:solidFill>
-                  <a:schemeClr val="tx1"/>
-                </a:solidFill>
-                <a:latin typeface="Arial" panose="020B0604020202020204" pitchFamily="34" charset="0"/>
-              </a:defRPr>
-            </a:lvl5pPr>
-            <a:lvl6pPr marL="2514600" indent="-228600" eaLnBrk="0" fontAlgn="base" hangingPunct="0">
-              <a:spcBef>
-                <a:spcPct val="0"/>
-              </a:spcBef>
-              <a:spcAft>
-                <a:spcPct val="0"/>
-              </a:spcAft>
-              <a:defRPr sz="2800">
-                <a:solidFill>
-                  <a:schemeClr val="tx1"/>
-                </a:solidFill>
-                <a:latin typeface="Arial" panose="020B0604020202020204" pitchFamily="34" charset="0"/>
-              </a:defRPr>
-            </a:lvl6pPr>
-            <a:lvl7pPr marL="2971800" indent="-228600" eaLnBrk="0" fontAlgn="base" hangingPunct="0">
-              <a:spcBef>
-                <a:spcPct val="0"/>
-              </a:spcBef>
-              <a:spcAft>
-                <a:spcPct val="0"/>
-              </a:spcAft>
-              <a:defRPr sz="2800">
-                <a:solidFill>
-                  <a:schemeClr val="tx1"/>
-                </a:solidFill>
-                <a:latin typeface="Arial" panose="020B0604020202020204" pitchFamily="34" charset="0"/>
-              </a:defRPr>
-            </a:lvl7pPr>
-            <a:lvl8pPr marL="3429000" indent="-228600" eaLnBrk="0" fontAlgn="base" hangingPunct="0">
-              <a:spcBef>
-                <a:spcPct val="0"/>
-              </a:spcBef>
-              <a:spcAft>
-                <a:spcPct val="0"/>
-              </a:spcAft>
-              <a:defRPr sz="2800">
-                <a:solidFill>
-                  <a:schemeClr val="tx1"/>
-                </a:solidFill>
-                <a:latin typeface="Arial" panose="020B0604020202020204" pitchFamily="34" charset="0"/>
-              </a:defRPr>
-            </a:lvl8pPr>
-            <a:lvl9pPr marL="3886200" indent="-228600" eaLnBrk="0" fontAlgn="base" hangingPunct="0">
-              <a:spcBef>
-                <a:spcPct val="0"/>
-              </a:spcBef>
-              <a:spcAft>
-                <a:spcPct val="0"/>
-              </a:spcAft>
-              <a:defRPr sz="2800">
-                <a:solidFill>
-                  <a:schemeClr val="tx1"/>
-                </a:solidFill>
-                <a:latin typeface="Arial" panose="020B0604020202020204" pitchFamily="34" charset="0"/>
-              </a:defRPr>
-            </a:lvl9pPr>
-          </a:lstStyle>
-          <a:p>
-            <a:pPr eaLnBrk="1" hangingPunct="1"/>
-            <a:r>
-              <a:rPr lang="ru-RU" altLang="ru-RU" sz="2100" b="1" dirty="0"/>
-              <a:t>SELECT</a:t>
-            </a:r>
-            <a:r>
-              <a:rPr lang="ru-RU" altLang="ru-RU" sz="2100" dirty="0"/>
-              <a:t> – устанавливается, какие столбцы должны присутствовать в выходных данных;</a:t>
-            </a:r>
-            <a:endParaRPr lang="en-US" altLang="ru-RU" sz="2100" b="1" dirty="0"/>
-          </a:p>
-          <a:p>
-            <a:pPr eaLnBrk="1" hangingPunct="1"/>
-            <a:r>
-              <a:rPr lang="ru-RU" altLang="ru-RU" sz="2100" b="1" dirty="0"/>
-              <a:t>FROM</a:t>
-            </a:r>
-            <a:r>
-              <a:rPr lang="ru-RU" altLang="ru-RU" sz="2100" dirty="0"/>
-              <a:t> – определяются имена используемых таблиц;</a:t>
-            </a:r>
-          </a:p>
-          <a:p>
-            <a:pPr eaLnBrk="1" hangingPunct="1"/>
-            <a:r>
-              <a:rPr lang="ru-RU" altLang="ru-RU" sz="2100" b="1" dirty="0"/>
-              <a:t>WHERE</a:t>
-            </a:r>
-            <a:r>
-              <a:rPr lang="ru-RU" altLang="ru-RU" sz="2100" dirty="0"/>
-              <a:t> – выполняется фильтрация строк объекта в соответствии с заданными условиями;</a:t>
-            </a:r>
-          </a:p>
-          <a:p>
-            <a:pPr eaLnBrk="1" hangingPunct="1"/>
-            <a:r>
-              <a:rPr lang="ru-RU" altLang="ru-RU" sz="2100" b="1" dirty="0"/>
-              <a:t>GROUP BY</a:t>
-            </a:r>
-            <a:r>
-              <a:rPr lang="ru-RU" altLang="ru-RU" sz="2100" dirty="0"/>
-              <a:t> – образуются группы строк, имеющие одно и то же значение в указанном столбце;</a:t>
-            </a:r>
-          </a:p>
-          <a:p>
-            <a:pPr eaLnBrk="1" hangingPunct="1"/>
-            <a:r>
-              <a:rPr lang="ru-RU" altLang="ru-RU" sz="2100" b="1" dirty="0"/>
-              <a:t>HAVING</a:t>
-            </a:r>
-            <a:r>
-              <a:rPr lang="ru-RU" altLang="ru-RU" sz="2100" dirty="0"/>
-              <a:t> – фильтруются группы строк объекта в соответствии с указанным условием;</a:t>
-            </a:r>
-          </a:p>
-          <a:p>
-            <a:pPr eaLnBrk="1" hangingPunct="1"/>
-            <a:r>
-              <a:rPr lang="ru-RU" altLang="ru-RU" sz="2100" b="1" dirty="0"/>
-              <a:t>ORDER BY</a:t>
-            </a:r>
-            <a:r>
-              <a:rPr lang="ru-RU" altLang="ru-RU" sz="2100" dirty="0"/>
-              <a:t> – определяется упорядоченность результатов выполнения операторов.</a:t>
-            </a:r>
-          </a:p>
-        </p:txBody>
-      </p:sp>
-      <p:sp>
-        <p:nvSpPr>
-          <p:cNvPr id="5123" name="Номер слайда 2">
-            <a:extLst>
-              <a:ext uri="{FF2B5EF4-FFF2-40B4-BE49-F238E27FC236}">
-                <a16:creationId xmlns:a16="http://schemas.microsoft.com/office/drawing/2014/main" id="{20434C91-9A52-429B-BB36-DFDFB4EB7118}"/>
-              </a:ext>
-            </a:extLst>
-          </p:cNvPr>
-          <p:cNvSpPr>
-            <a:spLocks noGrp="1"/>
-          </p:cNvSpPr>
-          <p:nvPr>
-            <p:ph type="sldNum" sz="quarter" idx="11"/>
-          </p:nvPr>
-        </p:nvSpPr>
-        <p:spPr>
-          <a:noFill/>
-          <a:ln/>
-          <a:extLst>
-            <a:ext uri="{909E8E84-426E-40DD-AFC4-6F175D3DCCD1}">
-              <a14:hiddenFill xmlns:a14="http://schemas.microsoft.com/office/drawing/2010/main">
-                <a:solidFill>
-                  <a:srgbClr val="FFFFFF"/>
-                </a:solidFill>
-              </a14:hiddenFill>
-            </a:ext>
-            <a:ext uri="{91240B29-F687-4F45-9708-019B960494DF}">
-              <a14:hiddenLine xmlns:a14="http://schemas.microsoft.com/office/drawing/2010/main" w="9525">
-                <a:solidFill>
-                  <a:srgbClr val="000000"/>
-                </a:solidFill>
-                <a:miter lim="800000"/>
-                <a:headEnd/>
-                <a:tailEnd/>
-              </a14:hiddenLine>
-            </a:ext>
-          </a:extLst>
-        </p:spPr>
-        <p:txBody>
-          <a:bodyPr/>
-          <a:lstStyle>
-            <a:lvl1pPr eaLnBrk="0" hangingPunct="0">
-              <a:defRPr sz="2100">
-                <a:solidFill>
-                  <a:schemeClr val="tx1"/>
-                </a:solidFill>
-                <a:latin typeface="Arial" panose="020B0604020202020204" pitchFamily="34" charset="0"/>
-              </a:defRPr>
-            </a:lvl1pPr>
-            <a:lvl2pPr marL="557213" indent="-214313" eaLnBrk="0" hangingPunct="0">
-              <a:defRPr sz="2100">
-                <a:solidFill>
-                  <a:schemeClr val="tx1"/>
-                </a:solidFill>
-                <a:latin typeface="Arial" panose="020B0604020202020204" pitchFamily="34" charset="0"/>
-              </a:defRPr>
-            </a:lvl2pPr>
-            <a:lvl3pPr marL="857250" indent="-171450" eaLnBrk="0" hangingPunct="0">
-              <a:defRPr sz="2100">
-                <a:solidFill>
-                  <a:schemeClr val="tx1"/>
-                </a:solidFill>
-                <a:latin typeface="Arial" panose="020B0604020202020204" pitchFamily="34" charset="0"/>
-              </a:defRPr>
-            </a:lvl3pPr>
-            <a:lvl4pPr marL="1200150" indent="-171450" eaLnBrk="0" hangingPunct="0">
-              <a:defRPr sz="2100">
-                <a:solidFill>
-                  <a:schemeClr val="tx1"/>
-                </a:solidFill>
-                <a:latin typeface="Arial" panose="020B0604020202020204" pitchFamily="34" charset="0"/>
-              </a:defRPr>
-            </a:lvl4pPr>
-            <a:lvl5pPr marL="1543050" indent="-171450" eaLnBrk="0" hangingPunct="0">
-              <a:defRPr sz="2100">
-                <a:solidFill>
-                  <a:schemeClr val="tx1"/>
-                </a:solidFill>
-                <a:latin typeface="Arial" panose="020B0604020202020204" pitchFamily="34" charset="0"/>
-              </a:defRPr>
-            </a:lvl5pPr>
-            <a:lvl6pPr marL="1885950" indent="-171450" eaLnBrk="0" fontAlgn="base" hangingPunct="0">
-              <a:spcBef>
-                <a:spcPct val="0"/>
-              </a:spcBef>
-              <a:spcAft>
-                <a:spcPct val="0"/>
-              </a:spcAft>
-              <a:defRPr sz="2100">
-                <a:solidFill>
-                  <a:schemeClr val="tx1"/>
-                </a:solidFill>
-                <a:latin typeface="Arial" panose="020B0604020202020204" pitchFamily="34" charset="0"/>
-              </a:defRPr>
-            </a:lvl6pPr>
-            <a:lvl7pPr marL="2228850" indent="-171450" eaLnBrk="0" fontAlgn="base" hangingPunct="0">
-              <a:spcBef>
-                <a:spcPct val="0"/>
-              </a:spcBef>
-              <a:spcAft>
-                <a:spcPct val="0"/>
-              </a:spcAft>
-              <a:defRPr sz="2100">
-                <a:solidFill>
-                  <a:schemeClr val="tx1"/>
-                </a:solidFill>
-                <a:latin typeface="Arial" panose="020B0604020202020204" pitchFamily="34" charset="0"/>
-              </a:defRPr>
-            </a:lvl7pPr>
-            <a:lvl8pPr marL="2571750" indent="-171450" eaLnBrk="0" fontAlgn="base" hangingPunct="0">
-              <a:spcBef>
-                <a:spcPct val="0"/>
-              </a:spcBef>
-              <a:spcAft>
-                <a:spcPct val="0"/>
-              </a:spcAft>
-              <a:defRPr sz="2100">
-                <a:solidFill>
-                  <a:schemeClr val="tx1"/>
-                </a:solidFill>
-                <a:latin typeface="Arial" panose="020B0604020202020204" pitchFamily="34" charset="0"/>
-              </a:defRPr>
-            </a:lvl8pPr>
-            <a:lvl9pPr marL="2914650" indent="-171450" eaLnBrk="0" fontAlgn="base" hangingPunct="0">
-              <a:spcBef>
-                <a:spcPct val="0"/>
-              </a:spcBef>
-              <a:spcAft>
-                <a:spcPct val="0"/>
-              </a:spcAft>
-              <a:defRPr sz="2100">
-                <a:solidFill>
-                  <a:schemeClr val="tx1"/>
-                </a:solidFill>
-                <a:latin typeface="Arial" panose="020B0604020202020204" pitchFamily="34" charset="0"/>
-              </a:defRPr>
-            </a:lvl9pPr>
-          </a:lstStyle>
-          <a:p>
-            <a:pPr eaLnBrk="1" hangingPunct="1"/>
-            <a:fld id="{72DB9803-544E-4928-9BDD-4AB706E3C45F}" type="slidenum">
-              <a:rPr lang="ru-RU" altLang="ru-RU" sz="900">
-                <a:latin typeface="Arial Black" panose="020B0A04020102020204" pitchFamily="34" charset="0"/>
-              </a:rPr>
-              <a:pPr eaLnBrk="1" hangingPunct="1"/>
-              <a:t>7</a:t>
-            </a:fld>
-            <a:endParaRPr lang="ru-RU" altLang="ru-RU" sz="900">
-              <a:latin typeface="Arial Black" panose="020B0A04020102020204" pitchFamily="34" charset="0"/>
-            </a:endParaRPr>
-          </a:p>
-        </p:txBody>
-      </p:sp>
-    </p:spTree>
-  </p:cSld>
-  <p:clrMapOvr>
-    <a:masterClrMapping/>
-  </p:clrMapOvr>
-</p:sld>
-</file>
-
-<file path=ppt/slides/slide8.xml><?xml version="1.0" encoding="utf-8"?>
 <p:sld xmlns:a="http://schemas.openxmlformats.org/drawingml/2006/main" xmlns:r="http://schemas.openxmlformats.org/officeDocument/2006/relationships" xmlns:p="http://schemas.openxmlformats.org/presentationml/2006/main">
   <p:cSld>
     <p:spTree>
@@ -20349,8 +20650,8 @@
         </p:nvSpPr>
         <p:spPr bwMode="auto">
           <a:xfrm>
-            <a:off x="3946922" y="516732"/>
-            <a:ext cx="1330814" cy="461665"/>
+            <a:off x="449509" y="223056"/>
+            <a:ext cx="1519968" cy="523220"/>
           </a:xfrm>
           <a:prstGeom prst="rect">
             <a:avLst/>
@@ -20484,10 +20785,10 @@
           <a:p>
             <a:pPr eaLnBrk="1" hangingPunct="1"/>
             <a:r>
-              <a:rPr lang="en-US" altLang="ru-RU" sz="2400" b="1"/>
+              <a:rPr lang="en-US" altLang="ru-RU" b="1" dirty="0"/>
               <a:t>WHERE</a:t>
             </a:r>
-            <a:endParaRPr lang="ru-RU" altLang="ru-RU" sz="2400" b="1"/>
+            <a:endParaRPr lang="ru-RU" altLang="ru-RU" b="1" dirty="0"/>
           </a:p>
         </p:txBody>
       </p:sp>
@@ -20507,8 +20808,8 @@
         </p:nvSpPr>
         <p:spPr bwMode="auto">
           <a:xfrm>
-            <a:off x="287002" y="2571750"/>
-            <a:ext cx="5656929" cy="1938992"/>
+            <a:off x="287002" y="2658518"/>
+            <a:ext cx="8228078" cy="1200329"/>
           </a:xfrm>
           <a:prstGeom prst="rect">
             <a:avLst/>
@@ -20642,59 +20943,102 @@
           <a:p>
             <a:pPr eaLnBrk="1" hangingPunct="1"/>
             <a:r>
-              <a:rPr lang="ru-RU" altLang="ru-RU" sz="2400" dirty="0"/>
-              <a:t>SELECT *</a:t>
+              <a:rPr lang="ru-RU" altLang="ru-RU" sz="2400" i="1" dirty="0">
+                <a:solidFill>
+                  <a:srgbClr val="0000FF"/>
+                </a:solidFill>
+              </a:rPr>
+              <a:t>SELECT * FROM Владельцы</a:t>
             </a:r>
           </a:p>
           <a:p>
             <a:pPr eaLnBrk="1" hangingPunct="1"/>
-            <a:r>
-              <a:rPr lang="ru-RU" altLang="ru-RU" sz="2400" dirty="0"/>
-              <a:t>FROM Владельцы</a:t>
-            </a:r>
+            <a:endParaRPr lang="ru-RU" altLang="ru-RU" sz="2400" i="1" dirty="0">
+              <a:solidFill>
+                <a:srgbClr val="0000FF"/>
+              </a:solidFill>
+            </a:endParaRPr>
           </a:p>
           <a:p>
             <a:pPr eaLnBrk="1" hangingPunct="1"/>
             <a:r>
-              <a:rPr lang="ru-RU" altLang="ru-RU" sz="2400" dirty="0"/>
+              <a:rPr lang="ru-RU" altLang="ru-RU" sz="2400" i="1" dirty="0">
+                <a:solidFill>
+                  <a:srgbClr val="0000FF"/>
+                </a:solidFill>
+              </a:rPr>
               <a:t>WHERE </a:t>
             </a:r>
             <a:r>
-              <a:rPr lang="ru-RU" altLang="ru-RU" sz="2400" dirty="0" err="1"/>
+              <a:rPr lang="ru-RU" altLang="ru-RU" sz="2400" i="1" dirty="0" err="1">
+                <a:solidFill>
+                  <a:srgbClr val="C00000"/>
+                </a:solidFill>
+              </a:rPr>
               <a:t>Номер_дома</a:t>
             </a:r>
             <a:r>
-              <a:rPr lang="ru-RU" altLang="ru-RU" sz="2400" dirty="0"/>
-              <a:t>&gt;100</a:t>
-            </a:r>
-          </a:p>
-          <a:p>
-            <a:pPr eaLnBrk="1" hangingPunct="1"/>
-            <a:r>
-              <a:rPr lang="en-US" altLang="ru-RU" sz="2400" dirty="0"/>
+              <a:rPr lang="ru-RU" altLang="ru-RU" sz="2400" i="1" dirty="0">
+                <a:solidFill>
+                  <a:srgbClr val="C00000"/>
+                </a:solidFill>
+              </a:rPr>
+              <a:t>&gt;100 </a:t>
+            </a:r>
+            <a:r>
+              <a:rPr lang="en-US" altLang="ru-RU" sz="2400" i="1" dirty="0">
+                <a:solidFill>
+                  <a:srgbClr val="C00000"/>
+                </a:solidFill>
+              </a:rPr>
               <a:t>AND</a:t>
             </a:r>
-          </a:p>
-          <a:p>
-            <a:pPr eaLnBrk="1" hangingPunct="1"/>
-            <a:r>
-              <a:rPr lang="ru-RU" altLang="ru-RU" sz="2400" dirty="0" err="1"/>
+            <a:r>
+              <a:rPr lang="ru-RU" altLang="ru-RU" sz="2400" i="1" dirty="0">
+                <a:solidFill>
+                  <a:srgbClr val="C00000"/>
+                </a:solidFill>
+              </a:rPr>
+              <a:t> </a:t>
+            </a:r>
+            <a:r>
+              <a:rPr lang="ru-RU" altLang="ru-RU" sz="2400" i="1" dirty="0" err="1">
+                <a:solidFill>
+                  <a:srgbClr val="C00000"/>
+                </a:solidFill>
+              </a:rPr>
               <a:t>Номер_дома</a:t>
             </a:r>
             <a:r>
-              <a:rPr lang="en-US" altLang="ru-RU" sz="2400" dirty="0"/>
+              <a:rPr lang="en-US" altLang="ru-RU" sz="2400" i="1" dirty="0">
+                <a:solidFill>
+                  <a:srgbClr val="C00000"/>
+                </a:solidFill>
+              </a:rPr>
               <a:t>&lt;</a:t>
             </a:r>
             <a:r>
-              <a:rPr lang="ru-RU" altLang="ru-RU" sz="2400" dirty="0"/>
+              <a:rPr lang="ru-RU" altLang="ru-RU" sz="2400" i="1" dirty="0">
+                <a:solidFill>
+                  <a:srgbClr val="C00000"/>
+                </a:solidFill>
+              </a:rPr>
               <a:t>1</a:t>
             </a:r>
             <a:r>
-              <a:rPr lang="en-US" altLang="ru-RU" sz="2400" dirty="0"/>
+              <a:rPr lang="en-US" altLang="ru-RU" sz="2400" i="1" dirty="0">
+                <a:solidFill>
+                  <a:srgbClr val="C00000"/>
+                </a:solidFill>
+              </a:rPr>
               <a:t>1</a:t>
             </a:r>
             <a:r>
-              <a:rPr lang="ru-RU" altLang="ru-RU" sz="2400" dirty="0"/>
+              <a:rPr lang="ru-RU" altLang="ru-RU" sz="2400" i="1" dirty="0">
+                <a:solidFill>
+                  <a:srgbClr val="C00000"/>
+                </a:solidFill>
+              </a:rPr>
               <a:t>0;</a:t>
             </a:r>
           </a:p>
@@ -21003,7 +21347,7 @@
                 <a:latin typeface="Arial Black" panose="020B0A04020102020204" pitchFamily="34" charset="0"/>
               </a:rPr>
               <a:pPr eaLnBrk="1" hangingPunct="1"/>
-              <a:t>8</a:t>
+              <a:t>7</a:t>
             </a:fld>
             <a:endParaRPr lang="ru-RU" altLang="ru-RU" sz="900">
               <a:latin typeface="Arial Black" panose="020B0A04020102020204" pitchFamily="34" charset="0"/>
@@ -21016,10 +21360,88 @@
   <p:clrMapOvr>
     <a:masterClrMapping/>
   </p:clrMapOvr>
+  <p:timing>
+    <p:tnLst>
+      <p:par>
+        <p:cTn id="1" dur="indefinite" restart="never" nodeType="tmRoot">
+          <p:childTnLst>
+            <p:seq concurrent="1" nextAc="seek">
+              <p:cTn id="2" dur="indefinite" nodeType="mainSeq">
+                <p:childTnLst>
+                  <p:par>
+                    <p:cTn id="3" fill="hold">
+                      <p:stCondLst>
+                        <p:cond delay="indefinite"/>
+                      </p:stCondLst>
+                      <p:childTnLst>
+                        <p:par>
+                          <p:cTn id="4" fill="hold">
+                            <p:stCondLst>
+                              <p:cond delay="0"/>
+                            </p:stCondLst>
+                            <p:childTnLst>
+                              <p:par>
+                                <p:cTn id="5" presetID="1" presetClass="entr" presetSubtype="0" fill="hold" grpId="0" nodeType="clickEffect">
+                                  <p:stCondLst>
+                                    <p:cond delay="0"/>
+                                  </p:stCondLst>
+                                  <p:childTnLst>
+                                    <p:set>
+                                      <p:cBhvr>
+                                        <p:cTn id="6" dur="1" fill="hold">
+                                          <p:stCondLst>
+                                            <p:cond delay="0"/>
+                                          </p:stCondLst>
+                                        </p:cTn>
+                                        <p:tgtEl>
+                                          <p:spTgt spid="9219"/>
+                                        </p:tgtEl>
+                                        <p:attrNameLst>
+                                          <p:attrName>style.visibility</p:attrName>
+                                        </p:attrNameLst>
+                                      </p:cBhvr>
+                                      <p:to>
+                                        <p:strVal val="visible"/>
+                                      </p:to>
+                                    </p:set>
+                                  </p:childTnLst>
+                                </p:cTn>
+                              </p:par>
+                            </p:childTnLst>
+                          </p:cTn>
+                        </p:par>
+                      </p:childTnLst>
+                    </p:cTn>
+                  </p:par>
+                </p:childTnLst>
+              </p:cTn>
+              <p:prevCondLst>
+                <p:cond evt="onPrev" delay="0">
+                  <p:tgtEl>
+                    <p:sldTgt/>
+                  </p:tgtEl>
+                </p:cond>
+              </p:prevCondLst>
+              <p:nextCondLst>
+                <p:cond evt="onNext" delay="0">
+                  <p:tgtEl>
+                    <p:sldTgt/>
+                  </p:tgtEl>
+                </p:cond>
+              </p:nextCondLst>
+            </p:seq>
+          </p:childTnLst>
+        </p:cTn>
+      </p:par>
+    </p:tnLst>
+    <p:bldLst>
+      <p:bldP spid="9219" grpId="0"/>
+    </p:bldLst>
+  </p:timing>
 </p:sld>
 </file>
 
-<file path=ppt/slides/slide9.xml><?xml version="1.0" encoding="utf-8"?>
+<file path=ppt/slides/slide8.xml><?xml version="1.0" encoding="utf-8"?>
 <p:sld xmlns:a="http://schemas.openxmlformats.org/drawingml/2006/main" xmlns:r="http://schemas.openxmlformats.org/officeDocument/2006/relationships" xmlns:p="http://schemas.openxmlformats.org/presentationml/2006/main">
   <p:cSld>
     <p:spTree>
@@ -21052,8 +21474,8 @@
         </p:nvSpPr>
         <p:spPr bwMode="auto">
           <a:xfrm>
-            <a:off x="-277424" y="1069858"/>
-            <a:ext cx="6453188" cy="1200329"/>
+            <a:off x="340397" y="881250"/>
+            <a:ext cx="5553145" cy="1200329"/>
           </a:xfrm>
           <a:prstGeom prst="rect">
             <a:avLst/>
@@ -21083,7 +21505,7 @@
           </a:extLst>
         </p:spPr>
         <p:txBody>
-          <a:bodyPr>
+          <a:bodyPr wrap="square">
             <a:spAutoFit/>
           </a:bodyPr>
           <a:lstStyle>
@@ -21185,16 +21607,14 @@
             </a:lvl9pPr>
           </a:lstStyle>
           <a:p>
-            <a:pPr lvl="1" eaLnBrk="1" hangingPunct="1">
+            <a:pPr marL="0" lvl="1" indent="0" eaLnBrk="1" hangingPunct="1">
               <a:buClr>
                 <a:schemeClr val="bg2"/>
               </a:buClr>
-              <a:buFont typeface="Wingdings" panose="05000000000000000000" pitchFamily="2" charset="2"/>
-              <a:buAutoNum type="arabicParenR" startAt="2"/>
             </a:pPr>
             <a:r>
               <a:rPr lang="ru-RU" altLang="ru-RU" sz="2400" dirty="0"/>
-              <a:t> диапазон - проверяется, попадает ли результат вычисления выражения в заданный диапазон значений</a:t>
+              <a:t>диапазон - проверяется, попадает ли результат вычисления выражения в заданный диапазон значений</a:t>
             </a:r>
             <a:endParaRPr lang="en-US" altLang="ru-RU" sz="2400" dirty="0"/>
           </a:p>
@@ -21216,7 +21636,7 @@
         </p:nvSpPr>
         <p:spPr bwMode="auto">
           <a:xfrm>
-            <a:off x="542686" y="296475"/>
+            <a:off x="435894" y="214295"/>
             <a:ext cx="1713931" cy="584775"/>
           </a:xfrm>
           <a:prstGeom prst="rect">
@@ -21374,8 +21794,8 @@
         </p:nvSpPr>
         <p:spPr bwMode="auto">
           <a:xfrm>
-            <a:off x="3761192" y="2499842"/>
-            <a:ext cx="4495105" cy="1938992"/>
+            <a:off x="240281" y="3187948"/>
+            <a:ext cx="8543297" cy="830997"/>
           </a:xfrm>
           <a:prstGeom prst="rect">
             <a:avLst/>
@@ -21509,64 +21929,86 @@
           <a:p>
             <a:pPr eaLnBrk="1" hangingPunct="1"/>
             <a:r>
-              <a:rPr lang="ru-RU" altLang="ru-RU" sz="2400" dirty="0"/>
-              <a:t>SELECT *</a:t>
+              <a:rPr lang="ru-RU" altLang="ru-RU" sz="2400" dirty="0">
+                <a:solidFill>
+                  <a:srgbClr val="0000FF"/>
+                </a:solidFill>
+              </a:rPr>
+              <a:t>SELECT * FROM Владельцы</a:t>
             </a:r>
           </a:p>
           <a:p>
             <a:pPr eaLnBrk="1" hangingPunct="1"/>
             <a:r>
-              <a:rPr lang="ru-RU" altLang="ru-RU" sz="2400" dirty="0"/>
-              <a:t>FROM Владельцы</a:t>
-            </a:r>
-          </a:p>
-          <a:p>
-            <a:pPr eaLnBrk="1" hangingPunct="1"/>
-            <a:r>
-              <a:rPr lang="ru-RU" altLang="ru-RU" sz="2400" dirty="0"/>
+              <a:rPr lang="ru-RU" altLang="ru-RU" sz="2400" dirty="0">
+                <a:solidFill>
+                  <a:srgbClr val="C00000"/>
+                </a:solidFill>
+              </a:rPr>
               <a:t>WHERE </a:t>
             </a:r>
             <a:r>
-              <a:rPr lang="ru-RU" altLang="ru-RU" sz="2400" dirty="0" err="1"/>
+              <a:rPr lang="ru-RU" altLang="ru-RU" sz="2400" dirty="0" err="1">
+                <a:solidFill>
+                  <a:srgbClr val="C00000"/>
+                </a:solidFill>
+              </a:rPr>
               <a:t>Номер_дома</a:t>
             </a:r>
-            <a:endParaRPr lang="en-US" altLang="ru-RU" sz="2400" dirty="0"/>
-          </a:p>
-          <a:p>
-            <a:pPr eaLnBrk="1" hangingPunct="1"/>
-            <a:r>
-              <a:rPr lang="en-US" altLang="ru-RU" sz="2400" dirty="0"/>
-              <a:t>NOT </a:t>
-            </a:r>
-            <a:r>
-              <a:rPr lang="ru-RU" altLang="ru-RU" sz="2400" dirty="0"/>
-              <a:t>BETWEEN</a:t>
-            </a:r>
-            <a:r>
-              <a:rPr lang="en-US" altLang="ru-RU" sz="2400" dirty="0"/>
+            <a:r>
+              <a:rPr lang="ru-RU" altLang="ru-RU" sz="2400" dirty="0">
+                <a:solidFill>
+                  <a:srgbClr val="C00000"/>
+                </a:solidFill>
+              </a:rPr>
               <a:t> </a:t>
             </a:r>
-          </a:p>
-          <a:p>
-            <a:pPr eaLnBrk="1" hangingPunct="1"/>
-            <a:r>
-              <a:rPr lang="ru-RU" altLang="ru-RU" sz="2400" dirty="0"/>
-              <a:t>100</a:t>
-            </a:r>
-            <a:r>
-              <a:rPr lang="en-US" altLang="ru-RU" sz="2400" dirty="0"/>
+            <a:r>
+              <a:rPr lang="en-US" altLang="ru-RU" sz="2400" dirty="0">
+                <a:solidFill>
+                  <a:srgbClr val="C00000"/>
+                </a:solidFill>
+              </a:rPr>
+              <a:t>NOT</a:t>
+            </a:r>
+            <a:r>
+              <a:rPr lang="ru-RU" altLang="ru-RU" sz="2400" dirty="0">
+                <a:solidFill>
+                  <a:srgbClr val="C00000"/>
+                </a:solidFill>
+              </a:rPr>
+              <a:t> BETWEEN 100</a:t>
+            </a:r>
+            <a:r>
+              <a:rPr lang="en-US" altLang="ru-RU" sz="2400" dirty="0">
+                <a:solidFill>
+                  <a:srgbClr val="C00000"/>
+                </a:solidFill>
+              </a:rPr>
               <a:t> AND </a:t>
             </a:r>
             <a:r>
-              <a:rPr lang="ru-RU" altLang="ru-RU" sz="2400" dirty="0"/>
+              <a:rPr lang="ru-RU" altLang="ru-RU" sz="2400" dirty="0">
+                <a:solidFill>
+                  <a:srgbClr val="C00000"/>
+                </a:solidFill>
+              </a:rPr>
               <a:t>1</a:t>
             </a:r>
             <a:r>
-              <a:rPr lang="en-US" altLang="ru-RU" sz="2400" dirty="0"/>
+              <a:rPr lang="en-US" altLang="ru-RU" sz="2400" dirty="0">
+                <a:solidFill>
+                  <a:srgbClr val="C00000"/>
+                </a:solidFill>
+              </a:rPr>
               <a:t>1</a:t>
             </a:r>
             <a:r>
-              <a:rPr lang="ru-RU" altLang="ru-RU" sz="2400" dirty="0"/>
+              <a:rPr lang="ru-RU" altLang="ru-RU" sz="2400" dirty="0">
+                <a:solidFill>
+                  <a:srgbClr val="C00000"/>
+                </a:solidFill>
+              </a:rPr>
               <a:t>0;</a:t>
             </a:r>
           </a:p>
@@ -21588,8 +22030,8 @@
         </p:nvSpPr>
         <p:spPr bwMode="auto">
           <a:xfrm>
-            <a:off x="441774" y="2458796"/>
-            <a:ext cx="2863453" cy="2308324"/>
+            <a:off x="313698" y="2320115"/>
+            <a:ext cx="7116321" cy="646331"/>
           </a:xfrm>
           <a:prstGeom prst="rect">
             <a:avLst/>
@@ -21619,7 +22061,7 @@
           </a:extLst>
         </p:spPr>
         <p:txBody>
-          <a:bodyPr>
+          <a:bodyPr wrap="square">
             <a:spAutoFit/>
           </a:bodyPr>
           <a:lstStyle>
@@ -21723,7 +22165,7 @@
           <a:p>
             <a:pPr eaLnBrk="1" hangingPunct="1"/>
             <a:r>
-              <a:rPr lang="ru-RU" altLang="ru-RU" sz="2400" dirty="0"/>
+              <a:rPr lang="ru-RU" altLang="ru-RU" sz="1800" dirty="0"/>
               <a:t>Оператор BETWEEN используется для поиска значения внутри некоторого интервала</a:t>
             </a:r>
           </a:p>
@@ -21875,7 +22317,7 @@
                 <a:latin typeface="Arial Black" panose="020B0A04020102020204" pitchFamily="34" charset="0"/>
               </a:rPr>
               <a:pPr eaLnBrk="1" hangingPunct="1"/>
-              <a:t>9</a:t>
+              <a:t>8</a:t>
             </a:fld>
             <a:endParaRPr lang="ru-RU" altLang="ru-RU" sz="900">
               <a:latin typeface="Arial Black" panose="020B0A04020102020204" pitchFamily="34" charset="0"/>
@@ -21888,6 +22330,898 @@
   <p:clrMapOvr>
     <a:masterClrMapping/>
   </p:clrMapOvr>
+  <p:timing>
+    <p:tnLst>
+      <p:par>
+        <p:cTn id="1" dur="indefinite" restart="never" nodeType="tmRoot">
+          <p:childTnLst>
+            <p:seq concurrent="1" nextAc="seek">
+              <p:cTn id="2" dur="indefinite" nodeType="mainSeq">
+                <p:childTnLst>
+                  <p:par>
+                    <p:cTn id="3" fill="hold">
+                      <p:stCondLst>
+                        <p:cond delay="indefinite"/>
+                      </p:stCondLst>
+                      <p:childTnLst>
+                        <p:par>
+                          <p:cTn id="4" fill="hold">
+                            <p:stCondLst>
+                              <p:cond delay="0"/>
+                            </p:stCondLst>
+                            <p:childTnLst>
+                              <p:par>
+                                <p:cTn id="5" presetID="1" presetClass="entr" presetSubtype="0" fill="hold" grpId="0" nodeType="clickEffect">
+                                  <p:stCondLst>
+                                    <p:cond delay="0"/>
+                                  </p:stCondLst>
+                                  <p:childTnLst>
+                                    <p:set>
+                                      <p:cBhvr>
+                                        <p:cTn id="6" dur="1" fill="hold">
+                                          <p:stCondLst>
+                                            <p:cond delay="0"/>
+                                          </p:stCondLst>
+                                        </p:cTn>
+                                        <p:tgtEl>
+                                          <p:spTgt spid="10244"/>
+                                        </p:tgtEl>
+                                        <p:attrNameLst>
+                                          <p:attrName>style.visibility</p:attrName>
+                                        </p:attrNameLst>
+                                      </p:cBhvr>
+                                      <p:to>
+                                        <p:strVal val="visible"/>
+                                      </p:to>
+                                    </p:set>
+                                  </p:childTnLst>
+                                </p:cTn>
+                              </p:par>
+                            </p:childTnLst>
+                          </p:cTn>
+                        </p:par>
+                      </p:childTnLst>
+                    </p:cTn>
+                  </p:par>
+                </p:childTnLst>
+              </p:cTn>
+              <p:prevCondLst>
+                <p:cond evt="onPrev" delay="0">
+                  <p:tgtEl>
+                    <p:sldTgt/>
+                  </p:tgtEl>
+                </p:cond>
+              </p:prevCondLst>
+              <p:nextCondLst>
+                <p:cond evt="onNext" delay="0">
+                  <p:tgtEl>
+                    <p:sldTgt/>
+                  </p:tgtEl>
+                </p:cond>
+              </p:nextCondLst>
+            </p:seq>
+          </p:childTnLst>
+        </p:cTn>
+      </p:par>
+    </p:tnLst>
+    <p:bldLst>
+      <p:bldP spid="10244" grpId="0"/>
+    </p:bldLst>
+  </p:timing>
+</p:sld>
+</file>
+
+<file path=ppt/slides/slide9.xml><?xml version="1.0" encoding="utf-8"?>
+<p:sld xmlns:a="http://schemas.openxmlformats.org/drawingml/2006/main" xmlns:r="http://schemas.openxmlformats.org/officeDocument/2006/relationships" xmlns:p="http://schemas.openxmlformats.org/presentationml/2006/main">
+  <p:cSld>
+    <p:spTree>
+      <p:nvGrpSpPr>
+        <p:cNvPr id="1" name=""/>
+        <p:cNvGrpSpPr/>
+        <p:nvPr/>
+      </p:nvGrpSpPr>
+      <p:grpSpPr>
+        <a:xfrm>
+          <a:off x="0" y="0"/>
+          <a:ext cx="0" cy="0"/>
+          <a:chOff x="0" y="0"/>
+          <a:chExt cx="0" cy="0"/>
+        </a:xfrm>
+      </p:grpSpPr>
+      <p:sp>
+        <p:nvSpPr>
+          <p:cNvPr id="11266" name="Rectangle 2">
+            <a:extLst>
+              <a:ext uri="{FF2B5EF4-FFF2-40B4-BE49-F238E27FC236}">
+                <a16:creationId xmlns:a16="http://schemas.microsoft.com/office/drawing/2014/main" id="{B794FAAF-D273-4D5F-AFDE-3E9790A64408}"/>
+              </a:ext>
+            </a:extLst>
+          </p:cNvPr>
+          <p:cNvSpPr>
+            <a:spLocks noChangeArrowheads="1"/>
+          </p:cNvSpPr>
+          <p:nvPr/>
+        </p:nvSpPr>
+        <p:spPr bwMode="auto">
+          <a:xfrm>
+            <a:off x="-300350" y="834038"/>
+            <a:ext cx="6781243" cy="1569660"/>
+          </a:xfrm>
+          <a:prstGeom prst="rect">
+            <a:avLst/>
+          </a:prstGeom>
+          <a:noFill/>
+          <a:ln>
+            <a:noFill/>
+          </a:ln>
+          <a:extLst>
+            <a:ext uri="{909E8E84-426E-40DD-AFC4-6F175D3DCCD1}">
+              <a14:hiddenFill xmlns:a14="http://schemas.microsoft.com/office/drawing/2010/main">
+                <a:solidFill>
+                  <a:srgbClr val="FFFFFF"/>
+                </a:solidFill>
+              </a14:hiddenFill>
+            </a:ext>
+            <a:ext uri="{91240B29-F687-4F45-9708-019B960494DF}">
+              <a14:hiddenLine xmlns:a14="http://schemas.microsoft.com/office/drawing/2010/main" w="9525">
+                <a:solidFill>
+                  <a:srgbClr val="000000"/>
+                </a:solidFill>
+                <a:miter lim="800000"/>
+                <a:headEnd/>
+                <a:tailEnd/>
+              </a14:hiddenLine>
+            </a:ext>
+          </a:extLst>
+        </p:spPr>
+        <p:txBody>
+          <a:bodyPr wrap="square">
+            <a:spAutoFit/>
+          </a:bodyPr>
+          <a:lstStyle>
+            <a:lvl1pPr marL="342900" indent="-342900" eaLnBrk="0" hangingPunct="0">
+              <a:defRPr sz="2800">
+                <a:solidFill>
+                  <a:schemeClr val="tx1"/>
+                </a:solidFill>
+                <a:latin typeface="Arial" panose="020B0604020202020204" pitchFamily="34" charset="0"/>
+              </a:defRPr>
+            </a:lvl1pPr>
+            <a:lvl2pPr marL="800100" indent="-342900" eaLnBrk="0" hangingPunct="0">
+              <a:defRPr sz="2800">
+                <a:solidFill>
+                  <a:schemeClr val="tx1"/>
+                </a:solidFill>
+                <a:latin typeface="Arial" panose="020B0604020202020204" pitchFamily="34" charset="0"/>
+              </a:defRPr>
+            </a:lvl2pPr>
+            <a:lvl3pPr marL="1143000" indent="-228600" eaLnBrk="0" hangingPunct="0">
+              <a:defRPr sz="2800">
+                <a:solidFill>
+                  <a:schemeClr val="tx1"/>
+                </a:solidFill>
+                <a:latin typeface="Arial" panose="020B0604020202020204" pitchFamily="34" charset="0"/>
+              </a:defRPr>
+            </a:lvl3pPr>
+            <a:lvl4pPr marL="1600200" indent="-228600" eaLnBrk="0" hangingPunct="0">
+              <a:defRPr sz="2800">
+                <a:solidFill>
+                  <a:schemeClr val="tx1"/>
+                </a:solidFill>
+                <a:latin typeface="Arial" panose="020B0604020202020204" pitchFamily="34" charset="0"/>
+              </a:defRPr>
+            </a:lvl4pPr>
+            <a:lvl5pPr marL="2057400" indent="-228600" eaLnBrk="0" hangingPunct="0">
+              <a:defRPr sz="2800">
+                <a:solidFill>
+                  <a:schemeClr val="tx1"/>
+                </a:solidFill>
+                <a:latin typeface="Arial" panose="020B0604020202020204" pitchFamily="34" charset="0"/>
+              </a:defRPr>
+            </a:lvl5pPr>
+            <a:lvl6pPr marL="2514600" indent="-228600" eaLnBrk="0" fontAlgn="base" hangingPunct="0">
+              <a:spcBef>
+                <a:spcPct val="0"/>
+              </a:spcBef>
+              <a:spcAft>
+                <a:spcPct val="0"/>
+              </a:spcAft>
+              <a:defRPr sz="2800">
+                <a:solidFill>
+                  <a:schemeClr val="tx1"/>
+                </a:solidFill>
+                <a:latin typeface="Arial" panose="020B0604020202020204" pitchFamily="34" charset="0"/>
+              </a:defRPr>
+            </a:lvl6pPr>
+            <a:lvl7pPr marL="2971800" indent="-228600" eaLnBrk="0" fontAlgn="base" hangingPunct="0">
+              <a:spcBef>
+                <a:spcPct val="0"/>
+              </a:spcBef>
+              <a:spcAft>
+                <a:spcPct val="0"/>
+              </a:spcAft>
+              <a:defRPr sz="2800">
+                <a:solidFill>
+                  <a:schemeClr val="tx1"/>
+                </a:solidFill>
+                <a:latin typeface="Arial" panose="020B0604020202020204" pitchFamily="34" charset="0"/>
+              </a:defRPr>
+            </a:lvl7pPr>
+            <a:lvl8pPr marL="3429000" indent="-228600" eaLnBrk="0" fontAlgn="base" hangingPunct="0">
+              <a:spcBef>
+                <a:spcPct val="0"/>
+              </a:spcBef>
+              <a:spcAft>
+                <a:spcPct val="0"/>
+              </a:spcAft>
+              <a:defRPr sz="2800">
+                <a:solidFill>
+                  <a:schemeClr val="tx1"/>
+                </a:solidFill>
+                <a:latin typeface="Arial" panose="020B0604020202020204" pitchFamily="34" charset="0"/>
+              </a:defRPr>
+            </a:lvl8pPr>
+            <a:lvl9pPr marL="3886200" indent="-228600" eaLnBrk="0" fontAlgn="base" hangingPunct="0">
+              <a:spcBef>
+                <a:spcPct val="0"/>
+              </a:spcBef>
+              <a:spcAft>
+                <a:spcPct val="0"/>
+              </a:spcAft>
+              <a:defRPr sz="2800">
+                <a:solidFill>
+                  <a:schemeClr val="tx1"/>
+                </a:solidFill>
+                <a:latin typeface="Arial" panose="020B0604020202020204" pitchFamily="34" charset="0"/>
+              </a:defRPr>
+            </a:lvl9pPr>
+          </a:lstStyle>
+          <a:p>
+            <a:pPr marL="457200" lvl="1" indent="0" eaLnBrk="1" hangingPunct="1">
+              <a:buClr>
+                <a:schemeClr val="bg2"/>
+              </a:buClr>
+            </a:pPr>
+            <a:r>
+              <a:rPr lang="ru-RU" altLang="ru-RU" sz="2400" dirty="0"/>
+              <a:t> принадлежность множеству</a:t>
+            </a:r>
+            <a:r>
+              <a:rPr lang="en-US" altLang="ru-RU" sz="2400" dirty="0"/>
+              <a:t> -</a:t>
+            </a:r>
+            <a:r>
+              <a:rPr lang="ru-RU" altLang="ru-RU" sz="2400" dirty="0"/>
+              <a:t> проверяется, принадлежит ли результат вычислений выражения заданному множеству значений.</a:t>
+            </a:r>
+            <a:endParaRPr lang="en-US" altLang="ru-RU" sz="2400" dirty="0"/>
+          </a:p>
+        </p:txBody>
+      </p:sp>
+      <p:sp>
+        <p:nvSpPr>
+          <p:cNvPr id="11267" name="Rectangle 3">
+            <a:extLst>
+              <a:ext uri="{FF2B5EF4-FFF2-40B4-BE49-F238E27FC236}">
+                <a16:creationId xmlns:a16="http://schemas.microsoft.com/office/drawing/2014/main" id="{30F7B168-1C3B-4E74-8BAB-7BF281866E23}"/>
+              </a:ext>
+            </a:extLst>
+          </p:cNvPr>
+          <p:cNvSpPr>
+            <a:spLocks noChangeArrowheads="1"/>
+          </p:cNvSpPr>
+          <p:nvPr/>
+        </p:nvSpPr>
+        <p:spPr bwMode="auto">
+          <a:xfrm>
+            <a:off x="416137" y="136825"/>
+            <a:ext cx="1713931" cy="584775"/>
+          </a:xfrm>
+          <a:prstGeom prst="rect">
+            <a:avLst/>
+          </a:prstGeom>
+          <a:noFill/>
+          <a:ln>
+            <a:noFill/>
+          </a:ln>
+          <a:extLst>
+            <a:ext uri="{909E8E84-426E-40DD-AFC4-6F175D3DCCD1}">
+              <a14:hiddenFill xmlns:a14="http://schemas.microsoft.com/office/drawing/2010/main">
+                <a:solidFill>
+                  <a:srgbClr val="FFFFFF"/>
+                </a:solidFill>
+              </a14:hiddenFill>
+            </a:ext>
+            <a:ext uri="{91240B29-F687-4F45-9708-019B960494DF}">
+              <a14:hiddenLine xmlns:a14="http://schemas.microsoft.com/office/drawing/2010/main" w="9525">
+                <a:solidFill>
+                  <a:srgbClr val="000000"/>
+                </a:solidFill>
+                <a:miter lim="800000"/>
+                <a:headEnd/>
+                <a:tailEnd/>
+              </a14:hiddenLine>
+            </a:ext>
+          </a:extLst>
+        </p:spPr>
+        <p:txBody>
+          <a:bodyPr wrap="none">
+            <a:spAutoFit/>
+          </a:bodyPr>
+          <a:lstStyle>
+            <a:lvl1pPr eaLnBrk="0" hangingPunct="0">
+              <a:defRPr sz="2800">
+                <a:solidFill>
+                  <a:schemeClr val="tx1"/>
+                </a:solidFill>
+                <a:latin typeface="Arial" panose="020B0604020202020204" pitchFamily="34" charset="0"/>
+              </a:defRPr>
+            </a:lvl1pPr>
+            <a:lvl2pPr marL="742950" indent="-285750" eaLnBrk="0" hangingPunct="0">
+              <a:defRPr sz="2800">
+                <a:solidFill>
+                  <a:schemeClr val="tx1"/>
+                </a:solidFill>
+                <a:latin typeface="Arial" panose="020B0604020202020204" pitchFamily="34" charset="0"/>
+              </a:defRPr>
+            </a:lvl2pPr>
+            <a:lvl3pPr marL="1143000" indent="-228600" eaLnBrk="0" hangingPunct="0">
+              <a:defRPr sz="2800">
+                <a:solidFill>
+                  <a:schemeClr val="tx1"/>
+                </a:solidFill>
+                <a:latin typeface="Arial" panose="020B0604020202020204" pitchFamily="34" charset="0"/>
+              </a:defRPr>
+            </a:lvl3pPr>
+            <a:lvl4pPr marL="1600200" indent="-228600" eaLnBrk="0" hangingPunct="0">
+              <a:defRPr sz="2800">
+                <a:solidFill>
+                  <a:schemeClr val="tx1"/>
+                </a:solidFill>
+                <a:latin typeface="Arial" panose="020B0604020202020204" pitchFamily="34" charset="0"/>
+              </a:defRPr>
+            </a:lvl4pPr>
+            <a:lvl5pPr marL="2057400" indent="-228600" eaLnBrk="0" hangingPunct="0">
+              <a:defRPr sz="2800">
+                <a:solidFill>
+                  <a:schemeClr val="tx1"/>
+                </a:solidFill>
+                <a:latin typeface="Arial" panose="020B0604020202020204" pitchFamily="34" charset="0"/>
+              </a:defRPr>
+            </a:lvl5pPr>
+            <a:lvl6pPr marL="2514600" indent="-228600" eaLnBrk="0" fontAlgn="base" hangingPunct="0">
+              <a:spcBef>
+                <a:spcPct val="0"/>
+              </a:spcBef>
+              <a:spcAft>
+                <a:spcPct val="0"/>
+              </a:spcAft>
+              <a:defRPr sz="2800">
+                <a:solidFill>
+                  <a:schemeClr val="tx1"/>
+                </a:solidFill>
+                <a:latin typeface="Arial" panose="020B0604020202020204" pitchFamily="34" charset="0"/>
+              </a:defRPr>
+            </a:lvl6pPr>
+            <a:lvl7pPr marL="2971800" indent="-228600" eaLnBrk="0" fontAlgn="base" hangingPunct="0">
+              <a:spcBef>
+                <a:spcPct val="0"/>
+              </a:spcBef>
+              <a:spcAft>
+                <a:spcPct val="0"/>
+              </a:spcAft>
+              <a:defRPr sz="2800">
+                <a:solidFill>
+                  <a:schemeClr val="tx1"/>
+                </a:solidFill>
+                <a:latin typeface="Arial" panose="020B0604020202020204" pitchFamily="34" charset="0"/>
+              </a:defRPr>
+            </a:lvl7pPr>
+            <a:lvl8pPr marL="3429000" indent="-228600" eaLnBrk="0" fontAlgn="base" hangingPunct="0">
+              <a:spcBef>
+                <a:spcPct val="0"/>
+              </a:spcBef>
+              <a:spcAft>
+                <a:spcPct val="0"/>
+              </a:spcAft>
+              <a:defRPr sz="2800">
+                <a:solidFill>
+                  <a:schemeClr val="tx1"/>
+                </a:solidFill>
+                <a:latin typeface="Arial" panose="020B0604020202020204" pitchFamily="34" charset="0"/>
+              </a:defRPr>
+            </a:lvl8pPr>
+            <a:lvl9pPr marL="3886200" indent="-228600" eaLnBrk="0" fontAlgn="base" hangingPunct="0">
+              <a:spcBef>
+                <a:spcPct val="0"/>
+              </a:spcBef>
+              <a:spcAft>
+                <a:spcPct val="0"/>
+              </a:spcAft>
+              <a:defRPr sz="2800">
+                <a:solidFill>
+                  <a:schemeClr val="tx1"/>
+                </a:solidFill>
+                <a:latin typeface="Arial" panose="020B0604020202020204" pitchFamily="34" charset="0"/>
+              </a:defRPr>
+            </a:lvl9pPr>
+          </a:lstStyle>
+          <a:p>
+            <a:pPr eaLnBrk="1" hangingPunct="1"/>
+            <a:r>
+              <a:rPr lang="en-US" altLang="ru-RU" sz="3200" b="1" dirty="0"/>
+              <a:t>WHERE</a:t>
+            </a:r>
+            <a:endParaRPr lang="ru-RU" altLang="ru-RU" sz="3200" b="1" dirty="0"/>
+          </a:p>
+        </p:txBody>
+      </p:sp>
+      <p:sp>
+        <p:nvSpPr>
+          <p:cNvPr id="11268" name="Rectangle 4">
+            <a:extLst>
+              <a:ext uri="{FF2B5EF4-FFF2-40B4-BE49-F238E27FC236}">
+                <a16:creationId xmlns:a16="http://schemas.microsoft.com/office/drawing/2014/main" id="{F9D85342-0157-48EF-A66B-F0F283C8B735}"/>
+              </a:ext>
+            </a:extLst>
+          </p:cNvPr>
+          <p:cNvSpPr>
+            <a:spLocks noChangeArrowheads="1"/>
+          </p:cNvSpPr>
+          <p:nvPr/>
+        </p:nvSpPr>
+        <p:spPr bwMode="auto">
+          <a:xfrm>
+            <a:off x="3455336" y="2116227"/>
+            <a:ext cx="5161383" cy="1938992"/>
+          </a:xfrm>
+          <a:prstGeom prst="rect">
+            <a:avLst/>
+          </a:prstGeom>
+          <a:noFill/>
+          <a:ln>
+            <a:noFill/>
+          </a:ln>
+          <a:extLst>
+            <a:ext uri="{909E8E84-426E-40DD-AFC4-6F175D3DCCD1}">
+              <a14:hiddenFill xmlns:a14="http://schemas.microsoft.com/office/drawing/2010/main">
+                <a:solidFill>
+                  <a:srgbClr val="FFFFFF"/>
+                </a:solidFill>
+              </a14:hiddenFill>
+            </a:ext>
+            <a:ext uri="{91240B29-F687-4F45-9708-019B960494DF}">
+              <a14:hiddenLine xmlns:a14="http://schemas.microsoft.com/office/drawing/2010/main" w="9525">
+                <a:solidFill>
+                  <a:srgbClr val="000000"/>
+                </a:solidFill>
+                <a:miter lim="800000"/>
+                <a:headEnd/>
+                <a:tailEnd/>
+              </a14:hiddenLine>
+            </a:ext>
+          </a:extLst>
+        </p:spPr>
+        <p:txBody>
+          <a:bodyPr wrap="square">
+            <a:spAutoFit/>
+          </a:bodyPr>
+          <a:lstStyle>
+            <a:lvl1pPr eaLnBrk="0" hangingPunct="0">
+              <a:defRPr sz="2800">
+                <a:solidFill>
+                  <a:schemeClr val="tx1"/>
+                </a:solidFill>
+                <a:latin typeface="Arial" panose="020B0604020202020204" pitchFamily="34" charset="0"/>
+              </a:defRPr>
+            </a:lvl1pPr>
+            <a:lvl2pPr marL="742950" indent="-285750" eaLnBrk="0" hangingPunct="0">
+              <a:defRPr sz="2800">
+                <a:solidFill>
+                  <a:schemeClr val="tx1"/>
+                </a:solidFill>
+                <a:latin typeface="Arial" panose="020B0604020202020204" pitchFamily="34" charset="0"/>
+              </a:defRPr>
+            </a:lvl2pPr>
+            <a:lvl3pPr marL="1143000" indent="-228600" eaLnBrk="0" hangingPunct="0">
+              <a:defRPr sz="2800">
+                <a:solidFill>
+                  <a:schemeClr val="tx1"/>
+                </a:solidFill>
+                <a:latin typeface="Arial" panose="020B0604020202020204" pitchFamily="34" charset="0"/>
+              </a:defRPr>
+            </a:lvl3pPr>
+            <a:lvl4pPr marL="1600200" indent="-228600" eaLnBrk="0" hangingPunct="0">
+              <a:defRPr sz="2800">
+                <a:solidFill>
+                  <a:schemeClr val="tx1"/>
+                </a:solidFill>
+                <a:latin typeface="Arial" panose="020B0604020202020204" pitchFamily="34" charset="0"/>
+              </a:defRPr>
+            </a:lvl4pPr>
+            <a:lvl5pPr marL="2057400" indent="-228600" eaLnBrk="0" hangingPunct="0">
+              <a:defRPr sz="2800">
+                <a:solidFill>
+                  <a:schemeClr val="tx1"/>
+                </a:solidFill>
+                <a:latin typeface="Arial" panose="020B0604020202020204" pitchFamily="34" charset="0"/>
+              </a:defRPr>
+            </a:lvl5pPr>
+            <a:lvl6pPr marL="2514600" indent="-228600" eaLnBrk="0" fontAlgn="base" hangingPunct="0">
+              <a:spcBef>
+                <a:spcPct val="0"/>
+              </a:spcBef>
+              <a:spcAft>
+                <a:spcPct val="0"/>
+              </a:spcAft>
+              <a:defRPr sz="2800">
+                <a:solidFill>
+                  <a:schemeClr val="tx1"/>
+                </a:solidFill>
+                <a:latin typeface="Arial" panose="020B0604020202020204" pitchFamily="34" charset="0"/>
+              </a:defRPr>
+            </a:lvl6pPr>
+            <a:lvl7pPr marL="2971800" indent="-228600" eaLnBrk="0" fontAlgn="base" hangingPunct="0">
+              <a:spcBef>
+                <a:spcPct val="0"/>
+              </a:spcBef>
+              <a:spcAft>
+                <a:spcPct val="0"/>
+              </a:spcAft>
+              <a:defRPr sz="2800">
+                <a:solidFill>
+                  <a:schemeClr val="tx1"/>
+                </a:solidFill>
+                <a:latin typeface="Arial" panose="020B0604020202020204" pitchFamily="34" charset="0"/>
+              </a:defRPr>
+            </a:lvl7pPr>
+            <a:lvl8pPr marL="3429000" indent="-228600" eaLnBrk="0" fontAlgn="base" hangingPunct="0">
+              <a:spcBef>
+                <a:spcPct val="0"/>
+              </a:spcBef>
+              <a:spcAft>
+                <a:spcPct val="0"/>
+              </a:spcAft>
+              <a:defRPr sz="2800">
+                <a:solidFill>
+                  <a:schemeClr val="tx1"/>
+                </a:solidFill>
+                <a:latin typeface="Arial" panose="020B0604020202020204" pitchFamily="34" charset="0"/>
+              </a:defRPr>
+            </a:lvl8pPr>
+            <a:lvl9pPr marL="3886200" indent="-228600" eaLnBrk="0" fontAlgn="base" hangingPunct="0">
+              <a:spcBef>
+                <a:spcPct val="0"/>
+              </a:spcBef>
+              <a:spcAft>
+                <a:spcPct val="0"/>
+              </a:spcAft>
+              <a:defRPr sz="2800">
+                <a:solidFill>
+                  <a:schemeClr val="tx1"/>
+                </a:solidFill>
+                <a:latin typeface="Arial" panose="020B0604020202020204" pitchFamily="34" charset="0"/>
+              </a:defRPr>
+            </a:lvl9pPr>
+          </a:lstStyle>
+          <a:p>
+            <a:pPr eaLnBrk="1" hangingPunct="1"/>
+            <a:r>
+              <a:rPr lang="ru-RU" altLang="ru-RU" sz="2400" dirty="0">
+                <a:solidFill>
+                  <a:srgbClr val="0000FF"/>
+                </a:solidFill>
+              </a:rPr>
+              <a:t>SELECT *</a:t>
+            </a:r>
+          </a:p>
+          <a:p>
+            <a:pPr eaLnBrk="1" hangingPunct="1"/>
+            <a:r>
+              <a:rPr lang="ru-RU" altLang="ru-RU" sz="2400" dirty="0">
+                <a:solidFill>
+                  <a:srgbClr val="0000FF"/>
+                </a:solidFill>
+              </a:rPr>
+              <a:t>FROM Владельцы</a:t>
+            </a:r>
+          </a:p>
+          <a:p>
+            <a:pPr eaLnBrk="1" hangingPunct="1"/>
+            <a:r>
+              <a:rPr lang="ru-RU" altLang="ru-RU" sz="2400" dirty="0">
+                <a:solidFill>
+                  <a:srgbClr val="C00000"/>
+                </a:solidFill>
+              </a:rPr>
+              <a:t>WHERE Фамилия IN</a:t>
+            </a:r>
+          </a:p>
+          <a:p>
+            <a:pPr eaLnBrk="1" hangingPunct="1"/>
+            <a:r>
+              <a:rPr lang="ru-RU" altLang="ru-RU" sz="2400" dirty="0">
+                <a:solidFill>
+                  <a:srgbClr val="C00000"/>
+                </a:solidFill>
+              </a:rPr>
+              <a:t>("</a:t>
+            </a:r>
+            <a:r>
+              <a:rPr lang="ru-RU" altLang="ru-RU" sz="2400" dirty="0" err="1">
+                <a:solidFill>
+                  <a:srgbClr val="C00000"/>
+                </a:solidFill>
+              </a:rPr>
+              <a:t>Чернышов</a:t>
+            </a:r>
+            <a:r>
+              <a:rPr lang="ru-RU" altLang="ru-RU" sz="2400" dirty="0">
+                <a:solidFill>
+                  <a:srgbClr val="C00000"/>
+                </a:solidFill>
+              </a:rPr>
+              <a:t>", "Медведев", "</a:t>
+            </a:r>
+            <a:r>
+              <a:rPr lang="ru-RU" altLang="ru-RU" sz="2400" dirty="0" err="1">
+                <a:solidFill>
+                  <a:srgbClr val="C00000"/>
+                </a:solidFill>
+              </a:rPr>
+              <a:t>Гаспарян</a:t>
+            </a:r>
+            <a:r>
+              <a:rPr lang="ru-RU" altLang="ru-RU" sz="2400" dirty="0">
+                <a:solidFill>
+                  <a:srgbClr val="C00000"/>
+                </a:solidFill>
+              </a:rPr>
+              <a:t>", "Слободской");</a:t>
+            </a:r>
+          </a:p>
+        </p:txBody>
+      </p:sp>
+      <p:sp>
+        <p:nvSpPr>
+          <p:cNvPr id="11269" name="Rectangle 5">
+            <a:extLst>
+              <a:ext uri="{FF2B5EF4-FFF2-40B4-BE49-F238E27FC236}">
+                <a16:creationId xmlns:a16="http://schemas.microsoft.com/office/drawing/2014/main" id="{10BD8E60-CF52-44BC-A175-5CB5E72243E7}"/>
+              </a:ext>
+            </a:extLst>
+          </p:cNvPr>
+          <p:cNvSpPr>
+            <a:spLocks noChangeArrowheads="1"/>
+          </p:cNvSpPr>
+          <p:nvPr/>
+        </p:nvSpPr>
+        <p:spPr bwMode="auto">
+          <a:xfrm>
+            <a:off x="217417" y="2640155"/>
+            <a:ext cx="3918745" cy="1938992"/>
+          </a:xfrm>
+          <a:prstGeom prst="rect">
+            <a:avLst/>
+          </a:prstGeom>
+          <a:noFill/>
+          <a:ln>
+            <a:noFill/>
+          </a:ln>
+          <a:extLst>
+            <a:ext uri="{909E8E84-426E-40DD-AFC4-6F175D3DCCD1}">
+              <a14:hiddenFill xmlns:a14="http://schemas.microsoft.com/office/drawing/2010/main">
+                <a:solidFill>
+                  <a:srgbClr val="FFFFFF"/>
+                </a:solidFill>
+              </a14:hiddenFill>
+            </a:ext>
+            <a:ext uri="{91240B29-F687-4F45-9708-019B960494DF}">
+              <a14:hiddenLine xmlns:a14="http://schemas.microsoft.com/office/drawing/2010/main" w="9525">
+                <a:solidFill>
+                  <a:srgbClr val="000000"/>
+                </a:solidFill>
+                <a:miter lim="800000"/>
+                <a:headEnd/>
+                <a:tailEnd/>
+              </a14:hiddenLine>
+            </a:ext>
+          </a:extLst>
+        </p:spPr>
+        <p:txBody>
+          <a:bodyPr wrap="square">
+            <a:spAutoFit/>
+          </a:bodyPr>
+          <a:lstStyle>
+            <a:lvl1pPr eaLnBrk="0" hangingPunct="0">
+              <a:defRPr sz="2800">
+                <a:solidFill>
+                  <a:schemeClr val="tx1"/>
+                </a:solidFill>
+                <a:latin typeface="Arial" panose="020B0604020202020204" pitchFamily="34" charset="0"/>
+              </a:defRPr>
+            </a:lvl1pPr>
+            <a:lvl2pPr marL="742950" indent="-285750" eaLnBrk="0" hangingPunct="0">
+              <a:defRPr sz="2800">
+                <a:solidFill>
+                  <a:schemeClr val="tx1"/>
+                </a:solidFill>
+                <a:latin typeface="Arial" panose="020B0604020202020204" pitchFamily="34" charset="0"/>
+              </a:defRPr>
+            </a:lvl2pPr>
+            <a:lvl3pPr marL="1143000" indent="-228600" eaLnBrk="0" hangingPunct="0">
+              <a:defRPr sz="2800">
+                <a:solidFill>
+                  <a:schemeClr val="tx1"/>
+                </a:solidFill>
+                <a:latin typeface="Arial" panose="020B0604020202020204" pitchFamily="34" charset="0"/>
+              </a:defRPr>
+            </a:lvl3pPr>
+            <a:lvl4pPr marL="1600200" indent="-228600" eaLnBrk="0" hangingPunct="0">
+              <a:defRPr sz="2800">
+                <a:solidFill>
+                  <a:schemeClr val="tx1"/>
+                </a:solidFill>
+                <a:latin typeface="Arial" panose="020B0604020202020204" pitchFamily="34" charset="0"/>
+              </a:defRPr>
+            </a:lvl4pPr>
+            <a:lvl5pPr marL="2057400" indent="-228600" eaLnBrk="0" hangingPunct="0">
+              <a:defRPr sz="2800">
+                <a:solidFill>
+                  <a:schemeClr val="tx1"/>
+                </a:solidFill>
+                <a:latin typeface="Arial" panose="020B0604020202020204" pitchFamily="34" charset="0"/>
+              </a:defRPr>
+            </a:lvl5pPr>
+            <a:lvl6pPr marL="2514600" indent="-228600" eaLnBrk="0" fontAlgn="base" hangingPunct="0">
+              <a:spcBef>
+                <a:spcPct val="0"/>
+              </a:spcBef>
+              <a:spcAft>
+                <a:spcPct val="0"/>
+              </a:spcAft>
+              <a:defRPr sz="2800">
+                <a:solidFill>
+                  <a:schemeClr val="tx1"/>
+                </a:solidFill>
+                <a:latin typeface="Arial" panose="020B0604020202020204" pitchFamily="34" charset="0"/>
+              </a:defRPr>
+            </a:lvl6pPr>
+            <a:lvl7pPr marL="2971800" indent="-228600" eaLnBrk="0" fontAlgn="base" hangingPunct="0">
+              <a:spcBef>
+                <a:spcPct val="0"/>
+              </a:spcBef>
+              <a:spcAft>
+                <a:spcPct val="0"/>
+              </a:spcAft>
+              <a:defRPr sz="2800">
+                <a:solidFill>
+                  <a:schemeClr val="tx1"/>
+                </a:solidFill>
+                <a:latin typeface="Arial" panose="020B0604020202020204" pitchFamily="34" charset="0"/>
+              </a:defRPr>
+            </a:lvl7pPr>
+            <a:lvl8pPr marL="3429000" indent="-228600" eaLnBrk="0" fontAlgn="base" hangingPunct="0">
+              <a:spcBef>
+                <a:spcPct val="0"/>
+              </a:spcBef>
+              <a:spcAft>
+                <a:spcPct val="0"/>
+              </a:spcAft>
+              <a:defRPr sz="2800">
+                <a:solidFill>
+                  <a:schemeClr val="tx1"/>
+                </a:solidFill>
+                <a:latin typeface="Arial" panose="020B0604020202020204" pitchFamily="34" charset="0"/>
+              </a:defRPr>
+            </a:lvl8pPr>
+            <a:lvl9pPr marL="3886200" indent="-228600" eaLnBrk="0" fontAlgn="base" hangingPunct="0">
+              <a:spcBef>
+                <a:spcPct val="0"/>
+              </a:spcBef>
+              <a:spcAft>
+                <a:spcPct val="0"/>
+              </a:spcAft>
+              <a:defRPr sz="2800">
+                <a:solidFill>
+                  <a:schemeClr val="tx1"/>
+                </a:solidFill>
+                <a:latin typeface="Arial" panose="020B0604020202020204" pitchFamily="34" charset="0"/>
+              </a:defRPr>
+            </a:lvl9pPr>
+          </a:lstStyle>
+          <a:p>
+            <a:pPr eaLnBrk="1" hangingPunct="1"/>
+            <a:r>
+              <a:rPr lang="ru-RU" altLang="ru-RU" sz="2400" dirty="0"/>
+              <a:t>Оператор IN используется для сравнения некоторого значения со списком заданных значений</a:t>
+            </a:r>
+          </a:p>
+        </p:txBody>
+      </p:sp>
+    </p:spTree>
+  </p:cSld>
+  <p:clrMapOvr>
+    <a:masterClrMapping/>
+  </p:clrMapOvr>
+  <p:timing>
+    <p:tnLst>
+      <p:par>
+        <p:cTn id="1" dur="indefinite" restart="never" nodeType="tmRoot">
+          <p:childTnLst>
+            <p:seq concurrent="1" nextAc="seek">
+              <p:cTn id="2" dur="indefinite" nodeType="mainSeq">
+                <p:childTnLst>
+                  <p:par>
+                    <p:cTn id="3" fill="hold">
+                      <p:stCondLst>
+                        <p:cond delay="indefinite"/>
+                      </p:stCondLst>
+                      <p:childTnLst>
+                        <p:par>
+                          <p:cTn id="4" fill="hold">
+                            <p:stCondLst>
+                              <p:cond delay="0"/>
+                            </p:stCondLst>
+                            <p:childTnLst>
+                              <p:par>
+                                <p:cTn id="5" presetID="1" presetClass="entr" presetSubtype="0" fill="hold" grpId="0" nodeType="clickEffect">
+                                  <p:stCondLst>
+                                    <p:cond delay="0"/>
+                                  </p:stCondLst>
+                                  <p:childTnLst>
+                                    <p:set>
+                                      <p:cBhvr>
+                                        <p:cTn id="6" dur="1" fill="hold">
+                                          <p:stCondLst>
+                                            <p:cond delay="0"/>
+                                          </p:stCondLst>
+                                        </p:cTn>
+                                        <p:tgtEl>
+                                          <p:spTgt spid="11268"/>
+                                        </p:tgtEl>
+                                        <p:attrNameLst>
+                                          <p:attrName>style.visibility</p:attrName>
+                                        </p:attrNameLst>
+                                      </p:cBhvr>
+                                      <p:to>
+                                        <p:strVal val="visible"/>
+                                      </p:to>
+                                    </p:set>
+                                  </p:childTnLst>
+                                </p:cTn>
+                              </p:par>
+                            </p:childTnLst>
+                          </p:cTn>
+                        </p:par>
+                      </p:childTnLst>
+                    </p:cTn>
+                  </p:par>
+                </p:childTnLst>
+              </p:cTn>
+              <p:prevCondLst>
+                <p:cond evt="onPrev" delay="0">
+                  <p:tgtEl>
+                    <p:sldTgt/>
+                  </p:tgtEl>
+                </p:cond>
+              </p:prevCondLst>
+              <p:nextCondLst>
+                <p:cond evt="onNext" delay="0">
+                  <p:tgtEl>
+                    <p:sldTgt/>
+                  </p:tgtEl>
+                </p:cond>
+              </p:nextCondLst>
+            </p:seq>
+          </p:childTnLst>
+        </p:cTn>
+      </p:par>
+    </p:tnLst>
+    <p:bldLst>
+      <p:bldP spid="11268" grpId="0"/>
+    </p:bldLst>
+  </p:timing>
 </p:sld>
 </file>
 
